--- a/Fase 1/Evidencias Grupales/PresentacionProyecto.pptx
+++ b/Fase 1/Evidencias Grupales/PresentacionProyecto.pptx
@@ -14,10 +14,10 @@
     <p:sldId id="259" r:id="rId5"/>
     <p:sldId id="260" r:id="rId6"/>
     <p:sldId id="261" r:id="rId7"/>
-    <p:sldId id="262" r:id="rId8"/>
-    <p:sldId id="263" r:id="rId9"/>
-    <p:sldId id="264" r:id="rId10"/>
-    <p:sldId id="265" r:id="rId11"/>
+    <p:sldId id="263" r:id="rId8"/>
+    <p:sldId id="265" r:id="rId9"/>
+    <p:sldId id="266" r:id="rId10"/>
+    <p:sldId id="267" r:id="rId11"/>
   </p:sldIdLst>
   <p:sldSz cx="12192000" cy="6858000"/>
   <p:notesSz cx="6858000" cy="9144000"/>
@@ -117,6 +117,28 @@
     </a:lvl9pPr>
   </p:defaultTextStyle>
   <p:extLst>
+    <p:ext uri="{521415D9-36F7-43E2-AB2F-B90AF26B5E84}">
+      <p14:sectionLst xmlns:p14="http://schemas.microsoft.com/office/powerpoint/2010/main">
+        <p14:section name="Sección predeterminada" id="{9AA39240-17E0-4F52-BA6F-8AF108A28320}">
+          <p14:sldIdLst>
+            <p14:sldId id="256"/>
+            <p14:sldId id="257"/>
+            <p14:sldId id="258"/>
+          </p14:sldIdLst>
+        </p14:section>
+        <p14:section name="Sección sin título" id="{56C61A0B-7B7C-430A-9AEC-C259D94DBEC6}">
+          <p14:sldIdLst>
+            <p14:sldId id="259"/>
+            <p14:sldId id="260"/>
+            <p14:sldId id="261"/>
+            <p14:sldId id="263"/>
+            <p14:sldId id="265"/>
+            <p14:sldId id="266"/>
+            <p14:sldId id="267"/>
+          </p14:sldIdLst>
+        </p14:section>
+      </p14:sectionLst>
+    </p:ext>
     <p:ext uri="{EFAFB233-063F-42B5-8137-9DF3F51BA10A}">
       <p15:sldGuideLst xmlns:p15="http://schemas.microsoft.com/office/powerpoint/2012/main">
         <p15:guide id="1" orient="horz" pos="2160" userDrawn="1">
@@ -1839,7 +1861,7 @@
 </file>
 
 <file path=ppt/diagrams/colors3.xml><?xml version="1.0" encoding="utf-8"?>
-<dgm:colorsDef xmlns:dgm="http://schemas.openxmlformats.org/drawingml/2006/diagram" xmlns:a="http://schemas.openxmlformats.org/drawingml/2006/main" uniqueId="urn:microsoft.com/office/officeart/2018/5/colors/Iconchunking_neutralicon_colorful1">
+<dgm:colorsDef xmlns:dgm="http://schemas.openxmlformats.org/drawingml/2006/diagram" xmlns:a="http://schemas.openxmlformats.org/drawingml/2006/main" uniqueId="urn:microsoft.com/office/officeart/2018/5/colors/Iconchunking_neutralbg_colorful1">
   <dgm:title val=""/>
   <dgm:desc val=""/>
   <dgm:catLst>
@@ -1859,7 +1881,11 @@
   </dgm:styleLbl>
   <dgm:styleLbl name="node1">
     <dgm:fillClrLst meth="repeat">
-      <a:schemeClr val="bg1"/>
+      <a:schemeClr val="accent2"/>
+      <a:schemeClr val="accent3"/>
+      <a:schemeClr val="accent4"/>
+      <a:schemeClr val="accent5"/>
+      <a:schemeClr val="accent6"/>
     </dgm:fillClrLst>
     <dgm:linClrLst meth="repeat">
       <a:schemeClr val="lt1">
@@ -1868,9 +1894,7 @@
     </dgm:linClrLst>
     <dgm:effectClrLst/>
     <dgm:txLinClrLst/>
-    <dgm:txFillClrLst meth="repeat">
-      <a:schemeClr val="dk1"/>
-    </dgm:txFillClrLst>
+    <dgm:txFillClrLst/>
     <dgm:txEffectClrLst/>
   </dgm:styleLbl>
   <dgm:styleLbl name="alignNode1">
@@ -2673,20 +2697,18 @@
   </dgm:styleLbl>
   <dgm:styleLbl name="bgShp">
     <dgm:fillClrLst meth="repeat">
-      <a:schemeClr val="accent2"/>
-      <a:schemeClr val="accent3"/>
-      <a:schemeClr val="accent4"/>
-      <a:schemeClr val="accent5"/>
-      <a:schemeClr val="accent6"/>
+      <a:schemeClr val="bg1">
+        <a:lumMod val="95000"/>
+      </a:schemeClr>
     </dgm:fillClrLst>
     <dgm:linClrLst meth="repeat">
-      <a:schemeClr val="lt1">
-        <a:alpha val="0"/>
-      </a:schemeClr>
+      <a:schemeClr val="dk1"/>
     </dgm:linClrLst>
     <dgm:effectClrLst/>
     <dgm:txLinClrLst/>
-    <dgm:txFillClrLst/>
+    <dgm:txFillClrLst meth="repeat">
+      <a:schemeClr val="dk1"/>
+    </dgm:txFillClrLst>
     <dgm:txEffectClrLst/>
   </dgm:styleLbl>
   <dgm:styleLbl name="dkBgShp">
@@ -3528,8 +3550,8 @@
 <file path=ppt/diagrams/data3.xml><?xml version="1.0" encoding="utf-8"?>
 <dgm:dataModel xmlns:dgm="http://schemas.openxmlformats.org/drawingml/2006/diagram" xmlns:a="http://schemas.openxmlformats.org/drawingml/2006/main">
   <dgm:ptLst>
-    <dgm:pt modelId="{F9BA3D49-87B1-4D1E-92BD-B2E04B5D5957}" type="doc">
-      <dgm:prSet loTypeId="urn:microsoft.com/office/officeart/2018/5/layout/IconLeafLabelList" loCatId="icon" qsTypeId="urn:microsoft.com/office/officeart/2005/8/quickstyle/simple1" qsCatId="simple" csTypeId="urn:microsoft.com/office/officeart/2018/5/colors/Iconchunking_neutralicon_colorful1" csCatId="colorful" phldr="1"/>
+    <dgm:pt modelId="{37B67D74-2CD9-4ED4-B4FF-450E489C4F56}" type="doc">
+      <dgm:prSet loTypeId="urn:microsoft.com/office/officeart/2018/2/layout/IconVerticalSolidList" loCatId="icon" qsTypeId="urn:microsoft.com/office/officeart/2005/8/quickstyle/simple1" qsCatId="simple" csTypeId="urn:microsoft.com/office/officeart/2018/5/colors/Iconchunking_neutralbg_colorful1" csCatId="colorful" phldr="1"/>
       <dgm:spPr/>
       <dgm:t>
         <a:bodyPr/>
@@ -3539,25 +3561,22 @@
         </a:p>
       </dgm:t>
     </dgm:pt>
-    <dgm:pt modelId="{627C2853-3CB7-46E3-A1CA-71498821952F}">
+    <dgm:pt modelId="{7BEE62E8-E150-4906-90D7-D7CFB58D732E}">
       <dgm:prSet/>
       <dgm:spPr/>
       <dgm:t>
         <a:bodyPr/>
         <a:lstStyle/>
         <a:p>
-          <a:pPr>
-            <a:defRPr cap="all"/>
-          </a:pPr>
           <a:r>
-            <a:rPr lang="es-CL"/>
-            <a:t>Factibilidad</a:t>
+            <a:rPr lang="es-CL" dirty="0"/>
+            <a:t> </a:t>
           </a:r>
-          <a:endParaRPr lang="en-US"/>
+          <a:endParaRPr lang="en-US" dirty="0"/>
         </a:p>
       </dgm:t>
     </dgm:pt>
-    <dgm:pt modelId="{5BAA6834-1D81-41FC-8342-60DB9E0B77B2}" type="parTrans" cxnId="{37FC3D4D-D54E-4052-867A-DD5921613271}">
+    <dgm:pt modelId="{A3E92F62-C661-4319-AAAF-1E9CF980D516}" type="parTrans" cxnId="{6D921C43-9CFB-4DE0-BB11-56A238884495}">
       <dgm:prSet/>
       <dgm:spPr/>
       <dgm:t>
@@ -3568,7 +3587,7 @@
         </a:p>
       </dgm:t>
     </dgm:pt>
-    <dgm:pt modelId="{A95332AE-AD3A-42AB-8AC6-1B6548A6F0A1}" type="sibTrans" cxnId="{37FC3D4D-D54E-4052-867A-DD5921613271}">
+    <dgm:pt modelId="{C15EF182-979F-472C-9866-81797AB12990}" type="sibTrans" cxnId="{6D921C43-9CFB-4DE0-BB11-56A238884495}">
       <dgm:prSet/>
       <dgm:spPr/>
       <dgm:t>
@@ -3579,25 +3598,18 @@
         </a:p>
       </dgm:t>
     </dgm:pt>
-    <dgm:pt modelId="{8370D151-C106-4A98-B09D-2F72D493ACE6}">
+    <dgm:pt modelId="{E9DB33BF-8C55-4078-8A28-94514FBA38E5}">
       <dgm:prSet/>
       <dgm:spPr/>
       <dgm:t>
         <a:bodyPr/>
         <a:lstStyle/>
         <a:p>
-          <a:pPr>
-            <a:defRPr cap="all"/>
-          </a:pPr>
-          <a:r>
-            <a:rPr lang="es-CL"/>
-            <a:t>Alcance</a:t>
-          </a:r>
-          <a:endParaRPr lang="en-US"/>
+          <a:endParaRPr lang="en-US" dirty="0"/>
         </a:p>
       </dgm:t>
     </dgm:pt>
-    <dgm:pt modelId="{BC322099-C282-4CE3-86F3-85F1436DF0CC}" type="parTrans" cxnId="{ABA1F8A9-7E7E-435D-A8DC-981ED4C113D5}">
+    <dgm:pt modelId="{9B882037-549F-4540-9F51-3EC26C905900}" type="parTrans" cxnId="{836EB4D1-AD24-4577-A077-6D1C73ADFCBF}">
       <dgm:prSet/>
       <dgm:spPr/>
       <dgm:t>
@@ -3608,7 +3620,7 @@
         </a:p>
       </dgm:t>
     </dgm:pt>
-    <dgm:pt modelId="{50B88EDA-6751-468E-9D7A-99DC3C58076C}" type="sibTrans" cxnId="{ABA1F8A9-7E7E-435D-A8DC-981ED4C113D5}">
+    <dgm:pt modelId="{0FA41F4C-703C-4EC2-858C-3CC39023F0B4}" type="sibTrans" cxnId="{836EB4D1-AD24-4577-A077-6D1C73ADFCBF}">
       <dgm:prSet/>
       <dgm:spPr/>
       <dgm:t>
@@ -3619,25 +3631,18 @@
         </a:p>
       </dgm:t>
     </dgm:pt>
-    <dgm:pt modelId="{201455A9-056C-4190-BC59-5E12301C7200}">
+    <dgm:pt modelId="{1AA34643-69EF-496E-8021-157DF95C1663}">
       <dgm:prSet/>
       <dgm:spPr/>
       <dgm:t>
         <a:bodyPr/>
         <a:lstStyle/>
         <a:p>
-          <a:pPr>
-            <a:defRPr cap="all"/>
-          </a:pPr>
-          <a:r>
-            <a:rPr lang="es-CL"/>
-            <a:t>Objetivos</a:t>
-          </a:r>
-          <a:endParaRPr lang="en-US"/>
+          <a:endParaRPr lang="en-US" dirty="0"/>
         </a:p>
       </dgm:t>
     </dgm:pt>
-    <dgm:pt modelId="{21FF6D57-38EB-410B-A54E-B63C40B66E8A}" type="parTrans" cxnId="{3E2B2D16-2A40-4C9E-BE39-85A065489213}">
+    <dgm:pt modelId="{387A2D87-BC82-4900-80D9-8903379D5385}" type="parTrans" cxnId="{3A323449-88C3-444E-A624-617D619D67C6}">
       <dgm:prSet/>
       <dgm:spPr/>
       <dgm:t>
@@ -3648,7 +3653,7 @@
         </a:p>
       </dgm:t>
     </dgm:pt>
-    <dgm:pt modelId="{CE17BDC8-3BBC-4980-90DF-6E6D38BBFBB9}" type="sibTrans" cxnId="{3E2B2D16-2A40-4C9E-BE39-85A065489213}">
+    <dgm:pt modelId="{1B2E508B-4815-4E0F-8274-1E0739A5B745}" type="sibTrans" cxnId="{3A323449-88C3-444E-A624-617D619D67C6}">
       <dgm:prSet/>
       <dgm:spPr/>
       <dgm:t>
@@ -3659,8 +3664,8 @@
         </a:p>
       </dgm:t>
     </dgm:pt>
-    <dgm:pt modelId="{9EA9F42B-8419-4C4A-97DF-A38DEF81D024}" type="pres">
-      <dgm:prSet presAssocID="{F9BA3D49-87B1-4D1E-92BD-B2E04B5D5957}" presName="root" presStyleCnt="0">
+    <dgm:pt modelId="{3AEBDDB8-FD52-4F7F-A40E-A5625222576F}" type="pres">
+      <dgm:prSet presAssocID="{37B67D74-2CD9-4ED4-B4FF-450E489C4F56}" presName="root" presStyleCnt="0">
         <dgm:presLayoutVars>
           <dgm:dir/>
           <dgm:resizeHandles val="exact"/>
@@ -3668,23 +3673,16 @@
       </dgm:prSet>
       <dgm:spPr/>
     </dgm:pt>
-    <dgm:pt modelId="{24567733-07DA-4507-B62A-B9C3FC0FBEB7}" type="pres">
-      <dgm:prSet presAssocID="{627C2853-3CB7-46E3-A1CA-71498821952F}" presName="compNode" presStyleCnt="0"/>
+    <dgm:pt modelId="{DE88BAF3-FDFB-4936-88AF-26CE2C0D4636}" type="pres">
+      <dgm:prSet presAssocID="{7BEE62E8-E150-4906-90D7-D7CFB58D732E}" presName="compNode" presStyleCnt="0"/>
       <dgm:spPr/>
     </dgm:pt>
-    <dgm:pt modelId="{5374D4C9-0D9F-468F-A61A-5CCA06E606B3}" type="pres">
-      <dgm:prSet presAssocID="{627C2853-3CB7-46E3-A1CA-71498821952F}" presName="iconBgRect" presStyleLbl="bgShp" presStyleIdx="0" presStyleCnt="3"/>
-      <dgm:spPr>
-        <a:prstGeom prst="round2DiagRect">
-          <a:avLst>
-            <a:gd name="adj1" fmla="val 29727"/>
-            <a:gd name="adj2" fmla="val 0"/>
-          </a:avLst>
-        </a:prstGeom>
-      </dgm:spPr>
+    <dgm:pt modelId="{98F7E7D2-4D74-4A78-9537-3431F8F4C128}" type="pres">
+      <dgm:prSet presAssocID="{7BEE62E8-E150-4906-90D7-D7CFB58D732E}" presName="bgRect" presStyleLbl="bgShp" presStyleIdx="0" presStyleCnt="3" custLinFactNeighborX="54"/>
+      <dgm:spPr/>
     </dgm:pt>
-    <dgm:pt modelId="{5791EBFC-B8F7-4AA2-9EC1-26DD3788C3A3}" type="pres">
-      <dgm:prSet presAssocID="{627C2853-3CB7-46E3-A1CA-71498821952F}" presName="iconRect" presStyleLbl="node1" presStyleIdx="0" presStyleCnt="3"/>
+    <dgm:pt modelId="{9349E97F-FEA2-4664-9A79-7920B2F4BFCE}" type="pres">
+      <dgm:prSet presAssocID="{7BEE62E8-E150-4906-90D7-D7CFB58D732E}" presName="iconRect" presStyleLbl="node1" presStyleIdx="0" presStyleCnt="3"/>
       <dgm:spPr>
         <a:blipFill>
           <a:blip xmlns:r="http://schemas.openxmlformats.org/officeDocument/2006/relationships" r:embed="rId1">
@@ -3711,40 +3709,33 @@
         </a:ext>
       </dgm:extLst>
     </dgm:pt>
-    <dgm:pt modelId="{DA1CC468-45C2-4083-B79B-9A72CB35843E}" type="pres">
-      <dgm:prSet presAssocID="{627C2853-3CB7-46E3-A1CA-71498821952F}" presName="spaceRect" presStyleCnt="0"/>
+    <dgm:pt modelId="{159CE10E-A7E7-4CB0-9547-407A90E8CAE6}" type="pres">
+      <dgm:prSet presAssocID="{7BEE62E8-E150-4906-90D7-D7CFB58D732E}" presName="spaceRect" presStyleCnt="0"/>
       <dgm:spPr/>
     </dgm:pt>
-    <dgm:pt modelId="{DA7135D6-E246-4D71-8BAE-698E66C5363E}" type="pres">
-      <dgm:prSet presAssocID="{627C2853-3CB7-46E3-A1CA-71498821952F}" presName="textRect" presStyleLbl="revTx" presStyleIdx="0" presStyleCnt="3">
+    <dgm:pt modelId="{51F6F795-0FD6-4EAB-97F0-198A916F28C8}" type="pres">
+      <dgm:prSet presAssocID="{7BEE62E8-E150-4906-90D7-D7CFB58D732E}" presName="parTx" presStyleLbl="revTx" presStyleIdx="0" presStyleCnt="3">
         <dgm:presLayoutVars>
-          <dgm:chMax val="1"/>
-          <dgm:chPref val="1"/>
+          <dgm:chMax val="0"/>
+          <dgm:chPref val="0"/>
         </dgm:presLayoutVars>
       </dgm:prSet>
       <dgm:spPr/>
     </dgm:pt>
-    <dgm:pt modelId="{C2D44C83-01E9-4211-BD88-618DF22E8E07}" type="pres">
-      <dgm:prSet presAssocID="{A95332AE-AD3A-42AB-8AC6-1B6548A6F0A1}" presName="sibTrans" presStyleCnt="0"/>
+    <dgm:pt modelId="{0D85CF33-9920-41B0-AC4C-5E023C3D1583}" type="pres">
+      <dgm:prSet presAssocID="{C15EF182-979F-472C-9866-81797AB12990}" presName="sibTrans" presStyleCnt="0"/>
       <dgm:spPr/>
     </dgm:pt>
-    <dgm:pt modelId="{5AB081C0-DA14-4C20-BBDD-2F8F3071872D}" type="pres">
-      <dgm:prSet presAssocID="{8370D151-C106-4A98-B09D-2F72D493ACE6}" presName="compNode" presStyleCnt="0"/>
+    <dgm:pt modelId="{31A2039F-1FCC-4A49-B6CD-A26A27A01500}" type="pres">
+      <dgm:prSet presAssocID="{E9DB33BF-8C55-4078-8A28-94514FBA38E5}" presName="compNode" presStyleCnt="0"/>
       <dgm:spPr/>
     </dgm:pt>
-    <dgm:pt modelId="{17E189E4-202D-489D-A766-C39742518C34}" type="pres">
-      <dgm:prSet presAssocID="{8370D151-C106-4A98-B09D-2F72D493ACE6}" presName="iconBgRect" presStyleLbl="bgShp" presStyleIdx="1" presStyleCnt="3"/>
-      <dgm:spPr>
-        <a:prstGeom prst="round2DiagRect">
-          <a:avLst>
-            <a:gd name="adj1" fmla="val 29727"/>
-            <a:gd name="adj2" fmla="val 0"/>
-          </a:avLst>
-        </a:prstGeom>
-      </dgm:spPr>
+    <dgm:pt modelId="{405B375C-1B46-41EE-8991-68C253B42258}" type="pres">
+      <dgm:prSet presAssocID="{E9DB33BF-8C55-4078-8A28-94514FBA38E5}" presName="bgRect" presStyleLbl="bgShp" presStyleIdx="1" presStyleCnt="3"/>
+      <dgm:spPr/>
     </dgm:pt>
-    <dgm:pt modelId="{DDCFDAFF-5F20-48A2-812D-D65797E4C074}" type="pres">
-      <dgm:prSet presAssocID="{8370D151-C106-4A98-B09D-2F72D493ACE6}" presName="iconRect" presStyleLbl="node1" presStyleIdx="1" presStyleCnt="3"/>
+    <dgm:pt modelId="{BB7223A2-C9E8-474B-8096-44CB09BFEBC2}" type="pres">
+      <dgm:prSet presAssocID="{E9DB33BF-8C55-4078-8A28-94514FBA38E5}" presName="iconRect" presStyleLbl="node1" presStyleIdx="1" presStyleCnt="3"/>
       <dgm:spPr>
         <a:blipFill>
           <a:blip xmlns:r="http://schemas.openxmlformats.org/officeDocument/2006/relationships" r:embed="rId3">
@@ -3771,40 +3762,33 @@
         </a:ext>
       </dgm:extLst>
     </dgm:pt>
-    <dgm:pt modelId="{C8DF2A0A-6000-4EEF-AB75-A3B695B92360}" type="pres">
-      <dgm:prSet presAssocID="{8370D151-C106-4A98-B09D-2F72D493ACE6}" presName="spaceRect" presStyleCnt="0"/>
+    <dgm:pt modelId="{F7429A4E-22AC-4920-8CA9-DEA704B4AD8F}" type="pres">
+      <dgm:prSet presAssocID="{E9DB33BF-8C55-4078-8A28-94514FBA38E5}" presName="spaceRect" presStyleCnt="0"/>
       <dgm:spPr/>
     </dgm:pt>
-    <dgm:pt modelId="{5DA7A433-6304-4BDF-B036-77D8BFD4F8AB}" type="pres">
-      <dgm:prSet presAssocID="{8370D151-C106-4A98-B09D-2F72D493ACE6}" presName="textRect" presStyleLbl="revTx" presStyleIdx="1" presStyleCnt="3">
+    <dgm:pt modelId="{79887E7D-1904-4387-8988-F963DDB3C815}" type="pres">
+      <dgm:prSet presAssocID="{E9DB33BF-8C55-4078-8A28-94514FBA38E5}" presName="parTx" presStyleLbl="revTx" presStyleIdx="1" presStyleCnt="3">
         <dgm:presLayoutVars>
-          <dgm:chMax val="1"/>
-          <dgm:chPref val="1"/>
+          <dgm:chMax val="0"/>
+          <dgm:chPref val="0"/>
         </dgm:presLayoutVars>
       </dgm:prSet>
       <dgm:spPr/>
     </dgm:pt>
-    <dgm:pt modelId="{D7161F36-95CA-4134-818B-D280D92B6CF9}" type="pres">
-      <dgm:prSet presAssocID="{50B88EDA-6751-468E-9D7A-99DC3C58076C}" presName="sibTrans" presStyleCnt="0"/>
+    <dgm:pt modelId="{ED8E647A-AADC-4AD8-81F4-40C5DAF6FF1F}" type="pres">
+      <dgm:prSet presAssocID="{0FA41F4C-703C-4EC2-858C-3CC39023F0B4}" presName="sibTrans" presStyleCnt="0"/>
       <dgm:spPr/>
     </dgm:pt>
-    <dgm:pt modelId="{3E5B6090-9243-4F9C-9CE2-A6E75C6782BE}" type="pres">
-      <dgm:prSet presAssocID="{201455A9-056C-4190-BC59-5E12301C7200}" presName="compNode" presStyleCnt="0"/>
+    <dgm:pt modelId="{2F03C9C0-85A3-4DA3-8965-E19A12DE8197}" type="pres">
+      <dgm:prSet presAssocID="{1AA34643-69EF-496E-8021-157DF95C1663}" presName="compNode" presStyleCnt="0"/>
       <dgm:spPr/>
     </dgm:pt>
-    <dgm:pt modelId="{4DB5286A-442F-45E1-8F5F-796E5538C4FF}" type="pres">
-      <dgm:prSet presAssocID="{201455A9-056C-4190-BC59-5E12301C7200}" presName="iconBgRect" presStyleLbl="bgShp" presStyleIdx="2" presStyleCnt="3"/>
-      <dgm:spPr>
-        <a:prstGeom prst="round2DiagRect">
-          <a:avLst>
-            <a:gd name="adj1" fmla="val 29727"/>
-            <a:gd name="adj2" fmla="val 0"/>
-          </a:avLst>
-        </a:prstGeom>
-      </dgm:spPr>
+    <dgm:pt modelId="{F750C39D-A3EA-4841-A3EA-6EDDBABC099E}" type="pres">
+      <dgm:prSet presAssocID="{1AA34643-69EF-496E-8021-157DF95C1663}" presName="bgRect" presStyleLbl="bgShp" presStyleIdx="2" presStyleCnt="3"/>
+      <dgm:spPr/>
     </dgm:pt>
-    <dgm:pt modelId="{7C84B839-27A3-4A14-A659-072F557A1F22}" type="pres">
-      <dgm:prSet presAssocID="{201455A9-056C-4190-BC59-5E12301C7200}" presName="iconRect" presStyleLbl="node1" presStyleIdx="2" presStyleCnt="3"/>
+    <dgm:pt modelId="{B66A3C1D-7FEE-42BC-9152-CFE8B3ABAD90}" type="pres">
+      <dgm:prSet presAssocID="{1AA34643-69EF-496E-8021-157DF95C1663}" presName="iconRect" presStyleLbl="node1" presStyleIdx="2" presStyleCnt="3"/>
       <dgm:spPr>
         <a:blipFill>
           <a:blip xmlns:r="http://schemas.openxmlformats.org/officeDocument/2006/relationships" r:embed="rId5">
@@ -3831,45 +3815,45 @@
         </a:ext>
       </dgm:extLst>
     </dgm:pt>
-    <dgm:pt modelId="{0CE42027-2CEF-46BF-BD4C-1D559CEDE4EE}" type="pres">
-      <dgm:prSet presAssocID="{201455A9-056C-4190-BC59-5E12301C7200}" presName="spaceRect" presStyleCnt="0"/>
+    <dgm:pt modelId="{559BD90F-80C2-4B1C-804F-9CFAF773983A}" type="pres">
+      <dgm:prSet presAssocID="{1AA34643-69EF-496E-8021-157DF95C1663}" presName="spaceRect" presStyleCnt="0"/>
       <dgm:spPr/>
     </dgm:pt>
-    <dgm:pt modelId="{6A3BB2F8-CDB6-406D-B0D1-8CAA5B9502E7}" type="pres">
-      <dgm:prSet presAssocID="{201455A9-056C-4190-BC59-5E12301C7200}" presName="textRect" presStyleLbl="revTx" presStyleIdx="2" presStyleCnt="3">
+    <dgm:pt modelId="{71604772-28C9-47D3-B188-1217046CBB17}" type="pres">
+      <dgm:prSet presAssocID="{1AA34643-69EF-496E-8021-157DF95C1663}" presName="parTx" presStyleLbl="revTx" presStyleIdx="2" presStyleCnt="3">
         <dgm:presLayoutVars>
-          <dgm:chMax val="1"/>
-          <dgm:chPref val="1"/>
+          <dgm:chMax val="0"/>
+          <dgm:chPref val="0"/>
         </dgm:presLayoutVars>
       </dgm:prSet>
       <dgm:spPr/>
     </dgm:pt>
   </dgm:ptLst>
   <dgm:cxnLst>
-    <dgm:cxn modelId="{3E2B2D16-2A40-4C9E-BE39-85A065489213}" srcId="{F9BA3D49-87B1-4D1E-92BD-B2E04B5D5957}" destId="{201455A9-056C-4190-BC59-5E12301C7200}" srcOrd="2" destOrd="0" parTransId="{21FF6D57-38EB-410B-A54E-B63C40B66E8A}" sibTransId="{CE17BDC8-3BBC-4980-90DF-6E6D38BBFBB9}"/>
-    <dgm:cxn modelId="{A3779F2B-5905-416D-BB9E-0172B6480916}" type="presOf" srcId="{8370D151-C106-4A98-B09D-2F72D493ACE6}" destId="{5DA7A433-6304-4BDF-B036-77D8BFD4F8AB}" srcOrd="0" destOrd="0" presId="urn:microsoft.com/office/officeart/2018/5/layout/IconLeafLabelList"/>
-    <dgm:cxn modelId="{37FC3D4D-D54E-4052-867A-DD5921613271}" srcId="{F9BA3D49-87B1-4D1E-92BD-B2E04B5D5957}" destId="{627C2853-3CB7-46E3-A1CA-71498821952F}" srcOrd="0" destOrd="0" parTransId="{5BAA6834-1D81-41FC-8342-60DB9E0B77B2}" sibTransId="{A95332AE-AD3A-42AB-8AC6-1B6548A6F0A1}"/>
-    <dgm:cxn modelId="{ABA1F8A9-7E7E-435D-A8DC-981ED4C113D5}" srcId="{F9BA3D49-87B1-4D1E-92BD-B2E04B5D5957}" destId="{8370D151-C106-4A98-B09D-2F72D493ACE6}" srcOrd="1" destOrd="0" parTransId="{BC322099-C282-4CE3-86F3-85F1436DF0CC}" sibTransId="{50B88EDA-6751-468E-9D7A-99DC3C58076C}"/>
-    <dgm:cxn modelId="{D07E06D9-1938-449C-A170-AD0B605CB0CB}" type="presOf" srcId="{F9BA3D49-87B1-4D1E-92BD-B2E04B5D5957}" destId="{9EA9F42B-8419-4C4A-97DF-A38DEF81D024}" srcOrd="0" destOrd="0" presId="urn:microsoft.com/office/officeart/2018/5/layout/IconLeafLabelList"/>
-    <dgm:cxn modelId="{D5A59DEB-DB5C-420F-9AFE-3BA6F0751963}" type="presOf" srcId="{627C2853-3CB7-46E3-A1CA-71498821952F}" destId="{DA7135D6-E246-4D71-8BAE-698E66C5363E}" srcOrd="0" destOrd="0" presId="urn:microsoft.com/office/officeart/2018/5/layout/IconLeafLabelList"/>
-    <dgm:cxn modelId="{B8F4DDFE-BB5B-4E0F-82E9-7EFEF84AE395}" type="presOf" srcId="{201455A9-056C-4190-BC59-5E12301C7200}" destId="{6A3BB2F8-CDB6-406D-B0D1-8CAA5B9502E7}" srcOrd="0" destOrd="0" presId="urn:microsoft.com/office/officeart/2018/5/layout/IconLeafLabelList"/>
-    <dgm:cxn modelId="{F8F873D0-64A1-46CC-B804-4F16514BBBC8}" type="presParOf" srcId="{9EA9F42B-8419-4C4A-97DF-A38DEF81D024}" destId="{24567733-07DA-4507-B62A-B9C3FC0FBEB7}" srcOrd="0" destOrd="0" presId="urn:microsoft.com/office/officeart/2018/5/layout/IconLeafLabelList"/>
-    <dgm:cxn modelId="{78E8357E-4821-4321-843D-88E8BF2FF72A}" type="presParOf" srcId="{24567733-07DA-4507-B62A-B9C3FC0FBEB7}" destId="{5374D4C9-0D9F-468F-A61A-5CCA06E606B3}" srcOrd="0" destOrd="0" presId="urn:microsoft.com/office/officeart/2018/5/layout/IconLeafLabelList"/>
-    <dgm:cxn modelId="{45AEA482-FE14-4351-8FEE-2AA67589262E}" type="presParOf" srcId="{24567733-07DA-4507-B62A-B9C3FC0FBEB7}" destId="{5791EBFC-B8F7-4AA2-9EC1-26DD3788C3A3}" srcOrd="1" destOrd="0" presId="urn:microsoft.com/office/officeart/2018/5/layout/IconLeafLabelList"/>
-    <dgm:cxn modelId="{AF0CAFBF-1398-4EF3-A34B-542A8DFCE0A0}" type="presParOf" srcId="{24567733-07DA-4507-B62A-B9C3FC0FBEB7}" destId="{DA1CC468-45C2-4083-B79B-9A72CB35843E}" srcOrd="2" destOrd="0" presId="urn:microsoft.com/office/officeart/2018/5/layout/IconLeafLabelList"/>
-    <dgm:cxn modelId="{32B71BFE-C75A-41C1-8422-BABDA7848F6D}" type="presParOf" srcId="{24567733-07DA-4507-B62A-B9C3FC0FBEB7}" destId="{DA7135D6-E246-4D71-8BAE-698E66C5363E}" srcOrd="3" destOrd="0" presId="urn:microsoft.com/office/officeart/2018/5/layout/IconLeafLabelList"/>
-    <dgm:cxn modelId="{43F258EB-ABA1-4338-A2EE-E417974BFDB0}" type="presParOf" srcId="{9EA9F42B-8419-4C4A-97DF-A38DEF81D024}" destId="{C2D44C83-01E9-4211-BD88-618DF22E8E07}" srcOrd="1" destOrd="0" presId="urn:microsoft.com/office/officeart/2018/5/layout/IconLeafLabelList"/>
-    <dgm:cxn modelId="{AA12CA72-06C3-4399-AB93-B80B4946BF28}" type="presParOf" srcId="{9EA9F42B-8419-4C4A-97DF-A38DEF81D024}" destId="{5AB081C0-DA14-4C20-BBDD-2F8F3071872D}" srcOrd="2" destOrd="0" presId="urn:microsoft.com/office/officeart/2018/5/layout/IconLeafLabelList"/>
-    <dgm:cxn modelId="{CD926BF9-203E-482D-BEE1-CDA27C4985A3}" type="presParOf" srcId="{5AB081C0-DA14-4C20-BBDD-2F8F3071872D}" destId="{17E189E4-202D-489D-A766-C39742518C34}" srcOrd="0" destOrd="0" presId="urn:microsoft.com/office/officeart/2018/5/layout/IconLeafLabelList"/>
-    <dgm:cxn modelId="{E2F95D4E-3757-40BD-842B-AD8D5F397934}" type="presParOf" srcId="{5AB081C0-DA14-4C20-BBDD-2F8F3071872D}" destId="{DDCFDAFF-5F20-48A2-812D-D65797E4C074}" srcOrd="1" destOrd="0" presId="urn:microsoft.com/office/officeart/2018/5/layout/IconLeafLabelList"/>
-    <dgm:cxn modelId="{B94494B0-CC26-44B9-ADC1-56B9B897A945}" type="presParOf" srcId="{5AB081C0-DA14-4C20-BBDD-2F8F3071872D}" destId="{C8DF2A0A-6000-4EEF-AB75-A3B695B92360}" srcOrd="2" destOrd="0" presId="urn:microsoft.com/office/officeart/2018/5/layout/IconLeafLabelList"/>
-    <dgm:cxn modelId="{441F9569-26F0-4A70-A14A-9D906D809247}" type="presParOf" srcId="{5AB081C0-DA14-4C20-BBDD-2F8F3071872D}" destId="{5DA7A433-6304-4BDF-B036-77D8BFD4F8AB}" srcOrd="3" destOrd="0" presId="urn:microsoft.com/office/officeart/2018/5/layout/IconLeafLabelList"/>
-    <dgm:cxn modelId="{91278E66-CB09-4F17-888A-05F15CE2BE61}" type="presParOf" srcId="{9EA9F42B-8419-4C4A-97DF-A38DEF81D024}" destId="{D7161F36-95CA-4134-818B-D280D92B6CF9}" srcOrd="3" destOrd="0" presId="urn:microsoft.com/office/officeart/2018/5/layout/IconLeafLabelList"/>
-    <dgm:cxn modelId="{19838774-3903-4918-9E30-4A70ED74204D}" type="presParOf" srcId="{9EA9F42B-8419-4C4A-97DF-A38DEF81D024}" destId="{3E5B6090-9243-4F9C-9CE2-A6E75C6782BE}" srcOrd="4" destOrd="0" presId="urn:microsoft.com/office/officeart/2018/5/layout/IconLeafLabelList"/>
-    <dgm:cxn modelId="{F95999C3-A838-4341-8834-FB8EAB31932B}" type="presParOf" srcId="{3E5B6090-9243-4F9C-9CE2-A6E75C6782BE}" destId="{4DB5286A-442F-45E1-8F5F-796E5538C4FF}" srcOrd="0" destOrd="0" presId="urn:microsoft.com/office/officeart/2018/5/layout/IconLeafLabelList"/>
-    <dgm:cxn modelId="{FCF95BAC-9E14-411C-B4DB-E98CFD43A86F}" type="presParOf" srcId="{3E5B6090-9243-4F9C-9CE2-A6E75C6782BE}" destId="{7C84B839-27A3-4A14-A659-072F557A1F22}" srcOrd="1" destOrd="0" presId="urn:microsoft.com/office/officeart/2018/5/layout/IconLeafLabelList"/>
-    <dgm:cxn modelId="{0CB0F0A1-D010-4C8B-B588-217DCD578B80}" type="presParOf" srcId="{3E5B6090-9243-4F9C-9CE2-A6E75C6782BE}" destId="{0CE42027-2CEF-46BF-BD4C-1D559CEDE4EE}" srcOrd="2" destOrd="0" presId="urn:microsoft.com/office/officeart/2018/5/layout/IconLeafLabelList"/>
-    <dgm:cxn modelId="{0DCC3573-A6F5-4B48-855A-403A29040C30}" type="presParOf" srcId="{3E5B6090-9243-4F9C-9CE2-A6E75C6782BE}" destId="{6A3BB2F8-CDB6-406D-B0D1-8CAA5B9502E7}" srcOrd="3" destOrd="0" presId="urn:microsoft.com/office/officeart/2018/5/layout/IconLeafLabelList"/>
+    <dgm:cxn modelId="{6D921C43-9CFB-4DE0-BB11-56A238884495}" srcId="{37B67D74-2CD9-4ED4-B4FF-450E489C4F56}" destId="{7BEE62E8-E150-4906-90D7-D7CFB58D732E}" srcOrd="0" destOrd="0" parTransId="{A3E92F62-C661-4319-AAAF-1E9CF980D516}" sibTransId="{C15EF182-979F-472C-9866-81797AB12990}"/>
+    <dgm:cxn modelId="{3A323449-88C3-444E-A624-617D619D67C6}" srcId="{37B67D74-2CD9-4ED4-B4FF-450E489C4F56}" destId="{1AA34643-69EF-496E-8021-157DF95C1663}" srcOrd="2" destOrd="0" parTransId="{387A2D87-BC82-4900-80D9-8903379D5385}" sibTransId="{1B2E508B-4815-4E0F-8274-1E0739A5B745}"/>
+    <dgm:cxn modelId="{0A13E594-C84E-48F5-8985-35243A7E3290}" type="presOf" srcId="{7BEE62E8-E150-4906-90D7-D7CFB58D732E}" destId="{51F6F795-0FD6-4EAB-97F0-198A916F28C8}" srcOrd="0" destOrd="0" presId="urn:microsoft.com/office/officeart/2018/2/layout/IconVerticalSolidList"/>
+    <dgm:cxn modelId="{7EAF9AB2-AA72-4EDA-B88A-84936E1A0D4A}" type="presOf" srcId="{E9DB33BF-8C55-4078-8A28-94514FBA38E5}" destId="{79887E7D-1904-4387-8988-F963DDB3C815}" srcOrd="0" destOrd="0" presId="urn:microsoft.com/office/officeart/2018/2/layout/IconVerticalSolidList"/>
+    <dgm:cxn modelId="{93E6FFC1-9D5E-40E0-89FB-46B83CAF77B6}" type="presOf" srcId="{37B67D74-2CD9-4ED4-B4FF-450E489C4F56}" destId="{3AEBDDB8-FD52-4F7F-A40E-A5625222576F}" srcOrd="0" destOrd="0" presId="urn:microsoft.com/office/officeart/2018/2/layout/IconVerticalSolidList"/>
+    <dgm:cxn modelId="{836EB4D1-AD24-4577-A077-6D1C73ADFCBF}" srcId="{37B67D74-2CD9-4ED4-B4FF-450E489C4F56}" destId="{E9DB33BF-8C55-4078-8A28-94514FBA38E5}" srcOrd="1" destOrd="0" parTransId="{9B882037-549F-4540-9F51-3EC26C905900}" sibTransId="{0FA41F4C-703C-4EC2-858C-3CC39023F0B4}"/>
+    <dgm:cxn modelId="{745B13D5-316B-43EF-97AB-76CC9D73174F}" type="presOf" srcId="{1AA34643-69EF-496E-8021-157DF95C1663}" destId="{71604772-28C9-47D3-B188-1217046CBB17}" srcOrd="0" destOrd="0" presId="urn:microsoft.com/office/officeart/2018/2/layout/IconVerticalSolidList"/>
+    <dgm:cxn modelId="{2570BB9F-221C-45D3-BDFB-A41FB0280E45}" type="presParOf" srcId="{3AEBDDB8-FD52-4F7F-A40E-A5625222576F}" destId="{DE88BAF3-FDFB-4936-88AF-26CE2C0D4636}" srcOrd="0" destOrd="0" presId="urn:microsoft.com/office/officeart/2018/2/layout/IconVerticalSolidList"/>
+    <dgm:cxn modelId="{CF130883-4123-4A62-9311-8FAD9C1EAD25}" type="presParOf" srcId="{DE88BAF3-FDFB-4936-88AF-26CE2C0D4636}" destId="{98F7E7D2-4D74-4A78-9537-3431F8F4C128}" srcOrd="0" destOrd="0" presId="urn:microsoft.com/office/officeart/2018/2/layout/IconVerticalSolidList"/>
+    <dgm:cxn modelId="{135E0A78-A331-4A14-A39C-A6C67F32D2E5}" type="presParOf" srcId="{DE88BAF3-FDFB-4936-88AF-26CE2C0D4636}" destId="{9349E97F-FEA2-4664-9A79-7920B2F4BFCE}" srcOrd="1" destOrd="0" presId="urn:microsoft.com/office/officeart/2018/2/layout/IconVerticalSolidList"/>
+    <dgm:cxn modelId="{F53791B2-1F96-4EFF-83B5-FAA6C16ECF20}" type="presParOf" srcId="{DE88BAF3-FDFB-4936-88AF-26CE2C0D4636}" destId="{159CE10E-A7E7-4CB0-9547-407A90E8CAE6}" srcOrd="2" destOrd="0" presId="urn:microsoft.com/office/officeart/2018/2/layout/IconVerticalSolidList"/>
+    <dgm:cxn modelId="{46181410-CD78-434A-A6C4-42E0C8EC5FFA}" type="presParOf" srcId="{DE88BAF3-FDFB-4936-88AF-26CE2C0D4636}" destId="{51F6F795-0FD6-4EAB-97F0-198A916F28C8}" srcOrd="3" destOrd="0" presId="urn:microsoft.com/office/officeart/2018/2/layout/IconVerticalSolidList"/>
+    <dgm:cxn modelId="{26693169-AE18-4E38-B5AB-5FF1E595D67F}" type="presParOf" srcId="{3AEBDDB8-FD52-4F7F-A40E-A5625222576F}" destId="{0D85CF33-9920-41B0-AC4C-5E023C3D1583}" srcOrd="1" destOrd="0" presId="urn:microsoft.com/office/officeart/2018/2/layout/IconVerticalSolidList"/>
+    <dgm:cxn modelId="{FC77438B-A08D-479E-BB49-9B0A026A2B2E}" type="presParOf" srcId="{3AEBDDB8-FD52-4F7F-A40E-A5625222576F}" destId="{31A2039F-1FCC-4A49-B6CD-A26A27A01500}" srcOrd="2" destOrd="0" presId="urn:microsoft.com/office/officeart/2018/2/layout/IconVerticalSolidList"/>
+    <dgm:cxn modelId="{D170AE7A-872F-4965-A614-38E88712D0B9}" type="presParOf" srcId="{31A2039F-1FCC-4A49-B6CD-A26A27A01500}" destId="{405B375C-1B46-41EE-8991-68C253B42258}" srcOrd="0" destOrd="0" presId="urn:microsoft.com/office/officeart/2018/2/layout/IconVerticalSolidList"/>
+    <dgm:cxn modelId="{FD827512-970B-41AD-BD23-A25F8DFA6FF6}" type="presParOf" srcId="{31A2039F-1FCC-4A49-B6CD-A26A27A01500}" destId="{BB7223A2-C9E8-474B-8096-44CB09BFEBC2}" srcOrd="1" destOrd="0" presId="urn:microsoft.com/office/officeart/2018/2/layout/IconVerticalSolidList"/>
+    <dgm:cxn modelId="{CAF5876C-73B3-42FF-BB3E-3CB9618BAE3E}" type="presParOf" srcId="{31A2039F-1FCC-4A49-B6CD-A26A27A01500}" destId="{F7429A4E-22AC-4920-8CA9-DEA704B4AD8F}" srcOrd="2" destOrd="0" presId="urn:microsoft.com/office/officeart/2018/2/layout/IconVerticalSolidList"/>
+    <dgm:cxn modelId="{25F69C1B-71FD-4186-BDA3-9F84914890DA}" type="presParOf" srcId="{31A2039F-1FCC-4A49-B6CD-A26A27A01500}" destId="{79887E7D-1904-4387-8988-F963DDB3C815}" srcOrd="3" destOrd="0" presId="urn:microsoft.com/office/officeart/2018/2/layout/IconVerticalSolidList"/>
+    <dgm:cxn modelId="{E1C75983-18D2-491A-BA3E-0B9FC96CDCAC}" type="presParOf" srcId="{3AEBDDB8-FD52-4F7F-A40E-A5625222576F}" destId="{ED8E647A-AADC-4AD8-81F4-40C5DAF6FF1F}" srcOrd="3" destOrd="0" presId="urn:microsoft.com/office/officeart/2018/2/layout/IconVerticalSolidList"/>
+    <dgm:cxn modelId="{900424C1-D892-4CDE-854F-0782CD4AF9F4}" type="presParOf" srcId="{3AEBDDB8-FD52-4F7F-A40E-A5625222576F}" destId="{2F03C9C0-85A3-4DA3-8965-E19A12DE8197}" srcOrd="4" destOrd="0" presId="urn:microsoft.com/office/officeart/2018/2/layout/IconVerticalSolidList"/>
+    <dgm:cxn modelId="{D8F10266-1E38-456D-BEDC-0DD28EAFA3D5}" type="presParOf" srcId="{2F03C9C0-85A3-4DA3-8965-E19A12DE8197}" destId="{F750C39D-A3EA-4841-A3EA-6EDDBABC099E}" srcOrd="0" destOrd="0" presId="urn:microsoft.com/office/officeart/2018/2/layout/IconVerticalSolidList"/>
+    <dgm:cxn modelId="{B4F3B137-2FC6-4C7D-AC48-826B67DAC76A}" type="presParOf" srcId="{2F03C9C0-85A3-4DA3-8965-E19A12DE8197}" destId="{B66A3C1D-7FEE-42BC-9152-CFE8B3ABAD90}" srcOrd="1" destOrd="0" presId="urn:microsoft.com/office/officeart/2018/2/layout/IconVerticalSolidList"/>
+    <dgm:cxn modelId="{AFBC298D-DBC9-42E0-8DF6-B03D8EEDFC3C}" type="presParOf" srcId="{2F03C9C0-85A3-4DA3-8965-E19A12DE8197}" destId="{559BD90F-80C2-4B1C-804F-9CFAF773983A}" srcOrd="2" destOrd="0" presId="urn:microsoft.com/office/officeart/2018/2/layout/IconVerticalSolidList"/>
+    <dgm:cxn modelId="{6157EEA5-1B9A-4B28-B35D-4B980C65F88B}" type="presParOf" srcId="{2F03C9C0-85A3-4DA3-8965-E19A12DE8197}" destId="{71604772-28C9-47D3-B188-1217046CBB17}" srcOrd="3" destOrd="0" presId="urn:microsoft.com/office/officeart/2018/2/layout/IconVerticalSolidList"/>
   </dgm:cxnLst>
   <dgm:bg/>
   <dgm:whole/>
@@ -5108,24 +5092,24 @@
       <dsp:cNvGrpSpPr/>
     </dsp:nvGrpSpPr>
     <dsp:grpSpPr/>
-    <dsp:sp modelId="{5374D4C9-0D9F-468F-A61A-5CCA06E606B3}">
+    <dsp:sp modelId="{98F7E7D2-4D74-4A78-9537-3431F8F4C128}">
       <dsp:nvSpPr>
         <dsp:cNvPr id="0" name=""/>
         <dsp:cNvSpPr/>
       </dsp:nvSpPr>
       <dsp:spPr>
         <a:xfrm>
-          <a:off x="1053642" y="18497"/>
-          <a:ext cx="1681312" cy="1681312"/>
+          <a:off x="3" y="642"/>
+          <a:ext cx="1658155" cy="1503855"/>
         </a:xfrm>
-        <a:prstGeom prst="round2DiagRect">
+        <a:prstGeom prst="roundRect">
           <a:avLst>
-            <a:gd name="adj1" fmla="val 29727"/>
-            <a:gd name="adj2" fmla="val 0"/>
+            <a:gd name="adj" fmla="val 10000"/>
           </a:avLst>
         </a:prstGeom>
         <a:solidFill>
-          <a:schemeClr val="accent2">
+          <a:schemeClr val="bg1">
+            <a:lumMod val="95000"/>
             <a:hueOff val="0"/>
             <a:satOff val="0"/>
             <a:lumOff val="0"/>
@@ -5150,15 +5134,15 @@
         <a:fontRef idx="minor"/>
       </dsp:style>
     </dsp:sp>
-    <dsp:sp modelId="{5791EBFC-B8F7-4AA2-9EC1-26DD3788C3A3}">
+    <dsp:sp modelId="{9349E97F-FEA2-4664-9A79-7920B2F4BFCE}">
       <dsp:nvSpPr>
         <dsp:cNvPr id="0" name=""/>
         <dsp:cNvSpPr/>
       </dsp:nvSpPr>
       <dsp:spPr>
         <a:xfrm>
-          <a:off x="1411955" y="376810"/>
-          <a:ext cx="964687" cy="964687"/>
+          <a:off x="454916" y="339010"/>
+          <a:ext cx="702601" cy="827120"/>
         </a:xfrm>
         <a:prstGeom prst="rect">
           <a:avLst/>
@@ -5199,15 +5183,15 @@
         </a:fontRef>
       </dsp:style>
     </dsp:sp>
-    <dsp:sp modelId="{DA7135D6-E246-4D71-8BAE-698E66C5363E}">
+    <dsp:sp modelId="{51F6F795-0FD6-4EAB-97F0-198A916F28C8}">
       <dsp:nvSpPr>
         <dsp:cNvPr id="0" name=""/>
         <dsp:cNvSpPr/>
       </dsp:nvSpPr>
       <dsp:spPr>
         <a:xfrm>
-          <a:off x="516174" y="2223498"/>
-          <a:ext cx="2756250" cy="720000"/>
+          <a:off x="1612434" y="642"/>
+          <a:ext cx="1" cy="1503855"/>
         </a:xfrm>
         <a:prstGeom prst="rect">
           <a:avLst/>
@@ -5231,12 +5215,12 @@
         <a:fontRef idx="minor"/>
       </dsp:style>
       <dsp:txBody>
-        <a:bodyPr spcFirstLastPara="0" vert="horz" wrap="square" lIns="0" tIns="0" rIns="0" bIns="0" numCol="1" spcCol="1270" anchor="t" anchorCtr="0">
+        <a:bodyPr spcFirstLastPara="0" vert="horz" wrap="square" lIns="159158" tIns="159158" rIns="159158" bIns="159158" numCol="1" spcCol="1270" anchor="ctr" anchorCtr="0">
           <a:noAutofit/>
         </a:bodyPr>
         <a:lstStyle/>
         <a:p>
-          <a:pPr marL="0" lvl="0" indent="0" algn="ctr" defTabSz="1466850">
+          <a:pPr marL="0" lvl="0" indent="0" algn="l" defTabSz="1111250">
             <a:lnSpc>
               <a:spcPct val="90000"/>
             </a:lnSpc>
@@ -5247,38 +5231,37 @@
               <a:spcPct val="35000"/>
             </a:spcAft>
             <a:buNone/>
-            <a:defRPr cap="all"/>
           </a:pPr>
           <a:r>
-            <a:rPr lang="es-CL" sz="3300" kern="1200"/>
-            <a:t>Factibilidad</a:t>
+            <a:rPr lang="es-CL" sz="2500" kern="1200" dirty="0"/>
+            <a:t> </a:t>
           </a:r>
-          <a:endParaRPr lang="en-US" sz="3300" kern="1200"/>
+          <a:endParaRPr lang="en-US" sz="2500" kern="1200" dirty="0"/>
         </a:p>
       </dsp:txBody>
       <dsp:txXfrm>
-        <a:off x="516174" y="2223498"/>
-        <a:ext cx="2756250" cy="720000"/>
+        <a:off x="1612434" y="642"/>
+        <a:ext cx="1" cy="1503855"/>
       </dsp:txXfrm>
     </dsp:sp>
-    <dsp:sp modelId="{17E189E4-202D-489D-A766-C39742518C34}">
+    <dsp:sp modelId="{405B375C-1B46-41EE-8991-68C253B42258}">
       <dsp:nvSpPr>
         <dsp:cNvPr id="0" name=""/>
         <dsp:cNvSpPr/>
       </dsp:nvSpPr>
       <dsp:spPr>
         <a:xfrm>
-          <a:off x="4292236" y="18497"/>
-          <a:ext cx="1681312" cy="1681312"/>
+          <a:off x="0" y="1880461"/>
+          <a:ext cx="1658159" cy="1503855"/>
         </a:xfrm>
-        <a:prstGeom prst="round2DiagRect">
+        <a:prstGeom prst="roundRect">
           <a:avLst>
-            <a:gd name="adj1" fmla="val 29727"/>
-            <a:gd name="adj2" fmla="val 0"/>
+            <a:gd name="adj" fmla="val 10000"/>
           </a:avLst>
         </a:prstGeom>
         <a:solidFill>
-          <a:schemeClr val="accent3">
+          <a:schemeClr val="bg1">
+            <a:lumMod val="95000"/>
             <a:hueOff val="0"/>
             <a:satOff val="0"/>
             <a:lumOff val="0"/>
@@ -5303,15 +5286,15 @@
         <a:fontRef idx="minor"/>
       </dsp:style>
     </dsp:sp>
-    <dsp:sp modelId="{DDCFDAFF-5F20-48A2-812D-D65797E4C074}">
+    <dsp:sp modelId="{BB7223A2-C9E8-474B-8096-44CB09BFEBC2}">
       <dsp:nvSpPr>
         <dsp:cNvPr id="0" name=""/>
         <dsp:cNvSpPr/>
       </dsp:nvSpPr>
       <dsp:spPr>
         <a:xfrm>
-          <a:off x="4650549" y="376810"/>
-          <a:ext cx="964687" cy="964687"/>
+          <a:off x="454916" y="2218829"/>
+          <a:ext cx="702601" cy="827120"/>
         </a:xfrm>
         <a:prstGeom prst="rect">
           <a:avLst/>
@@ -5352,15 +5335,15 @@
         </a:fontRef>
       </dsp:style>
     </dsp:sp>
-    <dsp:sp modelId="{5DA7A433-6304-4BDF-B036-77D8BFD4F8AB}">
+    <dsp:sp modelId="{79887E7D-1904-4387-8988-F963DDB3C815}">
       <dsp:nvSpPr>
         <dsp:cNvPr id="0" name=""/>
         <dsp:cNvSpPr/>
       </dsp:nvSpPr>
       <dsp:spPr>
         <a:xfrm>
-          <a:off x="3754768" y="2223498"/>
-          <a:ext cx="2756250" cy="720000"/>
+          <a:off x="1612434" y="1880461"/>
+          <a:ext cx="45724" cy="1503855"/>
         </a:xfrm>
         <a:prstGeom prst="rect">
           <a:avLst/>
@@ -5384,12 +5367,12 @@
         <a:fontRef idx="minor"/>
       </dsp:style>
       <dsp:txBody>
-        <a:bodyPr spcFirstLastPara="0" vert="horz" wrap="square" lIns="0" tIns="0" rIns="0" bIns="0" numCol="1" spcCol="1270" anchor="t" anchorCtr="0">
+        <a:bodyPr spcFirstLastPara="0" vert="horz" wrap="square" lIns="159158" tIns="159158" rIns="159158" bIns="159158" numCol="1" spcCol="1270" anchor="ctr" anchorCtr="0">
           <a:noAutofit/>
         </a:bodyPr>
         <a:lstStyle/>
         <a:p>
-          <a:pPr marL="0" lvl="0" indent="0" algn="ctr" defTabSz="1466850">
+          <a:pPr marL="0" lvl="0" indent="0" algn="l" defTabSz="1111250">
             <a:lnSpc>
               <a:spcPct val="90000"/>
             </a:lnSpc>
@@ -5400,38 +5383,33 @@
               <a:spcPct val="35000"/>
             </a:spcAft>
             <a:buNone/>
-            <a:defRPr cap="all"/>
           </a:pPr>
-          <a:r>
-            <a:rPr lang="es-CL" sz="3300" kern="1200"/>
-            <a:t>Alcance</a:t>
-          </a:r>
-          <a:endParaRPr lang="en-US" sz="3300" kern="1200"/>
+          <a:endParaRPr lang="en-US" sz="2500" kern="1200" dirty="0"/>
         </a:p>
       </dsp:txBody>
       <dsp:txXfrm>
-        <a:off x="3754768" y="2223498"/>
-        <a:ext cx="2756250" cy="720000"/>
+        <a:off x="1612434" y="1880461"/>
+        <a:ext cx="45724" cy="1503855"/>
       </dsp:txXfrm>
     </dsp:sp>
-    <dsp:sp modelId="{4DB5286A-442F-45E1-8F5F-796E5538C4FF}">
+    <dsp:sp modelId="{F750C39D-A3EA-4841-A3EA-6EDDBABC099E}">
       <dsp:nvSpPr>
         <dsp:cNvPr id="0" name=""/>
         <dsp:cNvSpPr/>
       </dsp:nvSpPr>
       <dsp:spPr>
         <a:xfrm>
-          <a:off x="7530830" y="18497"/>
-          <a:ext cx="1681312" cy="1681312"/>
+          <a:off x="0" y="3760280"/>
+          <a:ext cx="1658159" cy="1503855"/>
         </a:xfrm>
-        <a:prstGeom prst="round2DiagRect">
+        <a:prstGeom prst="roundRect">
           <a:avLst>
-            <a:gd name="adj1" fmla="val 29727"/>
-            <a:gd name="adj2" fmla="val 0"/>
+            <a:gd name="adj" fmla="val 10000"/>
           </a:avLst>
         </a:prstGeom>
         <a:solidFill>
-          <a:schemeClr val="accent4">
+          <a:schemeClr val="bg1">
+            <a:lumMod val="95000"/>
             <a:hueOff val="0"/>
             <a:satOff val="0"/>
             <a:lumOff val="0"/>
@@ -5456,15 +5434,15 @@
         <a:fontRef idx="minor"/>
       </dsp:style>
     </dsp:sp>
-    <dsp:sp modelId="{7C84B839-27A3-4A14-A659-072F557A1F22}">
+    <dsp:sp modelId="{B66A3C1D-7FEE-42BC-9152-CFE8B3ABAD90}">
       <dsp:nvSpPr>
         <dsp:cNvPr id="0" name=""/>
         <dsp:cNvSpPr/>
       </dsp:nvSpPr>
       <dsp:spPr>
         <a:xfrm>
-          <a:off x="7889143" y="376810"/>
-          <a:ext cx="964687" cy="964687"/>
+          <a:off x="454916" y="4098648"/>
+          <a:ext cx="702601" cy="827120"/>
         </a:xfrm>
         <a:prstGeom prst="rect">
           <a:avLst/>
@@ -5505,15 +5483,15 @@
         </a:fontRef>
       </dsp:style>
     </dsp:sp>
-    <dsp:sp modelId="{6A3BB2F8-CDB6-406D-B0D1-8CAA5B9502E7}">
+    <dsp:sp modelId="{71604772-28C9-47D3-B188-1217046CBB17}">
       <dsp:nvSpPr>
         <dsp:cNvPr id="0" name=""/>
         <dsp:cNvSpPr/>
       </dsp:nvSpPr>
       <dsp:spPr>
         <a:xfrm>
-          <a:off x="6993361" y="2223498"/>
-          <a:ext cx="2756250" cy="720000"/>
+          <a:off x="1612434" y="3760280"/>
+          <a:ext cx="45724" cy="1503855"/>
         </a:xfrm>
         <a:prstGeom prst="rect">
           <a:avLst/>
@@ -5537,12 +5515,12 @@
         <a:fontRef idx="minor"/>
       </dsp:style>
       <dsp:txBody>
-        <a:bodyPr spcFirstLastPara="0" vert="horz" wrap="square" lIns="0" tIns="0" rIns="0" bIns="0" numCol="1" spcCol="1270" anchor="t" anchorCtr="0">
+        <a:bodyPr spcFirstLastPara="0" vert="horz" wrap="square" lIns="159158" tIns="159158" rIns="159158" bIns="159158" numCol="1" spcCol="1270" anchor="ctr" anchorCtr="0">
           <a:noAutofit/>
         </a:bodyPr>
         <a:lstStyle/>
         <a:p>
-          <a:pPr marL="0" lvl="0" indent="0" algn="ctr" defTabSz="1466850">
+          <a:pPr marL="0" lvl="0" indent="0" algn="l" defTabSz="1111250">
             <a:lnSpc>
               <a:spcPct val="90000"/>
             </a:lnSpc>
@@ -5553,18 +5531,13 @@
               <a:spcPct val="35000"/>
             </a:spcAft>
             <a:buNone/>
-            <a:defRPr cap="all"/>
           </a:pPr>
-          <a:r>
-            <a:rPr lang="es-CL" sz="3300" kern="1200"/>
-            <a:t>Objetivos</a:t>
-          </a:r>
-          <a:endParaRPr lang="en-US" sz="3300" kern="1200"/>
+          <a:endParaRPr lang="en-US" sz="2500" kern="1200" dirty="0"/>
         </a:p>
       </dsp:txBody>
       <dsp:txXfrm>
-        <a:off x="6993361" y="2223498"/>
-        <a:ext cx="2756250" cy="720000"/>
+        <a:off x="1612434" y="3760280"/>
+        <a:ext cx="45724" cy="1503855"/>
       </dsp:txXfrm>
     </dsp:sp>
   </dsp:spTree>
@@ -6429,9 +6402,9 @@
 </file>
 
 <file path=ppt/diagrams/layout3.xml><?xml version="1.0" encoding="utf-8"?>
-<dgm:layoutDef xmlns:dgm="http://schemas.openxmlformats.org/drawingml/2006/diagram" xmlns:a="http://schemas.openxmlformats.org/drawingml/2006/main" uniqueId="urn:microsoft.com/office/officeart/2018/5/layout/IconLeafLabelList">
-  <dgm:title val="Icon Leaf Label List"/>
-  <dgm:desc val="Use to show non-sequential or grouped chunks of information accompanied by a related visuals. Works best with icons or small pictures with short text captions."/>
+<dgm:layoutDef xmlns:dgm="http://schemas.openxmlformats.org/drawingml/2006/diagram" xmlns:a="http://schemas.openxmlformats.org/drawingml/2006/main" uniqueId="urn:microsoft.com/office/officeart/2018/2/layout/IconVerticalSolidList">
+  <dgm:title val="Icon Vertical Solid List"/>
+  <dgm:desc val="Use to show a series of visuals from top to bottom with Level 1 or Level 1 and Level 2 text grouped in a shape. Works best with icons or small pictures with lengthier descriptions."/>
   <dgm:catLst>
     <dgm:cat type="icon" pri="500"/>
   </dgm:catLst>
@@ -6463,23 +6436,15 @@
     </dgm:varLst>
     <dgm:choose name="Name0">
       <dgm:if name="Name1" axis="self" func="var" arg="dir" op="equ" val="norm">
-        <dgm:alg type="snake">
-          <dgm:param type="grDir" val="tL"/>
-          <dgm:param type="flowDir" val="row"/>
-          <dgm:param type="contDir" val="sameDir"/>
-          <dgm:param type="off" val="ctr"/>
-          <dgm:param type="vertAlign" val="mid"/>
-          <dgm:param type="horzAlign" val="ctr"/>
+        <dgm:alg type="lin">
+          <dgm:param type="linDir" val="fromT"/>
+          <dgm:param type="nodeHorzAlign" val="l"/>
         </dgm:alg>
       </dgm:if>
       <dgm:else name="Name2">
-        <dgm:alg type="snake">
-          <dgm:param type="grDir" val="tR"/>
-          <dgm:param type="flowDir" val="row"/>
-          <dgm:param type="contDir" val="sameDir"/>
-          <dgm:param type="off" val="ctr"/>
-          <dgm:param type="vertAlign" val="mid"/>
-          <dgm:param type="horzAlign" val="ctr"/>
+        <dgm:alg type="lin">
+          <dgm:param type="linDir" val="fromT"/>
+          <dgm:param type="nodeHorzAlign" val="r"/>
         </dgm:alg>
       </dgm:else>
     </dgm:choose>
@@ -6488,53 +6453,73 @@
     </dgm:shape>
     <dgm:presOf/>
     <dgm:choose name="Name3">
-      <dgm:if name="Name4" axis="ch" ptType="node" func="cnt" op="lte" val="2">
+      <dgm:if name="Name4" axis="ch" ptType="node" func="cnt" op="lte" val="3">
         <dgm:constrLst>
-          <dgm:constr type="h" for="ch" forName="compNode" refType="h" fact="0.4"/>
-          <dgm:constr type="w" for="ch" forName="compNode" val="100"/>
-          <dgm:constr type="w" for="ch" forName="sibTrans" refType="w" refFor="ch" refForName="compNode" fact="0.175"/>
-          <dgm:constr type="sp" refType="w" refFor="ch" refForName="compNode" op="equ" fact="0.25"/>
-          <dgm:constr type="primFontSz" for="des" ptType="node" op="equ" val="44"/>
+          <dgm:constr type="h" for="ch" forName="compNode" refType="h" fact="0.3"/>
+          <dgm:constr type="w" for="ch" forName="compNode" refType="w"/>
+          <dgm:constr type="h" for="ch" forName="sibTrans" refType="h" refFor="ch" refForName="compNode" fact="0.25"/>
+          <dgm:constr type="primFontSz" for="des" forName="parTx" val="25"/>
+          <dgm:constr type="primFontSz" for="des" forName="desTx" refType="primFontSz" refFor="des" refForName="parTx" op="lte" fact="0.75"/>
           <dgm:constr type="h" for="des" forName="compNode" op="equ"/>
-          <dgm:constr type="h" for="des" forName="textRect" op="equ"/>
+          <dgm:constr type="h" for="des" forName="bgRect" op="equ"/>
+          <dgm:constr type="h" for="des" forName="iconRect" op="equ"/>
+          <dgm:constr type="w" for="des" forName="iconRect" op="equ"/>
+          <dgm:constr type="h" for="des" forName="spaceRect" op="equ"/>
+          <dgm:constr type="h" for="des" forName="parTx" op="equ"/>
+          <dgm:constr type="h" for="des" forName="desTx" op="equ"/>
         </dgm:constrLst>
       </dgm:if>
-      <dgm:if name="Name5" axis="ch" ptType="node" func="cnt" op="lte" val="3">
+      <dgm:if name="Name5" axis="ch" ptType="node" func="cnt" op="lte" val="4">
         <dgm:constrLst>
-          <dgm:constr type="h" for="ch" forName="compNode" refType="h" fact="0.4"/>
-          <dgm:constr type="w" for="ch" forName="compNode" val="100"/>
-          <dgm:constr type="w" for="ch" forName="sibTrans" refType="w" refFor="ch" refForName="compNode" fact="0.175"/>
-          <dgm:constr type="sp" refType="w" refFor="ch" refForName="compNode" op="equ" fact="0.25"/>
-          <dgm:constr type="primFontSz" for="des" ptType="node" op="equ" val="40"/>
+          <dgm:constr type="h" for="ch" forName="compNode" refType="h" fact="0.3"/>
+          <dgm:constr type="w" for="ch" forName="compNode" refType="w"/>
+          <dgm:constr type="h" for="ch" forName="sibTrans" refType="h" refFor="ch" refForName="compNode" fact="0.25"/>
+          <dgm:constr type="primFontSz" for="des" forName="parTx" val="22"/>
+          <dgm:constr type="primFontSz" for="des" forName="desTx" refType="primFontSz" refFor="des" refForName="parTx" op="lte" fact="0.75"/>
           <dgm:constr type="h" for="des" forName="compNode" op="equ"/>
-          <dgm:constr type="h" for="des" forName="textRect" op="equ"/>
+          <dgm:constr type="h" for="des" forName="bgRect" op="equ"/>
+          <dgm:constr type="h" for="des" forName="iconRect" op="equ"/>
+          <dgm:constr type="w" for="des" forName="iconRect" op="equ"/>
+          <dgm:constr type="h" for="des" forName="spaceRect" op="equ"/>
+          <dgm:constr type="h" for="des" forName="parTx" op="equ"/>
+          <dgm:constr type="h" for="des" forName="desTx" op="equ"/>
         </dgm:constrLst>
       </dgm:if>
-      <dgm:if name="Name6" axis="ch" ptType="node" func="cnt" op="lte" val="4">
+      <dgm:if name="Name6" axis="ch" ptType="node" func="cnt" op="lte" val="6">
         <dgm:constrLst>
-          <dgm:constr type="h" for="ch" forName="compNode" refType="h" fact="0.4"/>
+          <dgm:constr type="h" for="ch" forName="compNode" refType="h" fact="0.3"/>
           <dgm:constr type="w" for="ch" forName="compNode" refType="w"/>
-          <dgm:constr type="w" for="ch" forName="sibTrans" refType="w" refFor="ch" refForName="compNode" fact="0.175"/>
-          <dgm:constr type="sp" refType="w" refFor="ch" refForName="compNode" op="equ" fact="0.25"/>
-          <dgm:constr type="primFontSz" for="des" ptType="node" op="equ" val="32"/>
+          <dgm:constr type="h" for="ch" forName="sibTrans" refType="h" refFor="ch" refForName="compNode" fact="0.25"/>
+          <dgm:constr type="primFontSz" for="des" forName="parTx" val="19"/>
+          <dgm:constr type="primFontSz" for="des" forName="desTx" refType="primFontSz" refFor="des" refForName="parTx" op="lte" fact="0.75"/>
           <dgm:constr type="h" for="des" forName="compNode" op="equ"/>
-          <dgm:constr type="h" for="des" forName="textRect" op="equ"/>
+          <dgm:constr type="h" for="des" forName="bgRect" op="equ"/>
+          <dgm:constr type="h" for="des" forName="iconRect" op="equ"/>
+          <dgm:constr type="w" for="des" forName="iconRect" op="equ"/>
+          <dgm:constr type="h" for="des" forName="spaceRect" op="equ"/>
+          <dgm:constr type="h" for="des" forName="parTx" op="equ"/>
+          <dgm:constr type="h" for="des" forName="desTx" op="equ"/>
         </dgm:constrLst>
       </dgm:if>
       <dgm:else name="Name7">
         <dgm:constrLst>
-          <dgm:constr type="h" for="ch" forName="compNode" refType="h" fact="0.4"/>
+          <dgm:constr type="h" for="ch" forName="compNode" refType="h" fact="0.3"/>
           <dgm:constr type="w" for="ch" forName="compNode" refType="w"/>
-          <dgm:constr type="w" for="ch" forName="sibTrans" refType="w" refFor="ch" refForName="compNode" fact="0.175"/>
-          <dgm:constr type="sp" refType="w" refFor="ch" refForName="compNode" op="equ" fact="0.25"/>
-          <dgm:constr type="primFontSz" for="des" ptType="node" op="equ" val="24"/>
+          <dgm:constr type="h" for="ch" forName="sibTrans" refType="h" refFor="ch" refForName="compNode" fact="0.25"/>
+          <dgm:constr type="primFontSz" for="des" forName="parTx" val="16"/>
+          <dgm:constr type="primFontSz" for="des" forName="desTx" refType="primFontSz" refFor="des" refForName="parTx" op="lte" fact="0.75"/>
           <dgm:constr type="h" for="des" forName="compNode" op="equ"/>
-          <dgm:constr type="h" for="des" forName="textRect" op="equ"/>
+          <dgm:constr type="h" for="des" forName="bgRect" op="equ"/>
+          <dgm:constr type="h" for="des" forName="iconRect" op="equ"/>
+          <dgm:constr type="w" for="des" forName="iconRect" op="equ"/>
+          <dgm:constr type="h" for="des" forName="spaceRect" op="equ"/>
+          <dgm:constr type="h" for="des" forName="parTx" op="equ"/>
+          <dgm:constr type="h" for="des" forName="desTx" op="equ"/>
         </dgm:constrLst>
       </dgm:else>
     </dgm:choose>
     <dgm:ruleLst>
-      <dgm:rule type="w" for="ch" forName="compNode" val="50" fact="NaN" max="NaN"/>
+      <dgm:rule type="h" for="ch" forName="compNode" val="0" fact="NaN" max="NaN"/>
     </dgm:ruleLst>
     <dgm:forEach name="Name8" axis="ch" ptType="node">
       <dgm:layoutNode name="compNode">
@@ -6543,43 +6528,59 @@
           <dgm:adjLst/>
         </dgm:shape>
         <dgm:presOf axis="self"/>
-        <dgm:constrLst>
-          <dgm:constr type="w" for="ch" forName="iconBgRect" refType="w" fact="0.61"/>
-          <dgm:constr type="h" for="ch" forName="iconBgRect" refType="w" refFor="ch" refForName="iconBgRect"/>
-          <dgm:constr type="t" for="ch" forName="iconBgRect"/>
-          <dgm:constr type="ctrX" for="ch" forName="iconBgRect" refType="w" fact="0.5"/>
-          <dgm:constr type="w" for="ch" forName="iconRect" refType="w" fact="0.35"/>
-          <dgm:constr type="h" for="ch" forName="iconRect" refType="w" refFor="ch" refForName="iconRect"/>
-          <dgm:constr type="ctrX" for="ch" forName="iconRect" refType="ctrX" refFor="ch" refForName="iconBgRect"/>
-          <dgm:constr type="ctrY" for="ch" forName="iconRect" refType="ctrY" refFor="ch" refForName="iconBgRect"/>
-          <dgm:constr type="h" for="ch" forName="spaceRect" refType="w" fact="0.19"/>
-          <dgm:constr type="w" for="ch" forName="spaceRect" refType="w"/>
-          <dgm:constr type="l" for="ch" forName="spaceRect"/>
-          <dgm:constr type="t" for="ch" forName="spaceRect" refType="b" refFor="ch" refForName="iconBgRect"/>
-          <dgm:constr type="h" for="ch" forName="textRect" val="20"/>
-          <dgm:constr type="w" for="ch" forName="textRect" refType="w"/>
-          <dgm:constr type="l" for="ch" forName="textRect"/>
-          <dgm:constr type="t" for="ch" forName="textRect" refType="b" refFor="ch" refForName="spaceRect"/>
-        </dgm:constrLst>
+        <dgm:choose name="Name9">
+          <dgm:if name="Name10" axis="ch" ptType="node" func="cnt" op="gte" val="1">
+            <dgm:constrLst>
+              <dgm:constr type="w" for="ch" forName="bgRect" refType="w"/>
+              <dgm:constr type="h" for="ch" forName="bgRect" refType="h"/>
+              <dgm:constr type="l" for="ch" forName="bgRect"/>
+              <dgm:constr type="t" for="ch" forName="bgRect"/>
+              <dgm:constr type="h" for="ch" forName="iconRect" refType="h" fact="0.55"/>
+              <dgm:constr type="w" for="ch" forName="iconRect" refType="h" refFor="ch" refForName="iconRect"/>
+              <dgm:constr type="l" for="ch" forName="iconRect" refType="h" refFor="ch" refForName="iconRect" fact="0.55"/>
+              <dgm:constr type="ctrY" for="ch" forName="iconRect" refType="ctrY" refFor="ch" refForName="bgRect"/>
+              <dgm:constr type="w" for="ch" forName="spaceRect" refType="l" refFor="ch" refForName="iconRect"/>
+              <dgm:constr type="h" for="ch" forName="spaceRect" refType="h"/>
+              <dgm:constr type="l" for="ch" forName="spaceRect" refType="r" refFor="ch" refForName="iconRect"/>
+              <dgm:constr type="t" for="ch" forName="spaceRect"/>
+              <dgm:constr type="w" for="ch" forName="parTx" refType="w" fact="0.45"/>
+              <dgm:constr type="h" for="ch" forName="parTx" refType="h"/>
+              <dgm:constr type="l" for="ch" forName="parTx" refType="r" refFor="ch" refForName="spaceRect"/>
+              <dgm:constr type="t" for="ch" forName="parTx"/>
+              <dgm:constr type="h" for="ch" forName="desTx" refType="h"/>
+              <dgm:constr type="l" for="ch" forName="desTx" refType="r" refFor="ch" refForName="parTx"/>
+              <dgm:constr type="t" for="ch" forName="desTx"/>
+            </dgm:constrLst>
+          </dgm:if>
+          <dgm:else name="Name11">
+            <dgm:constrLst>
+              <dgm:constr type="w" for="ch" forName="bgRect" refType="w"/>
+              <dgm:constr type="h" for="ch" forName="bgRect" refType="h"/>
+              <dgm:constr type="l" for="ch" forName="bgRect"/>
+              <dgm:constr type="t" for="ch" forName="bgRect"/>
+              <dgm:constr type="h" for="ch" forName="iconRect" refType="h" fact="0.55"/>
+              <dgm:constr type="w" for="ch" forName="iconRect" refType="h" refFor="ch" refForName="iconRect"/>
+              <dgm:constr type="l" for="ch" forName="iconRect" refType="h" refFor="ch" refForName="iconRect" fact="0.55"/>
+              <dgm:constr type="ctrY" for="ch" forName="iconRect" refType="ctrY" refFor="ch" refForName="bgRect"/>
+              <dgm:constr type="w" for="ch" forName="spaceRect" refType="l" refFor="ch" refForName="iconRect"/>
+              <dgm:constr type="h" for="ch" forName="spaceRect" refType="h"/>
+              <dgm:constr type="l" for="ch" forName="spaceRect" refType="r" refFor="ch" refForName="iconRect"/>
+              <dgm:constr type="t" for="ch" forName="spaceRect"/>
+              <dgm:constr type="h" for="ch" forName="parTx" refType="h"/>
+              <dgm:constr type="l" for="ch" forName="parTx" refType="r" refFor="ch" refForName="spaceRect"/>
+              <dgm:constr type="t" for="ch" forName="parTx"/>
+            </dgm:constrLst>
+          </dgm:else>
+        </dgm:choose>
         <dgm:ruleLst>
           <dgm:rule type="h" val="INF" fact="NaN" max="NaN"/>
         </dgm:ruleLst>
-        <dgm:layoutNode name="iconBgRect" styleLbl="bgShp">
+        <dgm:layoutNode name="bgRect" styleLbl="bgShp">
           <dgm:alg type="sp"/>
-          <dgm:shape xmlns:r="http://schemas.openxmlformats.org/officeDocument/2006/relationships" type="round2DiagRect" r:blip="">
-            <dgm:adjLst/>
-            <dgm:extLst>
-              <a:ext uri="{B698B0E9-8C71-41B9-8309-B3DCBF30829C}">
-                <dgm1612:spPr xmlns:dgm1612="http://schemas.microsoft.com/office/drawing/2016/12/diagram">
-                  <a:prstGeom prst="round2DiagRect">
-                    <a:avLst>
-                      <a:gd name="adj1" fmla="val 29727"/>
-                      <a:gd name="adj2" fmla="val 0"/>
-                    </a:avLst>
-                  </a:prstGeom>
-                </dgm1612:spPr>
-              </a:ext>
-            </dgm:extLst>
+          <dgm:shape xmlns:r="http://schemas.openxmlformats.org/officeDocument/2006/relationships" type="roundRect" r:blip="">
+            <dgm:adjLst>
+              <dgm:adj idx="1" val="0.1"/>
+            </dgm:adjLst>
           </dgm:shape>
           <dgm:presOf/>
           <dgm:constrLst/>
@@ -6603,31 +6604,66 @@
           <dgm:constrLst/>
           <dgm:ruleLst/>
         </dgm:layoutNode>
-        <dgm:layoutNode name="textRect" styleLbl="revTx">
+        <dgm:layoutNode name="parTx" styleLbl="revTx">
           <dgm:varLst>
-            <dgm:chMax val="1"/>
-            <dgm:chPref val="1"/>
+            <dgm:chMax val="0"/>
+            <dgm:chPref val="0"/>
           </dgm:varLst>
           <dgm:alg type="tx">
-            <dgm:param type="txAnchorVert" val="t"/>
+            <dgm:param type="txAnchorVert" val="mid"/>
+            <dgm:param type="parTxLTRAlign" val="l"/>
+            <dgm:param type="shpTxLTRAlignCh" val="l"/>
+            <dgm:param type="parTxRTLAlign" val="r"/>
+            <dgm:param type="shpTxRTLAlignCh" val="r"/>
           </dgm:alg>
           <dgm:shape xmlns:r="http://schemas.openxmlformats.org/officeDocument/2006/relationships" type="rect" r:blip="">
             <dgm:adjLst/>
           </dgm:shape>
           <dgm:presOf axis="self" ptType="node"/>
           <dgm:constrLst>
-            <dgm:constr type="lMarg"/>
-            <dgm:constr type="rMarg"/>
-            <dgm:constr type="tMarg"/>
-            <dgm:constr type="bMarg"/>
+            <dgm:constr type="lMarg" refType="h" fact="0.3"/>
+            <dgm:constr type="rMarg" refType="h" fact="0.3"/>
+            <dgm:constr type="tMarg" refType="h" fact="0.3"/>
+            <dgm:constr type="bMarg" refType="h" fact="0.3"/>
           </dgm:constrLst>
           <dgm:ruleLst>
-            <dgm:rule type="primFontSz" val="11" fact="NaN" max="NaN"/>
+            <dgm:rule type="primFontSz" val="14" fact="NaN" max="NaN"/>
             <dgm:rule type="h" val="INF" fact="NaN" max="NaN"/>
           </dgm:ruleLst>
         </dgm:layoutNode>
+        <dgm:choose name="Name12">
+          <dgm:if name="Name13" axis="ch" ptType="node" func="cnt" op="gte" val="1">
+            <dgm:layoutNode name="desTx" styleLbl="revTx">
+              <dgm:varLst/>
+              <dgm:alg type="tx">
+                <dgm:param type="txAnchorVertCh" val="mid"/>
+                <dgm:param type="parTxLTRAlign" val="l"/>
+                <dgm:param type="shpTxLTRAlignCh" val="l"/>
+                <dgm:param type="parTxRTLAlign" val="r"/>
+                <dgm:param type="shpTxRTLAlignCh" val="r"/>
+                <dgm:param type="stBulletLvl" val="0"/>
+              </dgm:alg>
+              <dgm:shape xmlns:r="http://schemas.openxmlformats.org/officeDocument/2006/relationships" type="rect" r:blip="">
+                <dgm:adjLst/>
+              </dgm:shape>
+              <dgm:presOf axis="des" ptType="node"/>
+              <dgm:constrLst>
+                <dgm:constr type="primFontSz" val="18"/>
+                <dgm:constr type="secFontSz" refType="primFontSz"/>
+                <dgm:constr type="lMarg" refType="h" fact="0.3"/>
+                <dgm:constr type="rMarg" refType="h" fact="0.3"/>
+                <dgm:constr type="tMarg" refType="h" fact="0.3"/>
+                <dgm:constr type="bMarg" refType="h" fact="0.3"/>
+              </dgm:constrLst>
+              <dgm:ruleLst>
+                <dgm:rule type="primFontSz" val="11" fact="NaN" max="NaN"/>
+              </dgm:ruleLst>
+            </dgm:layoutNode>
+          </dgm:if>
+          <dgm:else name="Name14"/>
+        </dgm:choose>
       </dgm:layoutNode>
-      <dgm:forEach name="Name9" axis="followSib" ptType="sibTrans" cnt="1">
+      <dgm:forEach name="Name15" axis="followSib" ptType="sibTrans" cnt="1">
         <dgm:layoutNode name="sibTrans">
           <dgm:alg type="sp"/>
           <dgm:shape xmlns:r="http://schemas.openxmlformats.org/officeDocument/2006/relationships" r:blip="">
@@ -6647,8 +6683,12 @@
           <a:lnSpc>
             <a:spcPct val="100000"/>
           </a:lnSpc>
-          <a:defRPr cap="all"/>
         </a:lvl1pPr>
+        <a:lvl2pPr>
+          <a:lnSpc>
+            <a:spcPct val="100000"/>
+          </a:lnSpc>
+        </a:lvl2pPr>
       </dgm1612:lstStyle>
     </a:ext>
   </dgm:extLst>
@@ -10596,6 +10636,13 @@
             <a:noFill/>
           </a:ln>
         </p:spPr>
+        <p:txBody>
+          <a:bodyPr/>
+          <a:lstStyle/>
+          <a:p>
+            <a:endParaRPr lang="es-CL"/>
+          </a:p>
+        </p:txBody>
       </p:sp>
       <p:sp>
         <p:nvSpPr>
@@ -15491,6 +15538,13 @@
               <a:noFill/>
             </a:ln>
           </p:spPr>
+          <p:txBody>
+            <a:bodyPr/>
+            <a:lstStyle/>
+            <a:p>
+              <a:endParaRPr lang="es-CL"/>
+            </a:p>
+          </p:txBody>
         </p:sp>
         <p:sp>
           <p:nvSpPr>
@@ -15557,6 +15611,13 @@
               <a:noFill/>
             </a:ln>
           </p:spPr>
+          <p:txBody>
+            <a:bodyPr/>
+            <a:lstStyle/>
+            <a:p>
+              <a:endParaRPr lang="es-CL"/>
+            </a:p>
+          </p:txBody>
         </p:sp>
         <p:sp>
           <p:nvSpPr>
@@ -15628,6 +15689,13 @@
               <a:noFill/>
             </a:ln>
           </p:spPr>
+          <p:txBody>
+            <a:bodyPr/>
+            <a:lstStyle/>
+            <a:p>
+              <a:endParaRPr lang="es-CL"/>
+            </a:p>
+          </p:txBody>
         </p:sp>
         <p:sp>
           <p:nvSpPr>
@@ -15679,6 +15747,13 @@
               <a:noFill/>
             </a:ln>
           </p:spPr>
+          <p:txBody>
+            <a:bodyPr/>
+            <a:lstStyle/>
+            <a:p>
+              <a:endParaRPr lang="es-CL"/>
+            </a:p>
+          </p:txBody>
         </p:sp>
         <p:sp>
           <p:nvSpPr>
@@ -15765,6 +15840,13 @@
               <a:noFill/>
             </a:ln>
           </p:spPr>
+          <p:txBody>
+            <a:bodyPr/>
+            <a:lstStyle/>
+            <a:p>
+              <a:endParaRPr lang="es-CL"/>
+            </a:p>
+          </p:txBody>
         </p:sp>
         <p:sp>
           <p:nvSpPr>
@@ -15846,6 +15928,13 @@
               <a:noFill/>
             </a:ln>
           </p:spPr>
+          <p:txBody>
+            <a:bodyPr/>
+            <a:lstStyle/>
+            <a:p>
+              <a:endParaRPr lang="es-CL"/>
+            </a:p>
+          </p:txBody>
         </p:sp>
         <p:sp>
           <p:nvSpPr>
@@ -15907,6 +15996,13 @@
               <a:noFill/>
             </a:ln>
           </p:spPr>
+          <p:txBody>
+            <a:bodyPr/>
+            <a:lstStyle/>
+            <a:p>
+              <a:endParaRPr lang="es-CL"/>
+            </a:p>
+          </p:txBody>
         </p:sp>
         <p:sp>
           <p:nvSpPr>
@@ -15988,6 +16084,13 @@
               <a:noFill/>
             </a:ln>
           </p:spPr>
+          <p:txBody>
+            <a:bodyPr/>
+            <a:lstStyle/>
+            <a:p>
+              <a:endParaRPr lang="es-CL"/>
+            </a:p>
+          </p:txBody>
         </p:sp>
         <p:sp>
           <p:nvSpPr>
@@ -16104,6 +16207,13 @@
               <a:noFill/>
             </a:ln>
           </p:spPr>
+          <p:txBody>
+            <a:bodyPr/>
+            <a:lstStyle/>
+            <a:p>
+              <a:endParaRPr lang="es-CL"/>
+            </a:p>
+          </p:txBody>
         </p:sp>
         <p:sp>
           <p:nvSpPr>
@@ -16155,6 +16265,13 @@
               <a:noFill/>
             </a:ln>
           </p:spPr>
+          <p:txBody>
+            <a:bodyPr/>
+            <a:lstStyle/>
+            <a:p>
+              <a:endParaRPr lang="es-CL"/>
+            </a:p>
+          </p:txBody>
         </p:sp>
         <p:sp>
           <p:nvSpPr>
@@ -16216,6 +16333,13 @@
               <a:noFill/>
             </a:ln>
           </p:spPr>
+          <p:txBody>
+            <a:bodyPr/>
+            <a:lstStyle/>
+            <a:p>
+              <a:endParaRPr lang="es-CL"/>
+            </a:p>
+          </p:txBody>
         </p:sp>
         <p:sp>
           <p:nvSpPr>
@@ -16287,6 +16411,13 @@
               <a:noFill/>
             </a:ln>
           </p:spPr>
+          <p:txBody>
+            <a:bodyPr/>
+            <a:lstStyle/>
+            <a:p>
+              <a:endParaRPr lang="es-CL"/>
+            </a:p>
+          </p:txBody>
         </p:sp>
       </p:grpSp>
       <p:grpSp>
@@ -16406,6 +16537,13 @@
               <a:noFill/>
             </a:ln>
           </p:spPr>
+          <p:txBody>
+            <a:bodyPr/>
+            <a:lstStyle/>
+            <a:p>
+              <a:endParaRPr lang="es-CL"/>
+            </a:p>
+          </p:txBody>
         </p:sp>
         <p:sp>
           <p:nvSpPr>
@@ -16475,6 +16613,13 @@
               <a:noFill/>
             </a:ln>
           </p:spPr>
+          <p:txBody>
+            <a:bodyPr/>
+            <a:lstStyle/>
+            <a:p>
+              <a:endParaRPr lang="es-CL"/>
+            </a:p>
+          </p:txBody>
         </p:sp>
         <p:sp>
           <p:nvSpPr>
@@ -16544,6 +16689,13 @@
               <a:noFill/>
             </a:ln>
           </p:spPr>
+          <p:txBody>
+            <a:bodyPr/>
+            <a:lstStyle/>
+            <a:p>
+              <a:endParaRPr lang="es-CL"/>
+            </a:p>
+          </p:txBody>
         </p:sp>
         <p:sp>
           <p:nvSpPr>
@@ -16628,6 +16780,13 @@
               <a:noFill/>
             </a:ln>
           </p:spPr>
+          <p:txBody>
+            <a:bodyPr/>
+            <a:lstStyle/>
+            <a:p>
+              <a:endParaRPr lang="es-CL"/>
+            </a:p>
+          </p:txBody>
         </p:sp>
         <p:sp>
           <p:nvSpPr>
@@ -16722,6 +16881,13 @@
               <a:noFill/>
             </a:ln>
           </p:spPr>
+          <p:txBody>
+            <a:bodyPr/>
+            <a:lstStyle/>
+            <a:p>
+              <a:endParaRPr lang="es-CL"/>
+            </a:p>
+          </p:txBody>
         </p:sp>
         <p:sp>
           <p:nvSpPr>
@@ -16771,6 +16937,13 @@
               <a:noFill/>
             </a:ln>
           </p:spPr>
+          <p:txBody>
+            <a:bodyPr/>
+            <a:lstStyle/>
+            <a:p>
+              <a:endParaRPr lang="es-CL"/>
+            </a:p>
+          </p:txBody>
         </p:sp>
         <p:sp>
           <p:nvSpPr>
@@ -16835,6 +17008,13 @@
               <a:noFill/>
             </a:ln>
           </p:spPr>
+          <p:txBody>
+            <a:bodyPr/>
+            <a:lstStyle/>
+            <a:p>
+              <a:endParaRPr lang="es-CL"/>
+            </a:p>
+          </p:txBody>
         </p:sp>
         <p:sp>
           <p:nvSpPr>
@@ -16944,6 +17124,13 @@
               <a:noFill/>
             </a:ln>
           </p:spPr>
+          <p:txBody>
+            <a:bodyPr/>
+            <a:lstStyle/>
+            <a:p>
+              <a:endParaRPr lang="es-CL"/>
+            </a:p>
+          </p:txBody>
         </p:sp>
         <p:sp>
           <p:nvSpPr>
@@ -16993,6 +17180,13 @@
               <a:noFill/>
             </a:ln>
           </p:spPr>
+          <p:txBody>
+            <a:bodyPr/>
+            <a:lstStyle/>
+            <a:p>
+              <a:endParaRPr lang="es-CL"/>
+            </a:p>
+          </p:txBody>
         </p:sp>
         <p:sp>
           <p:nvSpPr>
@@ -17062,6 +17256,13 @@
               <a:noFill/>
             </a:ln>
           </p:spPr>
+          <p:txBody>
+            <a:bodyPr/>
+            <a:lstStyle/>
+            <a:p>
+              <a:endParaRPr lang="es-CL"/>
+            </a:p>
+          </p:txBody>
         </p:sp>
         <p:sp>
           <p:nvSpPr>
@@ -17126,6 +17327,13 @@
               <a:noFill/>
             </a:ln>
           </p:spPr>
+          <p:txBody>
+            <a:bodyPr/>
+            <a:lstStyle/>
+            <a:p>
+              <a:endParaRPr lang="es-CL"/>
+            </a:p>
+          </p:txBody>
         </p:sp>
         <p:sp>
           <p:nvSpPr>
@@ -17195,6 +17403,13 @@
               <a:noFill/>
             </a:ln>
           </p:spPr>
+          <p:txBody>
+            <a:bodyPr/>
+            <a:lstStyle/>
+            <a:p>
+              <a:endParaRPr lang="es-CL"/>
+            </a:p>
+          </p:txBody>
         </p:sp>
       </p:grpSp>
       <p:sp>
@@ -17233,6 +17448,13 @@
             <a:schemeClr val="lt1"/>
           </a:fontRef>
         </p:style>
+        <p:txBody>
+          <a:bodyPr/>
+          <a:lstStyle/>
+          <a:p>
+            <a:endParaRPr lang="es-CL"/>
+          </a:p>
+        </p:txBody>
       </p:sp>
       <p:sp>
         <p:nvSpPr>
@@ -18303,6 +18525,32 @@
 <file path=ppt/slides/slide10.xml><?xml version="1.0" encoding="utf-8"?>
 <p:sld xmlns:a="http://schemas.openxmlformats.org/drawingml/2006/main" xmlns:r="http://schemas.openxmlformats.org/officeDocument/2006/relationships" xmlns:p="http://schemas.openxmlformats.org/presentationml/2006/main">
   <p:cSld>
+    <p:bg>
+      <p:bgPr>
+        <a:gradFill rotWithShape="1">
+          <a:gsLst>
+            <a:gs pos="0">
+              <a:schemeClr val="bg2">
+                <a:tint val="90000"/>
+                <a:satMod val="92000"/>
+                <a:lumMod val="120000"/>
+              </a:schemeClr>
+            </a:gs>
+            <a:gs pos="100000">
+              <a:schemeClr val="bg2">
+                <a:shade val="98000"/>
+                <a:satMod val="120000"/>
+                <a:lumMod val="98000"/>
+              </a:schemeClr>
+            </a:gs>
+          </a:gsLst>
+          <a:path path="circle">
+            <a:fillToRect l="50000" t="50000" r="100000" b="100000"/>
+          </a:path>
+        </a:gradFill>
+        <a:effectLst/>
+      </p:bgPr>
+    </p:bg>
     <p:spTree>
       <p:nvGrpSpPr>
         <p:cNvPr id="1" name=""/>
@@ -18317,63 +18565,2681 @@
           <a:chExt cx="0" cy="0"/>
         </a:xfrm>
       </p:grpSpPr>
+      <p:grpSp>
+        <p:nvGrpSpPr>
+          <p:cNvPr id="11" name="Group 10">
+            <a:extLst>
+              <a:ext uri="{FF2B5EF4-FFF2-40B4-BE49-F238E27FC236}">
+                <a16:creationId xmlns:a16="http://schemas.microsoft.com/office/drawing/2014/main" id="{166BF9EE-F7AC-4FA5-AC7E-001B3A642F75}"/>
+              </a:ext>
+              <a:ext uri="{C183D7F6-B498-43B3-948B-1728B52AA6E4}">
+                <adec:decorative xmlns:adec="http://schemas.microsoft.com/office/drawing/2017/decorative" val="1"/>
+              </a:ext>
+            </a:extLst>
+          </p:cNvPr>
+          <p:cNvGrpSpPr>
+            <a:grpSpLocks noGrp="1" noUngrp="1" noRot="1" noChangeAspect="1" noMove="1" noResize="1"/>
+          </p:cNvGrpSpPr>
+          <p:nvPr>
+            <p:extLst>
+              <p:ext uri="{386F3935-93C4-4BCD-93E2-E3B085C9AB24}">
+                <p16:designElem xmlns:p16="http://schemas.microsoft.com/office/powerpoint/2015/main" val="1"/>
+              </p:ext>
+            </p:extLst>
+          </p:nvPr>
+        </p:nvGrpSpPr>
+        <p:grpSpPr>
+          <a:xfrm>
+            <a:off x="9" y="228600"/>
+            <a:ext cx="2851523" cy="6638625"/>
+            <a:chOff x="2487613" y="285750"/>
+            <a:chExt cx="2428875" cy="5654676"/>
+          </a:xfrm>
+        </p:grpSpPr>
+        <p:sp>
+          <p:nvSpPr>
+            <p:cNvPr id="12" name="Freeform 11">
+              <a:extLst>
+                <a:ext uri="{FF2B5EF4-FFF2-40B4-BE49-F238E27FC236}">
+                  <a16:creationId xmlns:a16="http://schemas.microsoft.com/office/drawing/2014/main" id="{3B48D182-44E3-4D8B-ACEF-F1A900BE4430}"/>
+                </a:ext>
+                <a:ext uri="{C183D7F6-B498-43B3-948B-1728B52AA6E4}">
+                  <adec:decorative xmlns:adec="http://schemas.microsoft.com/office/drawing/2017/decorative" val="1"/>
+                </a:ext>
+              </a:extLst>
+            </p:cNvPr>
+            <p:cNvSpPr/>
+            <p:nvPr>
+              <p:extLst>
+                <p:ext uri="{386F3935-93C4-4BCD-93E2-E3B085C9AB24}">
+                  <p16:designElem xmlns:p16="http://schemas.microsoft.com/office/powerpoint/2015/main" val="1"/>
+                </p:ext>
+              </p:extLst>
+            </p:nvPr>
+          </p:nvSpPr>
+          <p:spPr bwMode="auto">
+            <a:xfrm>
+              <a:off x="2487613" y="2284413"/>
+              <a:ext cx="85725" cy="533400"/>
+            </a:xfrm>
+            <a:custGeom>
+              <a:avLst/>
+              <a:gdLst/>
+              <a:ahLst/>
+              <a:cxnLst/>
+              <a:rect l="0" t="0" r="r" b="b"/>
+              <a:pathLst>
+                <a:path w="22" h="136">
+                  <a:moveTo>
+                    <a:pt x="22" y="136"/>
+                  </a:moveTo>
+                  <a:cubicBezTo>
+                    <a:pt x="20" y="117"/>
+                    <a:pt x="19" y="99"/>
+                    <a:pt x="17" y="80"/>
+                  </a:cubicBezTo>
+                  <a:cubicBezTo>
+                    <a:pt x="11" y="54"/>
+                    <a:pt x="6" y="27"/>
+                    <a:pt x="0" y="0"/>
+                  </a:cubicBezTo>
+                  <a:cubicBezTo>
+                    <a:pt x="0" y="35"/>
+                    <a:pt x="0" y="35"/>
+                    <a:pt x="0" y="35"/>
+                  </a:cubicBezTo>
+                  <a:cubicBezTo>
+                    <a:pt x="6" y="64"/>
+                    <a:pt x="13" y="94"/>
+                    <a:pt x="20" y="124"/>
+                  </a:cubicBezTo>
+                  <a:cubicBezTo>
+                    <a:pt x="20" y="128"/>
+                    <a:pt x="21" y="132"/>
+                    <a:pt x="22" y="136"/>
+                  </a:cubicBezTo>
+                  <a:close/>
+                </a:path>
+              </a:pathLst>
+            </a:custGeom>
+            <a:solidFill>
+              <a:schemeClr val="tx2">
+                <a:alpha val="20000"/>
+              </a:schemeClr>
+            </a:solidFill>
+            <a:ln>
+              <a:noFill/>
+            </a:ln>
+          </p:spPr>
+          <p:txBody>
+            <a:bodyPr/>
+            <a:lstStyle/>
+            <a:p>
+              <a:endParaRPr lang="es-CL"/>
+            </a:p>
+          </p:txBody>
+        </p:sp>
+        <p:sp>
+          <p:nvSpPr>
+            <p:cNvPr id="13" name="Freeform 12">
+              <a:extLst>
+                <a:ext uri="{FF2B5EF4-FFF2-40B4-BE49-F238E27FC236}">
+                  <a16:creationId xmlns:a16="http://schemas.microsoft.com/office/drawing/2014/main" id="{355A535A-A489-477F-A314-593AA8CAFB21}"/>
+                </a:ext>
+                <a:ext uri="{C183D7F6-B498-43B3-948B-1728B52AA6E4}">
+                  <adec:decorative xmlns:adec="http://schemas.microsoft.com/office/drawing/2017/decorative" val="1"/>
+                </a:ext>
+              </a:extLst>
+            </p:cNvPr>
+            <p:cNvSpPr/>
+            <p:nvPr>
+              <p:extLst>
+                <p:ext uri="{386F3935-93C4-4BCD-93E2-E3B085C9AB24}">
+                  <p16:designElem xmlns:p16="http://schemas.microsoft.com/office/powerpoint/2015/main" val="1"/>
+                </p:ext>
+              </p:extLst>
+            </p:nvPr>
+          </p:nvSpPr>
+          <p:spPr bwMode="auto">
+            <a:xfrm>
+              <a:off x="2597151" y="2779713"/>
+              <a:ext cx="550863" cy="1978025"/>
+            </a:xfrm>
+            <a:custGeom>
+              <a:avLst/>
+              <a:gdLst/>
+              <a:ahLst/>
+              <a:cxnLst/>
+              <a:rect l="0" t="0" r="r" b="b"/>
+              <a:pathLst>
+                <a:path w="140" h="504">
+                  <a:moveTo>
+                    <a:pt x="86" y="350"/>
+                  </a:moveTo>
+                  <a:cubicBezTo>
+                    <a:pt x="103" y="402"/>
+                    <a:pt x="120" y="453"/>
+                    <a:pt x="139" y="504"/>
+                  </a:cubicBezTo>
+                  <a:cubicBezTo>
+                    <a:pt x="139" y="495"/>
+                    <a:pt x="139" y="487"/>
+                    <a:pt x="140" y="478"/>
+                  </a:cubicBezTo>
+                  <a:cubicBezTo>
+                    <a:pt x="124" y="435"/>
+                    <a:pt x="109" y="391"/>
+                    <a:pt x="95" y="347"/>
+                  </a:cubicBezTo>
+                  <a:cubicBezTo>
+                    <a:pt x="58" y="233"/>
+                    <a:pt x="27" y="117"/>
+                    <a:pt x="0" y="0"/>
+                  </a:cubicBezTo>
+                  <a:cubicBezTo>
+                    <a:pt x="2" y="20"/>
+                    <a:pt x="4" y="41"/>
+                    <a:pt x="6" y="61"/>
+                  </a:cubicBezTo>
+                  <a:cubicBezTo>
+                    <a:pt x="30" y="158"/>
+                    <a:pt x="56" y="255"/>
+                    <a:pt x="86" y="350"/>
+                  </a:cubicBezTo>
+                  <a:close/>
+                </a:path>
+              </a:pathLst>
+            </a:custGeom>
+            <a:solidFill>
+              <a:schemeClr val="tx2">
+                <a:alpha val="20000"/>
+              </a:schemeClr>
+            </a:solidFill>
+            <a:ln>
+              <a:noFill/>
+            </a:ln>
+          </p:spPr>
+          <p:txBody>
+            <a:bodyPr/>
+            <a:lstStyle/>
+            <a:p>
+              <a:endParaRPr lang="es-CL"/>
+            </a:p>
+          </p:txBody>
+        </p:sp>
+        <p:sp>
+          <p:nvSpPr>
+            <p:cNvPr id="14" name="Freeform 13">
+              <a:extLst>
+                <a:ext uri="{FF2B5EF4-FFF2-40B4-BE49-F238E27FC236}">
+                  <a16:creationId xmlns:a16="http://schemas.microsoft.com/office/drawing/2014/main" id="{954C2D4C-FD83-4EF4-9312-04442ABD66BF}"/>
+                </a:ext>
+                <a:ext uri="{C183D7F6-B498-43B3-948B-1728B52AA6E4}">
+                  <adec:decorative xmlns:adec="http://schemas.microsoft.com/office/drawing/2017/decorative" val="1"/>
+                </a:ext>
+              </a:extLst>
+            </p:cNvPr>
+            <p:cNvSpPr/>
+            <p:nvPr>
+              <p:extLst>
+                <p:ext uri="{386F3935-93C4-4BCD-93E2-E3B085C9AB24}">
+                  <p16:designElem xmlns:p16="http://schemas.microsoft.com/office/powerpoint/2015/main" val="1"/>
+                </p:ext>
+              </p:extLst>
+            </p:nvPr>
+          </p:nvSpPr>
+          <p:spPr bwMode="auto">
+            <a:xfrm>
+              <a:off x="3175001" y="4730750"/>
+              <a:ext cx="519113" cy="1209675"/>
+            </a:xfrm>
+            <a:custGeom>
+              <a:avLst/>
+              <a:gdLst/>
+              <a:ahLst/>
+              <a:cxnLst/>
+              <a:rect l="0" t="0" r="r" b="b"/>
+              <a:pathLst>
+                <a:path w="132" h="308">
+                  <a:moveTo>
+                    <a:pt x="8" y="22"/>
+                  </a:moveTo>
+                  <a:cubicBezTo>
+                    <a:pt x="5" y="15"/>
+                    <a:pt x="2" y="8"/>
+                    <a:pt x="0" y="0"/>
+                  </a:cubicBezTo>
+                  <a:cubicBezTo>
+                    <a:pt x="0" y="10"/>
+                    <a:pt x="0" y="19"/>
+                    <a:pt x="0" y="29"/>
+                  </a:cubicBezTo>
+                  <a:cubicBezTo>
+                    <a:pt x="21" y="85"/>
+                    <a:pt x="44" y="140"/>
+                    <a:pt x="68" y="194"/>
+                  </a:cubicBezTo>
+                  <a:cubicBezTo>
+                    <a:pt x="85" y="232"/>
+                    <a:pt x="104" y="270"/>
+                    <a:pt x="123" y="308"/>
+                  </a:cubicBezTo>
+                  <a:cubicBezTo>
+                    <a:pt x="132" y="308"/>
+                    <a:pt x="132" y="308"/>
+                    <a:pt x="132" y="308"/>
+                  </a:cubicBezTo>
+                  <a:cubicBezTo>
+                    <a:pt x="113" y="269"/>
+                    <a:pt x="94" y="230"/>
+                    <a:pt x="77" y="190"/>
+                  </a:cubicBezTo>
+                  <a:cubicBezTo>
+                    <a:pt x="52" y="135"/>
+                    <a:pt x="29" y="79"/>
+                    <a:pt x="8" y="22"/>
+                  </a:cubicBezTo>
+                  <a:close/>
+                </a:path>
+              </a:pathLst>
+            </a:custGeom>
+            <a:solidFill>
+              <a:schemeClr val="tx2">
+                <a:alpha val="20000"/>
+              </a:schemeClr>
+            </a:solidFill>
+            <a:ln>
+              <a:noFill/>
+            </a:ln>
+          </p:spPr>
+          <p:txBody>
+            <a:bodyPr/>
+            <a:lstStyle/>
+            <a:p>
+              <a:endParaRPr lang="es-CL"/>
+            </a:p>
+          </p:txBody>
+        </p:sp>
+        <p:sp>
+          <p:nvSpPr>
+            <p:cNvPr id="15" name="Freeform 14">
+              <a:extLst>
+                <a:ext uri="{FF2B5EF4-FFF2-40B4-BE49-F238E27FC236}">
+                  <a16:creationId xmlns:a16="http://schemas.microsoft.com/office/drawing/2014/main" id="{C20701C2-CD9A-4698-BC97-E1085820C2C9}"/>
+                </a:ext>
+                <a:ext uri="{C183D7F6-B498-43B3-948B-1728B52AA6E4}">
+                  <adec:decorative xmlns:adec="http://schemas.microsoft.com/office/drawing/2017/decorative" val="1"/>
+                </a:ext>
+              </a:extLst>
+            </p:cNvPr>
+            <p:cNvSpPr/>
+            <p:nvPr>
+              <p:extLst>
+                <p:ext uri="{386F3935-93C4-4BCD-93E2-E3B085C9AB24}">
+                  <p16:designElem xmlns:p16="http://schemas.microsoft.com/office/powerpoint/2015/main" val="1"/>
+                </p:ext>
+              </p:extLst>
+            </p:nvPr>
+          </p:nvSpPr>
+          <p:spPr bwMode="auto">
+            <a:xfrm>
+              <a:off x="3305176" y="5630863"/>
+              <a:ext cx="146050" cy="309563"/>
+            </a:xfrm>
+            <a:custGeom>
+              <a:avLst/>
+              <a:gdLst/>
+              <a:ahLst/>
+              <a:cxnLst/>
+              <a:rect l="0" t="0" r="r" b="b"/>
+              <a:pathLst>
+                <a:path w="37" h="79">
+                  <a:moveTo>
+                    <a:pt x="28" y="79"/>
+                  </a:moveTo>
+                  <a:cubicBezTo>
+                    <a:pt x="37" y="79"/>
+                    <a:pt x="37" y="79"/>
+                    <a:pt x="37" y="79"/>
+                  </a:cubicBezTo>
+                  <a:cubicBezTo>
+                    <a:pt x="24" y="53"/>
+                    <a:pt x="12" y="27"/>
+                    <a:pt x="0" y="0"/>
+                  </a:cubicBezTo>
+                  <a:cubicBezTo>
+                    <a:pt x="8" y="27"/>
+                    <a:pt x="17" y="53"/>
+                    <a:pt x="28" y="79"/>
+                  </a:cubicBezTo>
+                  <a:close/>
+                </a:path>
+              </a:pathLst>
+            </a:custGeom>
+            <a:solidFill>
+              <a:schemeClr val="tx2">
+                <a:alpha val="20000"/>
+              </a:schemeClr>
+            </a:solidFill>
+            <a:ln>
+              <a:noFill/>
+            </a:ln>
+          </p:spPr>
+          <p:txBody>
+            <a:bodyPr/>
+            <a:lstStyle/>
+            <a:p>
+              <a:endParaRPr lang="es-CL"/>
+            </a:p>
+          </p:txBody>
+        </p:sp>
+        <p:sp>
+          <p:nvSpPr>
+            <p:cNvPr id="16" name="Freeform 15">
+              <a:extLst>
+                <a:ext uri="{FF2B5EF4-FFF2-40B4-BE49-F238E27FC236}">
+                  <a16:creationId xmlns:a16="http://schemas.microsoft.com/office/drawing/2014/main" id="{62575C35-466F-42AE-87A1-D691849AB8CF}"/>
+                </a:ext>
+                <a:ext uri="{C183D7F6-B498-43B3-948B-1728B52AA6E4}">
+                  <adec:decorative xmlns:adec="http://schemas.microsoft.com/office/drawing/2017/decorative" val="1"/>
+                </a:ext>
+              </a:extLst>
+            </p:cNvPr>
+            <p:cNvSpPr/>
+            <p:nvPr>
+              <p:extLst>
+                <p:ext uri="{386F3935-93C4-4BCD-93E2-E3B085C9AB24}">
+                  <p16:designElem xmlns:p16="http://schemas.microsoft.com/office/powerpoint/2015/main" val="1"/>
+                </p:ext>
+              </p:extLst>
+            </p:nvPr>
+          </p:nvSpPr>
+          <p:spPr bwMode="auto">
+            <a:xfrm>
+              <a:off x="2573338" y="2817813"/>
+              <a:ext cx="700088" cy="2835275"/>
+            </a:xfrm>
+            <a:custGeom>
+              <a:avLst/>
+              <a:gdLst/>
+              <a:ahLst/>
+              <a:cxnLst/>
+              <a:rect l="0" t="0" r="r" b="b"/>
+              <a:pathLst>
+                <a:path w="178" h="722">
+                  <a:moveTo>
+                    <a:pt x="162" y="660"/>
+                  </a:moveTo>
+                  <a:cubicBezTo>
+                    <a:pt x="145" y="618"/>
+                    <a:pt x="130" y="576"/>
+                    <a:pt x="116" y="534"/>
+                  </a:cubicBezTo>
+                  <a:cubicBezTo>
+                    <a:pt x="84" y="437"/>
+                    <a:pt x="59" y="337"/>
+                    <a:pt x="40" y="236"/>
+                  </a:cubicBezTo>
+                  <a:cubicBezTo>
+                    <a:pt x="29" y="175"/>
+                    <a:pt x="20" y="113"/>
+                    <a:pt x="12" y="51"/>
+                  </a:cubicBezTo>
+                  <a:cubicBezTo>
+                    <a:pt x="8" y="34"/>
+                    <a:pt x="4" y="17"/>
+                    <a:pt x="0" y="0"/>
+                  </a:cubicBezTo>
+                  <a:cubicBezTo>
+                    <a:pt x="8" y="79"/>
+                    <a:pt x="19" y="159"/>
+                    <a:pt x="33" y="237"/>
+                  </a:cubicBezTo>
+                  <a:cubicBezTo>
+                    <a:pt x="51" y="339"/>
+                    <a:pt x="76" y="439"/>
+                    <a:pt x="107" y="537"/>
+                  </a:cubicBezTo>
+                  <a:cubicBezTo>
+                    <a:pt x="123" y="586"/>
+                    <a:pt x="141" y="634"/>
+                    <a:pt x="160" y="681"/>
+                  </a:cubicBezTo>
+                  <a:cubicBezTo>
+                    <a:pt x="166" y="695"/>
+                    <a:pt x="172" y="708"/>
+                    <a:pt x="178" y="722"/>
+                  </a:cubicBezTo>
+                  <a:cubicBezTo>
+                    <a:pt x="176" y="717"/>
+                    <a:pt x="175" y="713"/>
+                    <a:pt x="174" y="708"/>
+                  </a:cubicBezTo>
+                  <a:cubicBezTo>
+                    <a:pt x="169" y="692"/>
+                    <a:pt x="165" y="676"/>
+                    <a:pt x="162" y="660"/>
+                  </a:cubicBezTo>
+                  <a:close/>
+                </a:path>
+              </a:pathLst>
+            </a:custGeom>
+            <a:solidFill>
+              <a:schemeClr val="tx2">
+                <a:alpha val="20000"/>
+              </a:schemeClr>
+            </a:solidFill>
+            <a:ln>
+              <a:noFill/>
+            </a:ln>
+          </p:spPr>
+          <p:txBody>
+            <a:bodyPr/>
+            <a:lstStyle/>
+            <a:p>
+              <a:endParaRPr lang="es-CL"/>
+            </a:p>
+          </p:txBody>
+        </p:sp>
+        <p:sp>
+          <p:nvSpPr>
+            <p:cNvPr id="17" name="Freeform 16">
+              <a:extLst>
+                <a:ext uri="{FF2B5EF4-FFF2-40B4-BE49-F238E27FC236}">
+                  <a16:creationId xmlns:a16="http://schemas.microsoft.com/office/drawing/2014/main" id="{58236F37-6119-45AC-80A0-CD2C311B5051}"/>
+                </a:ext>
+                <a:ext uri="{C183D7F6-B498-43B3-948B-1728B52AA6E4}">
+                  <adec:decorative xmlns:adec="http://schemas.microsoft.com/office/drawing/2017/decorative" val="1"/>
+                </a:ext>
+              </a:extLst>
+            </p:cNvPr>
+            <p:cNvSpPr/>
+            <p:nvPr>
+              <p:extLst>
+                <p:ext uri="{386F3935-93C4-4BCD-93E2-E3B085C9AB24}">
+                  <p16:designElem xmlns:p16="http://schemas.microsoft.com/office/powerpoint/2015/main" val="1"/>
+                </p:ext>
+              </p:extLst>
+            </p:nvPr>
+          </p:nvSpPr>
+          <p:spPr bwMode="auto">
+            <a:xfrm>
+              <a:off x="2506663" y="285750"/>
+              <a:ext cx="90488" cy="2493963"/>
+            </a:xfrm>
+            <a:custGeom>
+              <a:avLst/>
+              <a:gdLst/>
+              <a:ahLst/>
+              <a:cxnLst/>
+              <a:rect l="0" t="0" r="r" b="b"/>
+              <a:pathLst>
+                <a:path w="23" h="635">
+                  <a:moveTo>
+                    <a:pt x="11" y="577"/>
+                  </a:moveTo>
+                  <a:cubicBezTo>
+                    <a:pt x="12" y="581"/>
+                    <a:pt x="12" y="585"/>
+                    <a:pt x="12" y="589"/>
+                  </a:cubicBezTo>
+                  <a:cubicBezTo>
+                    <a:pt x="15" y="603"/>
+                    <a:pt x="19" y="617"/>
+                    <a:pt x="22" y="632"/>
+                  </a:cubicBezTo>
+                  <a:cubicBezTo>
+                    <a:pt x="22" y="633"/>
+                    <a:pt x="22" y="634"/>
+                    <a:pt x="23" y="635"/>
+                  </a:cubicBezTo>
+                  <a:cubicBezTo>
+                    <a:pt x="21" y="615"/>
+                    <a:pt x="19" y="596"/>
+                    <a:pt x="17" y="576"/>
+                  </a:cubicBezTo>
+                  <a:cubicBezTo>
+                    <a:pt x="9" y="474"/>
+                    <a:pt x="5" y="372"/>
+                    <a:pt x="5" y="269"/>
+                  </a:cubicBezTo>
+                  <a:cubicBezTo>
+                    <a:pt x="6" y="179"/>
+                    <a:pt x="9" y="90"/>
+                    <a:pt x="15" y="0"/>
+                  </a:cubicBezTo>
+                  <a:cubicBezTo>
+                    <a:pt x="12" y="0"/>
+                    <a:pt x="12" y="0"/>
+                    <a:pt x="12" y="0"/>
+                  </a:cubicBezTo>
+                  <a:cubicBezTo>
+                    <a:pt x="5" y="89"/>
+                    <a:pt x="2" y="179"/>
+                    <a:pt x="1" y="269"/>
+                  </a:cubicBezTo>
+                  <a:cubicBezTo>
+                    <a:pt x="0" y="372"/>
+                    <a:pt x="3" y="474"/>
+                    <a:pt x="11" y="577"/>
+                  </a:cubicBezTo>
+                  <a:close/>
+                </a:path>
+              </a:pathLst>
+            </a:custGeom>
+            <a:solidFill>
+              <a:schemeClr val="tx2">
+                <a:alpha val="20000"/>
+              </a:schemeClr>
+            </a:solidFill>
+            <a:ln>
+              <a:noFill/>
+            </a:ln>
+          </p:spPr>
+          <p:txBody>
+            <a:bodyPr/>
+            <a:lstStyle/>
+            <a:p>
+              <a:endParaRPr lang="es-CL"/>
+            </a:p>
+          </p:txBody>
+        </p:sp>
+        <p:sp>
+          <p:nvSpPr>
+            <p:cNvPr id="18" name="Freeform 17">
+              <a:extLst>
+                <a:ext uri="{FF2B5EF4-FFF2-40B4-BE49-F238E27FC236}">
+                  <a16:creationId xmlns:a16="http://schemas.microsoft.com/office/drawing/2014/main" id="{F3FDD799-39FE-4D6F-9A64-2F472B215078}"/>
+                </a:ext>
+                <a:ext uri="{C183D7F6-B498-43B3-948B-1728B52AA6E4}">
+                  <adec:decorative xmlns:adec="http://schemas.microsoft.com/office/drawing/2017/decorative" val="1"/>
+                </a:ext>
+              </a:extLst>
+            </p:cNvPr>
+            <p:cNvSpPr/>
+            <p:nvPr>
+              <p:extLst>
+                <p:ext uri="{386F3935-93C4-4BCD-93E2-E3B085C9AB24}">
+                  <p16:designElem xmlns:p16="http://schemas.microsoft.com/office/powerpoint/2015/main" val="1"/>
+                </p:ext>
+              </p:extLst>
+            </p:nvPr>
+          </p:nvSpPr>
+          <p:spPr bwMode="auto">
+            <a:xfrm>
+              <a:off x="2554288" y="2598738"/>
+              <a:ext cx="66675" cy="420688"/>
+            </a:xfrm>
+            <a:custGeom>
+              <a:avLst/>
+              <a:gdLst/>
+              <a:ahLst/>
+              <a:cxnLst/>
+              <a:rect l="0" t="0" r="r" b="b"/>
+              <a:pathLst>
+                <a:path w="17" h="107">
+                  <a:moveTo>
+                    <a:pt x="0" y="0"/>
+                  </a:moveTo>
+                  <a:cubicBezTo>
+                    <a:pt x="2" y="19"/>
+                    <a:pt x="3" y="37"/>
+                    <a:pt x="5" y="56"/>
+                  </a:cubicBezTo>
+                  <a:cubicBezTo>
+                    <a:pt x="9" y="73"/>
+                    <a:pt x="13" y="90"/>
+                    <a:pt x="17" y="107"/>
+                  </a:cubicBezTo>
+                  <a:cubicBezTo>
+                    <a:pt x="15" y="87"/>
+                    <a:pt x="13" y="66"/>
+                    <a:pt x="11" y="46"/>
+                  </a:cubicBezTo>
+                  <a:cubicBezTo>
+                    <a:pt x="10" y="45"/>
+                    <a:pt x="10" y="44"/>
+                    <a:pt x="10" y="43"/>
+                  </a:cubicBezTo>
+                  <a:cubicBezTo>
+                    <a:pt x="7" y="28"/>
+                    <a:pt x="3" y="14"/>
+                    <a:pt x="0" y="0"/>
+                  </a:cubicBezTo>
+                  <a:close/>
+                </a:path>
+              </a:pathLst>
+            </a:custGeom>
+            <a:solidFill>
+              <a:schemeClr val="tx2">
+                <a:alpha val="20000"/>
+              </a:schemeClr>
+            </a:solidFill>
+            <a:ln>
+              <a:noFill/>
+            </a:ln>
+          </p:spPr>
+          <p:txBody>
+            <a:bodyPr/>
+            <a:lstStyle/>
+            <a:p>
+              <a:endParaRPr lang="es-CL"/>
+            </a:p>
+          </p:txBody>
+        </p:sp>
+        <p:sp>
+          <p:nvSpPr>
+            <p:cNvPr id="19" name="Freeform 18">
+              <a:extLst>
+                <a:ext uri="{FF2B5EF4-FFF2-40B4-BE49-F238E27FC236}">
+                  <a16:creationId xmlns:a16="http://schemas.microsoft.com/office/drawing/2014/main" id="{9820D241-1D49-442C-A95A-00BC1BF9E295}"/>
+                </a:ext>
+                <a:ext uri="{C183D7F6-B498-43B3-948B-1728B52AA6E4}">
+                  <adec:decorative xmlns:adec="http://schemas.microsoft.com/office/drawing/2017/decorative" val="1"/>
+                </a:ext>
+              </a:extLst>
+            </p:cNvPr>
+            <p:cNvSpPr/>
+            <p:nvPr>
+              <p:extLst>
+                <p:ext uri="{386F3935-93C4-4BCD-93E2-E3B085C9AB24}">
+                  <p16:designElem xmlns:p16="http://schemas.microsoft.com/office/powerpoint/2015/main" val="1"/>
+                </p:ext>
+              </p:extLst>
+            </p:nvPr>
+          </p:nvSpPr>
+          <p:spPr bwMode="auto">
+            <a:xfrm>
+              <a:off x="3143251" y="4757738"/>
+              <a:ext cx="161925" cy="873125"/>
+            </a:xfrm>
+            <a:custGeom>
+              <a:avLst/>
+              <a:gdLst/>
+              <a:ahLst/>
+              <a:cxnLst/>
+              <a:rect l="0" t="0" r="r" b="b"/>
+              <a:pathLst>
+                <a:path w="41" h="222">
+                  <a:moveTo>
+                    <a:pt x="0" y="0"/>
+                  </a:moveTo>
+                  <a:cubicBezTo>
+                    <a:pt x="0" y="31"/>
+                    <a:pt x="2" y="62"/>
+                    <a:pt x="5" y="93"/>
+                  </a:cubicBezTo>
+                  <a:cubicBezTo>
+                    <a:pt x="8" y="117"/>
+                    <a:pt x="12" y="142"/>
+                    <a:pt x="17" y="166"/>
+                  </a:cubicBezTo>
+                  <a:cubicBezTo>
+                    <a:pt x="19" y="172"/>
+                    <a:pt x="22" y="178"/>
+                    <a:pt x="24" y="184"/>
+                  </a:cubicBezTo>
+                  <a:cubicBezTo>
+                    <a:pt x="30" y="197"/>
+                    <a:pt x="35" y="209"/>
+                    <a:pt x="41" y="222"/>
+                  </a:cubicBezTo>
+                  <a:cubicBezTo>
+                    <a:pt x="40" y="219"/>
+                    <a:pt x="39" y="215"/>
+                    <a:pt x="38" y="212"/>
+                  </a:cubicBezTo>
+                  <a:cubicBezTo>
+                    <a:pt x="26" y="172"/>
+                    <a:pt x="18" y="132"/>
+                    <a:pt x="13" y="92"/>
+                  </a:cubicBezTo>
+                  <a:cubicBezTo>
+                    <a:pt x="11" y="68"/>
+                    <a:pt x="9" y="45"/>
+                    <a:pt x="8" y="22"/>
+                  </a:cubicBezTo>
+                  <a:cubicBezTo>
+                    <a:pt x="8" y="21"/>
+                    <a:pt x="7" y="20"/>
+                    <a:pt x="7" y="18"/>
+                  </a:cubicBezTo>
+                  <a:cubicBezTo>
+                    <a:pt x="5" y="12"/>
+                    <a:pt x="2" y="6"/>
+                    <a:pt x="0" y="0"/>
+                  </a:cubicBezTo>
+                  <a:close/>
+                </a:path>
+              </a:pathLst>
+            </a:custGeom>
+            <a:solidFill>
+              <a:schemeClr val="tx2">
+                <a:alpha val="20000"/>
+              </a:schemeClr>
+            </a:solidFill>
+            <a:ln>
+              <a:noFill/>
+            </a:ln>
+          </p:spPr>
+          <p:txBody>
+            <a:bodyPr/>
+            <a:lstStyle/>
+            <a:p>
+              <a:endParaRPr lang="es-CL"/>
+            </a:p>
+          </p:txBody>
+        </p:sp>
+        <p:sp>
+          <p:nvSpPr>
+            <p:cNvPr id="20" name="Freeform 19">
+              <a:extLst>
+                <a:ext uri="{FF2B5EF4-FFF2-40B4-BE49-F238E27FC236}">
+                  <a16:creationId xmlns:a16="http://schemas.microsoft.com/office/drawing/2014/main" id="{EBC2197C-B383-4866-8ABD-74222400BE8E}"/>
+                </a:ext>
+                <a:ext uri="{C183D7F6-B498-43B3-948B-1728B52AA6E4}">
+                  <adec:decorative xmlns:adec="http://schemas.microsoft.com/office/drawing/2017/decorative" val="1"/>
+                </a:ext>
+              </a:extLst>
+            </p:cNvPr>
+            <p:cNvSpPr/>
+            <p:nvPr>
+              <p:extLst>
+                <p:ext uri="{386F3935-93C4-4BCD-93E2-E3B085C9AB24}">
+                  <p16:designElem xmlns:p16="http://schemas.microsoft.com/office/powerpoint/2015/main" val="1"/>
+                </p:ext>
+              </p:extLst>
+            </p:nvPr>
+          </p:nvSpPr>
+          <p:spPr bwMode="auto">
+            <a:xfrm>
+              <a:off x="3148013" y="1282700"/>
+              <a:ext cx="1768475" cy="3448050"/>
+            </a:xfrm>
+            <a:custGeom>
+              <a:avLst/>
+              <a:gdLst/>
+              <a:ahLst/>
+              <a:cxnLst/>
+              <a:rect l="0" t="0" r="r" b="b"/>
+              <a:pathLst>
+                <a:path w="450" h="878">
+                  <a:moveTo>
+                    <a:pt x="7" y="854"/>
+                  </a:moveTo>
+                  <a:cubicBezTo>
+                    <a:pt x="10" y="772"/>
+                    <a:pt x="26" y="691"/>
+                    <a:pt x="50" y="613"/>
+                  </a:cubicBezTo>
+                  <a:cubicBezTo>
+                    <a:pt x="75" y="535"/>
+                    <a:pt x="109" y="460"/>
+                    <a:pt x="149" y="388"/>
+                  </a:cubicBezTo>
+                  <a:cubicBezTo>
+                    <a:pt x="189" y="316"/>
+                    <a:pt x="235" y="248"/>
+                    <a:pt x="285" y="183"/>
+                  </a:cubicBezTo>
+                  <a:cubicBezTo>
+                    <a:pt x="310" y="151"/>
+                    <a:pt x="337" y="119"/>
+                    <a:pt x="364" y="89"/>
+                  </a:cubicBezTo>
+                  <a:cubicBezTo>
+                    <a:pt x="378" y="74"/>
+                    <a:pt x="392" y="58"/>
+                    <a:pt x="406" y="44"/>
+                  </a:cubicBezTo>
+                  <a:cubicBezTo>
+                    <a:pt x="421" y="29"/>
+                    <a:pt x="435" y="15"/>
+                    <a:pt x="450" y="1"/>
+                  </a:cubicBezTo>
+                  <a:cubicBezTo>
+                    <a:pt x="450" y="0"/>
+                    <a:pt x="450" y="0"/>
+                    <a:pt x="450" y="0"/>
+                  </a:cubicBezTo>
+                  <a:cubicBezTo>
+                    <a:pt x="434" y="14"/>
+                    <a:pt x="420" y="28"/>
+                    <a:pt x="405" y="43"/>
+                  </a:cubicBezTo>
+                  <a:cubicBezTo>
+                    <a:pt x="391" y="57"/>
+                    <a:pt x="377" y="72"/>
+                    <a:pt x="363" y="88"/>
+                  </a:cubicBezTo>
+                  <a:cubicBezTo>
+                    <a:pt x="335" y="118"/>
+                    <a:pt x="308" y="149"/>
+                    <a:pt x="283" y="181"/>
+                  </a:cubicBezTo>
+                  <a:cubicBezTo>
+                    <a:pt x="232" y="246"/>
+                    <a:pt x="185" y="314"/>
+                    <a:pt x="145" y="386"/>
+                  </a:cubicBezTo>
+                  <a:cubicBezTo>
+                    <a:pt x="104" y="457"/>
+                    <a:pt x="70" y="533"/>
+                    <a:pt x="45" y="611"/>
+                  </a:cubicBezTo>
+                  <a:cubicBezTo>
+                    <a:pt x="19" y="690"/>
+                    <a:pt x="3" y="771"/>
+                    <a:pt x="0" y="854"/>
+                  </a:cubicBezTo>
+                  <a:cubicBezTo>
+                    <a:pt x="0" y="856"/>
+                    <a:pt x="0" y="857"/>
+                    <a:pt x="0" y="859"/>
+                  </a:cubicBezTo>
+                  <a:cubicBezTo>
+                    <a:pt x="2" y="865"/>
+                    <a:pt x="4" y="872"/>
+                    <a:pt x="7" y="878"/>
+                  </a:cubicBezTo>
+                  <a:cubicBezTo>
+                    <a:pt x="7" y="870"/>
+                    <a:pt x="7" y="862"/>
+                    <a:pt x="7" y="854"/>
+                  </a:cubicBezTo>
+                  <a:close/>
+                </a:path>
+              </a:pathLst>
+            </a:custGeom>
+            <a:solidFill>
+              <a:schemeClr val="tx2">
+                <a:alpha val="20000"/>
+              </a:schemeClr>
+            </a:solidFill>
+            <a:ln>
+              <a:noFill/>
+            </a:ln>
+          </p:spPr>
+          <p:txBody>
+            <a:bodyPr/>
+            <a:lstStyle/>
+            <a:p>
+              <a:endParaRPr lang="es-CL"/>
+            </a:p>
+          </p:txBody>
+        </p:sp>
+        <p:sp>
+          <p:nvSpPr>
+            <p:cNvPr id="21" name="Freeform 20">
+              <a:extLst>
+                <a:ext uri="{FF2B5EF4-FFF2-40B4-BE49-F238E27FC236}">
+                  <a16:creationId xmlns:a16="http://schemas.microsoft.com/office/drawing/2014/main" id="{404B06AA-FC93-4471-9DE4-56A401E70A50}"/>
+                </a:ext>
+                <a:ext uri="{C183D7F6-B498-43B3-948B-1728B52AA6E4}">
+                  <adec:decorative xmlns:adec="http://schemas.microsoft.com/office/drawing/2017/decorative" val="1"/>
+                </a:ext>
+              </a:extLst>
+            </p:cNvPr>
+            <p:cNvSpPr/>
+            <p:nvPr>
+              <p:extLst>
+                <p:ext uri="{386F3935-93C4-4BCD-93E2-E3B085C9AB24}">
+                  <p16:designElem xmlns:p16="http://schemas.microsoft.com/office/powerpoint/2015/main" val="1"/>
+                </p:ext>
+              </p:extLst>
+            </p:nvPr>
+          </p:nvSpPr>
+          <p:spPr bwMode="auto">
+            <a:xfrm>
+              <a:off x="3273426" y="5653088"/>
+              <a:ext cx="138113" cy="287338"/>
+            </a:xfrm>
+            <a:custGeom>
+              <a:avLst/>
+              <a:gdLst/>
+              <a:ahLst/>
+              <a:cxnLst/>
+              <a:rect l="0" t="0" r="r" b="b"/>
+              <a:pathLst>
+                <a:path w="35" h="73">
+                  <a:moveTo>
+                    <a:pt x="0" y="0"/>
+                  </a:moveTo>
+                  <a:cubicBezTo>
+                    <a:pt x="7" y="24"/>
+                    <a:pt x="16" y="49"/>
+                    <a:pt x="26" y="73"/>
+                  </a:cubicBezTo>
+                  <a:cubicBezTo>
+                    <a:pt x="35" y="73"/>
+                    <a:pt x="35" y="73"/>
+                    <a:pt x="35" y="73"/>
+                  </a:cubicBezTo>
+                  <a:cubicBezTo>
+                    <a:pt x="23" y="49"/>
+                    <a:pt x="11" y="24"/>
+                    <a:pt x="0" y="0"/>
+                  </a:cubicBezTo>
+                  <a:close/>
+                </a:path>
+              </a:pathLst>
+            </a:custGeom>
+            <a:solidFill>
+              <a:schemeClr val="tx2">
+                <a:alpha val="20000"/>
+              </a:schemeClr>
+            </a:solidFill>
+            <a:ln>
+              <a:noFill/>
+            </a:ln>
+          </p:spPr>
+          <p:txBody>
+            <a:bodyPr/>
+            <a:lstStyle/>
+            <a:p>
+              <a:endParaRPr lang="es-CL"/>
+            </a:p>
+          </p:txBody>
+        </p:sp>
+        <p:sp>
+          <p:nvSpPr>
+            <p:cNvPr id="22" name="Freeform 21">
+              <a:extLst>
+                <a:ext uri="{FF2B5EF4-FFF2-40B4-BE49-F238E27FC236}">
+                  <a16:creationId xmlns:a16="http://schemas.microsoft.com/office/drawing/2014/main" id="{E580600C-013F-4FAF-8FB7-4CC0FA80A92B}"/>
+                </a:ext>
+                <a:ext uri="{C183D7F6-B498-43B3-948B-1728B52AA6E4}">
+                  <adec:decorative xmlns:adec="http://schemas.microsoft.com/office/drawing/2017/decorative" val="1"/>
+                </a:ext>
+              </a:extLst>
+            </p:cNvPr>
+            <p:cNvSpPr/>
+            <p:nvPr>
+              <p:extLst>
+                <p:ext uri="{386F3935-93C4-4BCD-93E2-E3B085C9AB24}">
+                  <p16:designElem xmlns:p16="http://schemas.microsoft.com/office/powerpoint/2015/main" val="1"/>
+                </p:ext>
+              </p:extLst>
+            </p:nvPr>
+          </p:nvSpPr>
+          <p:spPr bwMode="auto">
+            <a:xfrm>
+              <a:off x="3143251" y="4656138"/>
+              <a:ext cx="31750" cy="188913"/>
+            </a:xfrm>
+            <a:custGeom>
+              <a:avLst/>
+              <a:gdLst/>
+              <a:ahLst/>
+              <a:cxnLst/>
+              <a:rect l="0" t="0" r="r" b="b"/>
+              <a:pathLst>
+                <a:path w="8" h="48">
+                  <a:moveTo>
+                    <a:pt x="7" y="44"/>
+                  </a:moveTo>
+                  <a:cubicBezTo>
+                    <a:pt x="7" y="46"/>
+                    <a:pt x="8" y="47"/>
+                    <a:pt x="8" y="48"/>
+                  </a:cubicBezTo>
+                  <a:cubicBezTo>
+                    <a:pt x="8" y="38"/>
+                    <a:pt x="8" y="29"/>
+                    <a:pt x="8" y="19"/>
+                  </a:cubicBezTo>
+                  <a:cubicBezTo>
+                    <a:pt x="5" y="13"/>
+                    <a:pt x="3" y="6"/>
+                    <a:pt x="1" y="0"/>
+                  </a:cubicBezTo>
+                  <a:cubicBezTo>
+                    <a:pt x="0" y="9"/>
+                    <a:pt x="0" y="17"/>
+                    <a:pt x="0" y="26"/>
+                  </a:cubicBezTo>
+                  <a:cubicBezTo>
+                    <a:pt x="2" y="32"/>
+                    <a:pt x="5" y="38"/>
+                    <a:pt x="7" y="44"/>
+                  </a:cubicBezTo>
+                  <a:close/>
+                </a:path>
+              </a:pathLst>
+            </a:custGeom>
+            <a:solidFill>
+              <a:schemeClr val="tx2">
+                <a:alpha val="20000"/>
+              </a:schemeClr>
+            </a:solidFill>
+            <a:ln>
+              <a:noFill/>
+            </a:ln>
+          </p:spPr>
+          <p:txBody>
+            <a:bodyPr/>
+            <a:lstStyle/>
+            <a:p>
+              <a:endParaRPr lang="es-CL"/>
+            </a:p>
+          </p:txBody>
+        </p:sp>
+        <p:sp>
+          <p:nvSpPr>
+            <p:cNvPr id="23" name="Freeform 22">
+              <a:extLst>
+                <a:ext uri="{FF2B5EF4-FFF2-40B4-BE49-F238E27FC236}">
+                  <a16:creationId xmlns:a16="http://schemas.microsoft.com/office/drawing/2014/main" id="{9BFCF199-64B2-4AEE-88C4-E954ABF36278}"/>
+                </a:ext>
+                <a:ext uri="{C183D7F6-B498-43B3-948B-1728B52AA6E4}">
+                  <adec:decorative xmlns:adec="http://schemas.microsoft.com/office/drawing/2017/decorative" val="1"/>
+                </a:ext>
+              </a:extLst>
+            </p:cNvPr>
+            <p:cNvSpPr/>
+            <p:nvPr>
+              <p:extLst>
+                <p:ext uri="{386F3935-93C4-4BCD-93E2-E3B085C9AB24}">
+                  <p16:designElem xmlns:p16="http://schemas.microsoft.com/office/powerpoint/2015/main" val="1"/>
+                </p:ext>
+              </p:extLst>
+            </p:nvPr>
+          </p:nvSpPr>
+          <p:spPr bwMode="auto">
+            <a:xfrm>
+              <a:off x="3211513" y="5410200"/>
+              <a:ext cx="203200" cy="530225"/>
+            </a:xfrm>
+            <a:custGeom>
+              <a:avLst/>
+              <a:gdLst/>
+              <a:ahLst/>
+              <a:cxnLst/>
+              <a:rect l="0" t="0" r="r" b="b"/>
+              <a:pathLst>
+                <a:path w="52" h="135">
+                  <a:moveTo>
+                    <a:pt x="7" y="18"/>
+                  </a:moveTo>
+                  <a:cubicBezTo>
+                    <a:pt x="5" y="12"/>
+                    <a:pt x="2" y="6"/>
+                    <a:pt x="0" y="0"/>
+                  </a:cubicBezTo>
+                  <a:cubicBezTo>
+                    <a:pt x="3" y="16"/>
+                    <a:pt x="7" y="32"/>
+                    <a:pt x="12" y="48"/>
+                  </a:cubicBezTo>
+                  <a:cubicBezTo>
+                    <a:pt x="13" y="53"/>
+                    <a:pt x="14" y="57"/>
+                    <a:pt x="16" y="62"/>
+                  </a:cubicBezTo>
+                  <a:cubicBezTo>
+                    <a:pt x="27" y="86"/>
+                    <a:pt x="39" y="111"/>
+                    <a:pt x="51" y="135"/>
+                  </a:cubicBezTo>
+                  <a:cubicBezTo>
+                    <a:pt x="52" y="135"/>
+                    <a:pt x="52" y="135"/>
+                    <a:pt x="52" y="135"/>
+                  </a:cubicBezTo>
+                  <a:cubicBezTo>
+                    <a:pt x="41" y="109"/>
+                    <a:pt x="32" y="83"/>
+                    <a:pt x="24" y="56"/>
+                  </a:cubicBezTo>
+                  <a:cubicBezTo>
+                    <a:pt x="18" y="43"/>
+                    <a:pt x="13" y="31"/>
+                    <a:pt x="7" y="18"/>
+                  </a:cubicBezTo>
+                  <a:close/>
+                </a:path>
+              </a:pathLst>
+            </a:custGeom>
+            <a:solidFill>
+              <a:schemeClr val="tx2">
+                <a:alpha val="20000"/>
+              </a:schemeClr>
+            </a:solidFill>
+            <a:ln>
+              <a:noFill/>
+            </a:ln>
+          </p:spPr>
+          <p:txBody>
+            <a:bodyPr/>
+            <a:lstStyle/>
+            <a:p>
+              <a:endParaRPr lang="es-CL"/>
+            </a:p>
+          </p:txBody>
+        </p:sp>
+      </p:grpSp>
+      <p:grpSp>
+        <p:nvGrpSpPr>
+          <p:cNvPr id="25" name="Group 24">
+            <a:extLst>
+              <a:ext uri="{FF2B5EF4-FFF2-40B4-BE49-F238E27FC236}">
+                <a16:creationId xmlns:a16="http://schemas.microsoft.com/office/drawing/2014/main" id="{E312DBA5-56D8-42B2-BA94-28168C2A6703}"/>
+              </a:ext>
+              <a:ext uri="{C183D7F6-B498-43B3-948B-1728B52AA6E4}">
+                <adec:decorative xmlns:adec="http://schemas.microsoft.com/office/drawing/2017/decorative" val="1"/>
+              </a:ext>
+            </a:extLst>
+          </p:cNvPr>
+          <p:cNvGrpSpPr>
+            <a:grpSpLocks noGrp="1" noUngrp="1" noRot="1" noChangeAspect="1" noMove="1" noResize="1"/>
+          </p:cNvGrpSpPr>
+          <p:nvPr>
+            <p:extLst>
+              <p:ext uri="{386F3935-93C4-4BCD-93E2-E3B085C9AB24}">
+                <p16:designElem xmlns:p16="http://schemas.microsoft.com/office/powerpoint/2015/main" val="1"/>
+              </p:ext>
+            </p:extLst>
+          </p:nvPr>
+        </p:nvGrpSpPr>
+        <p:grpSpPr>
+          <a:xfrm>
+            <a:off x="27224" y="-786"/>
+            <a:ext cx="2356675" cy="6854040"/>
+            <a:chOff x="6627813" y="194833"/>
+            <a:chExt cx="1952625" cy="5678918"/>
+          </a:xfrm>
+        </p:grpSpPr>
+        <p:sp>
+          <p:nvSpPr>
+            <p:cNvPr id="26" name="Freeform 27">
+              <a:extLst>
+                <a:ext uri="{FF2B5EF4-FFF2-40B4-BE49-F238E27FC236}">
+                  <a16:creationId xmlns:a16="http://schemas.microsoft.com/office/drawing/2014/main" id="{7AD46C74-3117-46B0-B267-0F61B57CACE3}"/>
+                </a:ext>
+                <a:ext uri="{C183D7F6-B498-43B3-948B-1728B52AA6E4}">
+                  <adec:decorative xmlns:adec="http://schemas.microsoft.com/office/drawing/2017/decorative" val="1"/>
+                </a:ext>
+              </a:extLst>
+            </p:cNvPr>
+            <p:cNvSpPr/>
+            <p:nvPr>
+              <p:extLst>
+                <p:ext uri="{386F3935-93C4-4BCD-93E2-E3B085C9AB24}">
+                  <p16:designElem xmlns:p16="http://schemas.microsoft.com/office/powerpoint/2015/main" val="1"/>
+                </p:ext>
+              </p:extLst>
+            </p:nvPr>
+          </p:nvSpPr>
+          <p:spPr bwMode="auto">
+            <a:xfrm>
+              <a:off x="6627813" y="194833"/>
+              <a:ext cx="409575" cy="3646488"/>
+            </a:xfrm>
+            <a:custGeom>
+              <a:avLst/>
+              <a:gdLst/>
+              <a:ahLst/>
+              <a:cxnLst/>
+              <a:rect l="0" t="0" r="r" b="b"/>
+              <a:pathLst>
+                <a:path w="103" h="920">
+                  <a:moveTo>
+                    <a:pt x="7" y="210"/>
+                  </a:moveTo>
+                  <a:cubicBezTo>
+                    <a:pt x="11" y="288"/>
+                    <a:pt x="17" y="367"/>
+                    <a:pt x="26" y="445"/>
+                  </a:cubicBezTo>
+                  <a:cubicBezTo>
+                    <a:pt x="34" y="523"/>
+                    <a:pt x="44" y="601"/>
+                    <a:pt x="57" y="679"/>
+                  </a:cubicBezTo>
+                  <a:cubicBezTo>
+                    <a:pt x="69" y="757"/>
+                    <a:pt x="84" y="834"/>
+                    <a:pt x="101" y="911"/>
+                  </a:cubicBezTo>
+                  <a:cubicBezTo>
+                    <a:pt x="102" y="914"/>
+                    <a:pt x="103" y="917"/>
+                    <a:pt x="103" y="920"/>
+                  </a:cubicBezTo>
+                  <a:cubicBezTo>
+                    <a:pt x="102" y="905"/>
+                    <a:pt x="100" y="889"/>
+                    <a:pt x="99" y="874"/>
+                  </a:cubicBezTo>
+                  <a:cubicBezTo>
+                    <a:pt x="99" y="871"/>
+                    <a:pt x="99" y="868"/>
+                    <a:pt x="99" y="866"/>
+                  </a:cubicBezTo>
+                  <a:cubicBezTo>
+                    <a:pt x="85" y="803"/>
+                    <a:pt x="73" y="741"/>
+                    <a:pt x="63" y="678"/>
+                  </a:cubicBezTo>
+                  <a:cubicBezTo>
+                    <a:pt x="50" y="600"/>
+                    <a:pt x="39" y="523"/>
+                    <a:pt x="30" y="444"/>
+                  </a:cubicBezTo>
+                  <a:cubicBezTo>
+                    <a:pt x="21" y="366"/>
+                    <a:pt x="14" y="288"/>
+                    <a:pt x="9" y="209"/>
+                  </a:cubicBezTo>
+                  <a:cubicBezTo>
+                    <a:pt x="7" y="170"/>
+                    <a:pt x="5" y="131"/>
+                    <a:pt x="3" y="92"/>
+                  </a:cubicBezTo>
+                  <a:cubicBezTo>
+                    <a:pt x="2" y="61"/>
+                    <a:pt x="1" y="31"/>
+                    <a:pt x="1" y="0"/>
+                  </a:cubicBezTo>
+                  <a:cubicBezTo>
+                    <a:pt x="0" y="0"/>
+                    <a:pt x="0" y="0"/>
+                    <a:pt x="0" y="0"/>
+                  </a:cubicBezTo>
+                  <a:cubicBezTo>
+                    <a:pt x="0" y="31"/>
+                    <a:pt x="1" y="61"/>
+                    <a:pt x="1" y="92"/>
+                  </a:cubicBezTo>
+                  <a:cubicBezTo>
+                    <a:pt x="3" y="131"/>
+                    <a:pt x="4" y="170"/>
+                    <a:pt x="7" y="210"/>
+                  </a:cubicBezTo>
+                  <a:close/>
+                </a:path>
+              </a:pathLst>
+            </a:custGeom>
+            <a:solidFill>
+              <a:schemeClr val="tx2"/>
+            </a:solidFill>
+            <a:ln>
+              <a:noFill/>
+            </a:ln>
+          </p:spPr>
+          <p:txBody>
+            <a:bodyPr/>
+            <a:lstStyle/>
+            <a:p>
+              <a:endParaRPr lang="es-CL"/>
+            </a:p>
+          </p:txBody>
+        </p:sp>
+        <p:sp>
+          <p:nvSpPr>
+            <p:cNvPr id="27" name="Freeform 28">
+              <a:extLst>
+                <a:ext uri="{FF2B5EF4-FFF2-40B4-BE49-F238E27FC236}">
+                  <a16:creationId xmlns:a16="http://schemas.microsoft.com/office/drawing/2014/main" id="{8C13B810-9664-45D8-8510-D6ED0ADD7217}"/>
+                </a:ext>
+                <a:ext uri="{C183D7F6-B498-43B3-948B-1728B52AA6E4}">
+                  <adec:decorative xmlns:adec="http://schemas.microsoft.com/office/drawing/2017/decorative" val="1"/>
+                </a:ext>
+              </a:extLst>
+            </p:cNvPr>
+            <p:cNvSpPr/>
+            <p:nvPr>
+              <p:extLst>
+                <p:ext uri="{386F3935-93C4-4BCD-93E2-E3B085C9AB24}">
+                  <p16:designElem xmlns:p16="http://schemas.microsoft.com/office/powerpoint/2015/main" val="1"/>
+                </p:ext>
+              </p:extLst>
+            </p:nvPr>
+          </p:nvSpPr>
+          <p:spPr bwMode="auto">
+            <a:xfrm>
+              <a:off x="7061201" y="3771900"/>
+              <a:ext cx="350838" cy="1309688"/>
+            </a:xfrm>
+            <a:custGeom>
+              <a:avLst/>
+              <a:gdLst/>
+              <a:ahLst/>
+              <a:cxnLst/>
+              <a:rect l="0" t="0" r="r" b="b"/>
+              <a:pathLst>
+                <a:path w="88" h="330">
+                  <a:moveTo>
+                    <a:pt x="53" y="229"/>
+                  </a:moveTo>
+                  <a:cubicBezTo>
+                    <a:pt x="64" y="263"/>
+                    <a:pt x="75" y="297"/>
+                    <a:pt x="88" y="330"/>
+                  </a:cubicBezTo>
+                  <a:cubicBezTo>
+                    <a:pt x="88" y="323"/>
+                    <a:pt x="88" y="315"/>
+                    <a:pt x="88" y="308"/>
+                  </a:cubicBezTo>
+                  <a:cubicBezTo>
+                    <a:pt x="88" y="307"/>
+                    <a:pt x="88" y="305"/>
+                    <a:pt x="88" y="304"/>
+                  </a:cubicBezTo>
+                  <a:cubicBezTo>
+                    <a:pt x="79" y="278"/>
+                    <a:pt x="70" y="252"/>
+                    <a:pt x="62" y="226"/>
+                  </a:cubicBezTo>
+                  <a:cubicBezTo>
+                    <a:pt x="38" y="152"/>
+                    <a:pt x="17" y="76"/>
+                    <a:pt x="0" y="0"/>
+                  </a:cubicBezTo>
+                  <a:cubicBezTo>
+                    <a:pt x="2" y="21"/>
+                    <a:pt x="4" y="42"/>
+                    <a:pt x="7" y="63"/>
+                  </a:cubicBezTo>
+                  <a:cubicBezTo>
+                    <a:pt x="21" y="119"/>
+                    <a:pt x="36" y="174"/>
+                    <a:pt x="53" y="229"/>
+                  </a:cubicBezTo>
+                  <a:close/>
+                </a:path>
+              </a:pathLst>
+            </a:custGeom>
+            <a:solidFill>
+              <a:schemeClr val="tx2"/>
+            </a:solidFill>
+            <a:ln>
+              <a:noFill/>
+            </a:ln>
+          </p:spPr>
+          <p:txBody>
+            <a:bodyPr/>
+            <a:lstStyle/>
+            <a:p>
+              <a:endParaRPr lang="es-CL"/>
+            </a:p>
+          </p:txBody>
+        </p:sp>
+        <p:sp>
+          <p:nvSpPr>
+            <p:cNvPr id="28" name="Freeform 29">
+              <a:extLst>
+                <a:ext uri="{FF2B5EF4-FFF2-40B4-BE49-F238E27FC236}">
+                  <a16:creationId xmlns:a16="http://schemas.microsoft.com/office/drawing/2014/main" id="{10306E52-A922-4458-BCCE-C3C840CC7556}"/>
+                </a:ext>
+                <a:ext uri="{C183D7F6-B498-43B3-948B-1728B52AA6E4}">
+                  <adec:decorative xmlns:adec="http://schemas.microsoft.com/office/drawing/2017/decorative" val="1"/>
+                </a:ext>
+              </a:extLst>
+            </p:cNvPr>
+            <p:cNvSpPr/>
+            <p:nvPr>
+              <p:extLst>
+                <p:ext uri="{386F3935-93C4-4BCD-93E2-E3B085C9AB24}">
+                  <p16:designElem xmlns:p16="http://schemas.microsoft.com/office/powerpoint/2015/main" val="1"/>
+                </p:ext>
+              </p:extLst>
+            </p:nvPr>
+          </p:nvSpPr>
+          <p:spPr bwMode="auto">
+            <a:xfrm>
+              <a:off x="7439026" y="5053013"/>
+              <a:ext cx="357188" cy="820738"/>
+            </a:xfrm>
+            <a:custGeom>
+              <a:avLst/>
+              <a:gdLst/>
+              <a:ahLst/>
+              <a:cxnLst/>
+              <a:rect l="0" t="0" r="r" b="b"/>
+              <a:pathLst>
+                <a:path w="90" h="207">
+                  <a:moveTo>
+                    <a:pt x="6" y="15"/>
+                  </a:moveTo>
+                  <a:cubicBezTo>
+                    <a:pt x="4" y="10"/>
+                    <a:pt x="2" y="5"/>
+                    <a:pt x="0" y="0"/>
+                  </a:cubicBezTo>
+                  <a:cubicBezTo>
+                    <a:pt x="0" y="9"/>
+                    <a:pt x="0" y="19"/>
+                    <a:pt x="1" y="29"/>
+                  </a:cubicBezTo>
+                  <a:cubicBezTo>
+                    <a:pt x="14" y="62"/>
+                    <a:pt x="27" y="95"/>
+                    <a:pt x="42" y="127"/>
+                  </a:cubicBezTo>
+                  <a:cubicBezTo>
+                    <a:pt x="54" y="154"/>
+                    <a:pt x="67" y="181"/>
+                    <a:pt x="80" y="207"/>
+                  </a:cubicBezTo>
+                  <a:cubicBezTo>
+                    <a:pt x="90" y="207"/>
+                    <a:pt x="90" y="207"/>
+                    <a:pt x="90" y="207"/>
+                  </a:cubicBezTo>
+                  <a:cubicBezTo>
+                    <a:pt x="76" y="180"/>
+                    <a:pt x="63" y="152"/>
+                    <a:pt x="50" y="123"/>
+                  </a:cubicBezTo>
+                  <a:cubicBezTo>
+                    <a:pt x="34" y="88"/>
+                    <a:pt x="20" y="51"/>
+                    <a:pt x="6" y="15"/>
+                  </a:cubicBezTo>
+                  <a:close/>
+                </a:path>
+              </a:pathLst>
+            </a:custGeom>
+            <a:solidFill>
+              <a:schemeClr val="tx2"/>
+            </a:solidFill>
+            <a:ln>
+              <a:noFill/>
+            </a:ln>
+          </p:spPr>
+          <p:txBody>
+            <a:bodyPr/>
+            <a:lstStyle/>
+            <a:p>
+              <a:endParaRPr lang="es-CL"/>
+            </a:p>
+          </p:txBody>
+        </p:sp>
+        <p:sp>
+          <p:nvSpPr>
+            <p:cNvPr id="29" name="Freeform 30">
+              <a:extLst>
+                <a:ext uri="{FF2B5EF4-FFF2-40B4-BE49-F238E27FC236}">
+                  <a16:creationId xmlns:a16="http://schemas.microsoft.com/office/drawing/2014/main" id="{CB578819-B7E7-4250-932F-52AE2A2A9A57}"/>
+                </a:ext>
+                <a:ext uri="{C183D7F6-B498-43B3-948B-1728B52AA6E4}">
+                  <adec:decorative xmlns:adec="http://schemas.microsoft.com/office/drawing/2017/decorative" val="1"/>
+                </a:ext>
+              </a:extLst>
+            </p:cNvPr>
+            <p:cNvSpPr/>
+            <p:nvPr>
+              <p:extLst>
+                <p:ext uri="{386F3935-93C4-4BCD-93E2-E3B085C9AB24}">
+                  <p16:designElem xmlns:p16="http://schemas.microsoft.com/office/powerpoint/2015/main" val="1"/>
+                </p:ext>
+              </p:extLst>
+            </p:nvPr>
+          </p:nvSpPr>
+          <p:spPr bwMode="auto">
+            <a:xfrm>
+              <a:off x="7037388" y="3811588"/>
+              <a:ext cx="457200" cy="1852613"/>
+            </a:xfrm>
+            <a:custGeom>
+              <a:avLst/>
+              <a:gdLst/>
+              <a:ahLst/>
+              <a:cxnLst/>
+              <a:rect l="0" t="0" r="r" b="b"/>
+              <a:pathLst>
+                <a:path w="115" h="467">
+                  <a:moveTo>
+                    <a:pt x="101" y="409"/>
+                  </a:moveTo>
+                  <a:cubicBezTo>
+                    <a:pt x="93" y="388"/>
+                    <a:pt x="85" y="366"/>
+                    <a:pt x="78" y="344"/>
+                  </a:cubicBezTo>
+                  <a:cubicBezTo>
+                    <a:pt x="57" y="281"/>
+                    <a:pt x="41" y="216"/>
+                    <a:pt x="29" y="151"/>
+                  </a:cubicBezTo>
+                  <a:cubicBezTo>
+                    <a:pt x="22" y="119"/>
+                    <a:pt x="17" y="86"/>
+                    <a:pt x="13" y="53"/>
+                  </a:cubicBezTo>
+                  <a:cubicBezTo>
+                    <a:pt x="9" y="35"/>
+                    <a:pt x="4" y="18"/>
+                    <a:pt x="0" y="0"/>
+                  </a:cubicBezTo>
+                  <a:cubicBezTo>
+                    <a:pt x="5" y="51"/>
+                    <a:pt x="12" y="102"/>
+                    <a:pt x="21" y="152"/>
+                  </a:cubicBezTo>
+                  <a:cubicBezTo>
+                    <a:pt x="33" y="218"/>
+                    <a:pt x="49" y="283"/>
+                    <a:pt x="69" y="347"/>
+                  </a:cubicBezTo>
+                  <a:cubicBezTo>
+                    <a:pt x="79" y="378"/>
+                    <a:pt x="90" y="410"/>
+                    <a:pt x="103" y="441"/>
+                  </a:cubicBezTo>
+                  <a:cubicBezTo>
+                    <a:pt x="107" y="449"/>
+                    <a:pt x="111" y="458"/>
+                    <a:pt x="115" y="467"/>
+                  </a:cubicBezTo>
+                  <a:cubicBezTo>
+                    <a:pt x="114" y="464"/>
+                    <a:pt x="113" y="461"/>
+                    <a:pt x="112" y="458"/>
+                  </a:cubicBezTo>
+                  <a:cubicBezTo>
+                    <a:pt x="108" y="442"/>
+                    <a:pt x="104" y="425"/>
+                    <a:pt x="101" y="409"/>
+                  </a:cubicBezTo>
+                  <a:close/>
+                </a:path>
+              </a:pathLst>
+            </a:custGeom>
+            <a:solidFill>
+              <a:schemeClr val="tx2"/>
+            </a:solidFill>
+            <a:ln>
+              <a:noFill/>
+            </a:ln>
+          </p:spPr>
+          <p:txBody>
+            <a:bodyPr/>
+            <a:lstStyle/>
+            <a:p>
+              <a:endParaRPr lang="es-CL"/>
+            </a:p>
+          </p:txBody>
+        </p:sp>
+        <p:sp>
+          <p:nvSpPr>
+            <p:cNvPr id="30" name="Freeform 31">
+              <a:extLst>
+                <a:ext uri="{FF2B5EF4-FFF2-40B4-BE49-F238E27FC236}">
+                  <a16:creationId xmlns:a16="http://schemas.microsoft.com/office/drawing/2014/main" id="{454B9C91-B623-424A-B16E-F764F189D300}"/>
+                </a:ext>
+                <a:ext uri="{C183D7F6-B498-43B3-948B-1728B52AA6E4}">
+                  <adec:decorative xmlns:adec="http://schemas.microsoft.com/office/drawing/2017/decorative" val="1"/>
+                </a:ext>
+              </a:extLst>
+            </p:cNvPr>
+            <p:cNvSpPr/>
+            <p:nvPr>
+              <p:extLst>
+                <p:ext uri="{386F3935-93C4-4BCD-93E2-E3B085C9AB24}">
+                  <p16:designElem xmlns:p16="http://schemas.microsoft.com/office/powerpoint/2015/main" val="1"/>
+                </p:ext>
+              </p:extLst>
+            </p:nvPr>
+          </p:nvSpPr>
+          <p:spPr bwMode="auto">
+            <a:xfrm>
+              <a:off x="6992938" y="1263650"/>
+              <a:ext cx="144463" cy="2508250"/>
+            </a:xfrm>
+            <a:custGeom>
+              <a:avLst/>
+              <a:gdLst/>
+              <a:ahLst/>
+              <a:cxnLst/>
+              <a:rect l="0" t="0" r="r" b="b"/>
+              <a:pathLst>
+                <a:path w="36" h="633">
+                  <a:moveTo>
+                    <a:pt x="17" y="633"/>
+                  </a:moveTo>
+                  <a:cubicBezTo>
+                    <a:pt x="15" y="621"/>
+                    <a:pt x="14" y="609"/>
+                    <a:pt x="13" y="597"/>
+                  </a:cubicBezTo>
+                  <a:cubicBezTo>
+                    <a:pt x="8" y="530"/>
+                    <a:pt x="5" y="464"/>
+                    <a:pt x="5" y="398"/>
+                  </a:cubicBezTo>
+                  <a:cubicBezTo>
+                    <a:pt x="5" y="331"/>
+                    <a:pt x="8" y="265"/>
+                    <a:pt x="13" y="198"/>
+                  </a:cubicBezTo>
+                  <a:cubicBezTo>
+                    <a:pt x="15" y="165"/>
+                    <a:pt x="18" y="132"/>
+                    <a:pt x="22" y="99"/>
+                  </a:cubicBezTo>
+                  <a:cubicBezTo>
+                    <a:pt x="26" y="66"/>
+                    <a:pt x="30" y="33"/>
+                    <a:pt x="36" y="0"/>
+                  </a:cubicBezTo>
+                  <a:cubicBezTo>
+                    <a:pt x="35" y="0"/>
+                    <a:pt x="35" y="0"/>
+                    <a:pt x="35" y="0"/>
+                  </a:cubicBezTo>
+                  <a:cubicBezTo>
+                    <a:pt x="29" y="33"/>
+                    <a:pt x="24" y="66"/>
+                    <a:pt x="20" y="99"/>
+                  </a:cubicBezTo>
+                  <a:cubicBezTo>
+                    <a:pt x="16" y="132"/>
+                    <a:pt x="13" y="165"/>
+                    <a:pt x="10" y="198"/>
+                  </a:cubicBezTo>
+                  <a:cubicBezTo>
+                    <a:pt x="4" y="264"/>
+                    <a:pt x="1" y="331"/>
+                    <a:pt x="1" y="398"/>
+                  </a:cubicBezTo>
+                  <a:cubicBezTo>
+                    <a:pt x="0" y="461"/>
+                    <a:pt x="2" y="525"/>
+                    <a:pt x="7" y="589"/>
+                  </a:cubicBezTo>
+                  <a:cubicBezTo>
+                    <a:pt x="10" y="603"/>
+                    <a:pt x="13" y="618"/>
+                    <a:pt x="16" y="632"/>
+                  </a:cubicBezTo>
+                  <a:cubicBezTo>
+                    <a:pt x="16" y="632"/>
+                    <a:pt x="17" y="633"/>
+                    <a:pt x="17" y="633"/>
+                  </a:cubicBezTo>
+                  <a:close/>
+                </a:path>
+              </a:pathLst>
+            </a:custGeom>
+            <a:solidFill>
+              <a:schemeClr val="tx2"/>
+            </a:solidFill>
+            <a:ln>
+              <a:noFill/>
+            </a:ln>
+          </p:spPr>
+          <p:txBody>
+            <a:bodyPr/>
+            <a:lstStyle/>
+            <a:p>
+              <a:endParaRPr lang="es-CL"/>
+            </a:p>
+          </p:txBody>
+        </p:sp>
+        <p:sp>
+          <p:nvSpPr>
+            <p:cNvPr id="31" name="Freeform 32">
+              <a:extLst>
+                <a:ext uri="{FF2B5EF4-FFF2-40B4-BE49-F238E27FC236}">
+                  <a16:creationId xmlns:a16="http://schemas.microsoft.com/office/drawing/2014/main" id="{EFD03C4A-8484-41E6-B458-032F1DCA70AA}"/>
+                </a:ext>
+                <a:ext uri="{C183D7F6-B498-43B3-948B-1728B52AA6E4}">
+                  <adec:decorative xmlns:adec="http://schemas.microsoft.com/office/drawing/2017/decorative" val="1"/>
+                </a:ext>
+              </a:extLst>
+            </p:cNvPr>
+            <p:cNvSpPr/>
+            <p:nvPr>
+              <p:extLst>
+                <p:ext uri="{386F3935-93C4-4BCD-93E2-E3B085C9AB24}">
+                  <p16:designElem xmlns:p16="http://schemas.microsoft.com/office/powerpoint/2015/main" val="1"/>
+                </p:ext>
+              </p:extLst>
+            </p:nvPr>
+          </p:nvSpPr>
+          <p:spPr bwMode="auto">
+            <a:xfrm>
+              <a:off x="7526338" y="5640388"/>
+              <a:ext cx="111125" cy="233363"/>
+            </a:xfrm>
+            <a:custGeom>
+              <a:avLst/>
+              <a:gdLst/>
+              <a:ahLst/>
+              <a:cxnLst/>
+              <a:rect l="0" t="0" r="r" b="b"/>
+              <a:pathLst>
+                <a:path w="28" h="59">
+                  <a:moveTo>
+                    <a:pt x="22" y="59"/>
+                  </a:moveTo>
+                  <a:cubicBezTo>
+                    <a:pt x="28" y="59"/>
+                    <a:pt x="28" y="59"/>
+                    <a:pt x="28" y="59"/>
+                  </a:cubicBezTo>
+                  <a:cubicBezTo>
+                    <a:pt x="18" y="40"/>
+                    <a:pt x="9" y="20"/>
+                    <a:pt x="0" y="0"/>
+                  </a:cubicBezTo>
+                  <a:cubicBezTo>
+                    <a:pt x="6" y="20"/>
+                    <a:pt x="13" y="40"/>
+                    <a:pt x="22" y="59"/>
+                  </a:cubicBezTo>
+                  <a:close/>
+                </a:path>
+              </a:pathLst>
+            </a:custGeom>
+            <a:solidFill>
+              <a:schemeClr val="tx2"/>
+            </a:solidFill>
+            <a:ln>
+              <a:noFill/>
+            </a:ln>
+          </p:spPr>
+          <p:txBody>
+            <a:bodyPr/>
+            <a:lstStyle/>
+            <a:p>
+              <a:endParaRPr lang="es-CL"/>
+            </a:p>
+          </p:txBody>
+        </p:sp>
+        <p:sp>
+          <p:nvSpPr>
+            <p:cNvPr id="32" name="Freeform 33">
+              <a:extLst>
+                <a:ext uri="{FF2B5EF4-FFF2-40B4-BE49-F238E27FC236}">
+                  <a16:creationId xmlns:a16="http://schemas.microsoft.com/office/drawing/2014/main" id="{DDC2F3C3-1D4E-4913-9C5C-F9A65B47E5CA}"/>
+                </a:ext>
+                <a:ext uri="{C183D7F6-B498-43B3-948B-1728B52AA6E4}">
+                  <adec:decorative xmlns:adec="http://schemas.microsoft.com/office/drawing/2017/decorative" val="1"/>
+                </a:ext>
+              </a:extLst>
+            </p:cNvPr>
+            <p:cNvSpPr/>
+            <p:nvPr>
+              <p:extLst>
+                <p:ext uri="{386F3935-93C4-4BCD-93E2-E3B085C9AB24}">
+                  <p16:designElem xmlns:p16="http://schemas.microsoft.com/office/powerpoint/2015/main" val="1"/>
+                </p:ext>
+              </p:extLst>
+            </p:nvPr>
+          </p:nvSpPr>
+          <p:spPr bwMode="auto">
+            <a:xfrm>
+              <a:off x="7021513" y="3598863"/>
+              <a:ext cx="68263" cy="423863"/>
+            </a:xfrm>
+            <a:custGeom>
+              <a:avLst/>
+              <a:gdLst/>
+              <a:ahLst/>
+              <a:cxnLst/>
+              <a:rect l="0" t="0" r="r" b="b"/>
+              <a:pathLst>
+                <a:path w="17" h="107">
+                  <a:moveTo>
+                    <a:pt x="4" y="54"/>
+                  </a:moveTo>
+                  <a:cubicBezTo>
+                    <a:pt x="8" y="72"/>
+                    <a:pt x="13" y="89"/>
+                    <a:pt x="17" y="107"/>
+                  </a:cubicBezTo>
+                  <a:cubicBezTo>
+                    <a:pt x="14" y="86"/>
+                    <a:pt x="12" y="65"/>
+                    <a:pt x="10" y="44"/>
+                  </a:cubicBezTo>
+                  <a:cubicBezTo>
+                    <a:pt x="10" y="44"/>
+                    <a:pt x="9" y="43"/>
+                    <a:pt x="9" y="43"/>
+                  </a:cubicBezTo>
+                  <a:cubicBezTo>
+                    <a:pt x="6" y="29"/>
+                    <a:pt x="3" y="14"/>
+                    <a:pt x="0" y="0"/>
+                  </a:cubicBezTo>
+                  <a:cubicBezTo>
+                    <a:pt x="0" y="2"/>
+                    <a:pt x="0" y="5"/>
+                    <a:pt x="0" y="8"/>
+                  </a:cubicBezTo>
+                  <a:cubicBezTo>
+                    <a:pt x="1" y="23"/>
+                    <a:pt x="3" y="39"/>
+                    <a:pt x="4" y="54"/>
+                  </a:cubicBezTo>
+                  <a:close/>
+                </a:path>
+              </a:pathLst>
+            </a:custGeom>
+            <a:solidFill>
+              <a:schemeClr val="tx2"/>
+            </a:solidFill>
+            <a:ln>
+              <a:noFill/>
+            </a:ln>
+          </p:spPr>
+          <p:txBody>
+            <a:bodyPr/>
+            <a:lstStyle/>
+            <a:p>
+              <a:endParaRPr lang="es-CL"/>
+            </a:p>
+          </p:txBody>
+        </p:sp>
+        <p:sp>
+          <p:nvSpPr>
+            <p:cNvPr id="33" name="Freeform 34">
+              <a:extLst>
+                <a:ext uri="{FF2B5EF4-FFF2-40B4-BE49-F238E27FC236}">
+                  <a16:creationId xmlns:a16="http://schemas.microsoft.com/office/drawing/2014/main" id="{1E15BCA2-2420-4C53-ADE9-40FBAC238443}"/>
+                </a:ext>
+                <a:ext uri="{C183D7F6-B498-43B3-948B-1728B52AA6E4}">
+                  <adec:decorative xmlns:adec="http://schemas.microsoft.com/office/drawing/2017/decorative" val="1"/>
+                </a:ext>
+              </a:extLst>
+            </p:cNvPr>
+            <p:cNvSpPr/>
+            <p:nvPr>
+              <p:extLst>
+                <p:ext uri="{386F3935-93C4-4BCD-93E2-E3B085C9AB24}">
+                  <p16:designElem xmlns:p16="http://schemas.microsoft.com/office/powerpoint/2015/main" val="1"/>
+                </p:ext>
+              </p:extLst>
+            </p:nvPr>
+          </p:nvSpPr>
+          <p:spPr bwMode="auto">
+            <a:xfrm>
+              <a:off x="7412038" y="2801938"/>
+              <a:ext cx="1168400" cy="2251075"/>
+            </a:xfrm>
+            <a:custGeom>
+              <a:avLst/>
+              <a:gdLst/>
+              <a:ahLst/>
+              <a:cxnLst/>
+              <a:rect l="0" t="0" r="r" b="b"/>
+              <a:pathLst>
+                <a:path w="294" h="568">
+                  <a:moveTo>
+                    <a:pt x="8" y="553"/>
+                  </a:moveTo>
+                  <a:cubicBezTo>
+                    <a:pt x="9" y="501"/>
+                    <a:pt x="19" y="448"/>
+                    <a:pt x="35" y="397"/>
+                  </a:cubicBezTo>
+                  <a:cubicBezTo>
+                    <a:pt x="51" y="347"/>
+                    <a:pt x="73" y="298"/>
+                    <a:pt x="99" y="252"/>
+                  </a:cubicBezTo>
+                  <a:cubicBezTo>
+                    <a:pt x="124" y="205"/>
+                    <a:pt x="154" y="161"/>
+                    <a:pt x="187" y="119"/>
+                  </a:cubicBezTo>
+                  <a:cubicBezTo>
+                    <a:pt x="203" y="98"/>
+                    <a:pt x="220" y="77"/>
+                    <a:pt x="238" y="58"/>
+                  </a:cubicBezTo>
+                  <a:cubicBezTo>
+                    <a:pt x="247" y="48"/>
+                    <a:pt x="256" y="38"/>
+                    <a:pt x="265" y="28"/>
+                  </a:cubicBezTo>
+                  <a:cubicBezTo>
+                    <a:pt x="274" y="19"/>
+                    <a:pt x="284" y="9"/>
+                    <a:pt x="294" y="0"/>
+                  </a:cubicBezTo>
+                  <a:cubicBezTo>
+                    <a:pt x="293" y="0"/>
+                    <a:pt x="293" y="0"/>
+                    <a:pt x="293" y="0"/>
+                  </a:cubicBezTo>
+                  <a:cubicBezTo>
+                    <a:pt x="283" y="9"/>
+                    <a:pt x="273" y="18"/>
+                    <a:pt x="264" y="27"/>
+                  </a:cubicBezTo>
+                  <a:cubicBezTo>
+                    <a:pt x="255" y="37"/>
+                    <a:pt x="246" y="47"/>
+                    <a:pt x="237" y="56"/>
+                  </a:cubicBezTo>
+                  <a:cubicBezTo>
+                    <a:pt x="218" y="76"/>
+                    <a:pt x="201" y="96"/>
+                    <a:pt x="185" y="117"/>
+                  </a:cubicBezTo>
+                  <a:cubicBezTo>
+                    <a:pt x="151" y="159"/>
+                    <a:pt x="121" y="203"/>
+                    <a:pt x="95" y="249"/>
+                  </a:cubicBezTo>
+                  <a:cubicBezTo>
+                    <a:pt x="68" y="296"/>
+                    <a:pt x="46" y="345"/>
+                    <a:pt x="30" y="396"/>
+                  </a:cubicBezTo>
+                  <a:cubicBezTo>
+                    <a:pt x="13" y="445"/>
+                    <a:pt x="3" y="497"/>
+                    <a:pt x="0" y="549"/>
+                  </a:cubicBezTo>
+                  <a:cubicBezTo>
+                    <a:pt x="3" y="555"/>
+                    <a:pt x="5" y="561"/>
+                    <a:pt x="7" y="568"/>
+                  </a:cubicBezTo>
+                  <a:cubicBezTo>
+                    <a:pt x="7" y="563"/>
+                    <a:pt x="7" y="558"/>
+                    <a:pt x="8" y="553"/>
+                  </a:cubicBezTo>
+                  <a:close/>
+                </a:path>
+              </a:pathLst>
+            </a:custGeom>
+            <a:solidFill>
+              <a:schemeClr val="tx2"/>
+            </a:solidFill>
+            <a:ln>
+              <a:noFill/>
+            </a:ln>
+          </p:spPr>
+          <p:txBody>
+            <a:bodyPr/>
+            <a:lstStyle/>
+            <a:p>
+              <a:endParaRPr lang="es-CL"/>
+            </a:p>
+          </p:txBody>
+        </p:sp>
+        <p:sp>
+          <p:nvSpPr>
+            <p:cNvPr id="34" name="Freeform 35">
+              <a:extLst>
+                <a:ext uri="{FF2B5EF4-FFF2-40B4-BE49-F238E27FC236}">
+                  <a16:creationId xmlns:a16="http://schemas.microsoft.com/office/drawing/2014/main" id="{73D5FBF4-7129-4C51-B603-E3BC3341951B}"/>
+                </a:ext>
+                <a:ext uri="{C183D7F6-B498-43B3-948B-1728B52AA6E4}">
+                  <adec:decorative xmlns:adec="http://schemas.microsoft.com/office/drawing/2017/decorative" val="1"/>
+                </a:ext>
+              </a:extLst>
+            </p:cNvPr>
+            <p:cNvSpPr/>
+            <p:nvPr>
+              <p:extLst>
+                <p:ext uri="{386F3935-93C4-4BCD-93E2-E3B085C9AB24}">
+                  <p16:designElem xmlns:p16="http://schemas.microsoft.com/office/powerpoint/2015/main" val="1"/>
+                </p:ext>
+              </p:extLst>
+            </p:nvPr>
+          </p:nvSpPr>
+          <p:spPr bwMode="auto">
+            <a:xfrm>
+              <a:off x="7494588" y="5664200"/>
+              <a:ext cx="100013" cy="209550"/>
+            </a:xfrm>
+            <a:custGeom>
+              <a:avLst/>
+              <a:gdLst/>
+              <a:ahLst/>
+              <a:cxnLst/>
+              <a:rect l="0" t="0" r="r" b="b"/>
+              <a:pathLst>
+                <a:path w="25" h="53">
+                  <a:moveTo>
+                    <a:pt x="0" y="0"/>
+                  </a:moveTo>
+                  <a:cubicBezTo>
+                    <a:pt x="5" y="18"/>
+                    <a:pt x="12" y="36"/>
+                    <a:pt x="19" y="53"/>
+                  </a:cubicBezTo>
+                  <a:cubicBezTo>
+                    <a:pt x="25" y="53"/>
+                    <a:pt x="25" y="53"/>
+                    <a:pt x="25" y="53"/>
+                  </a:cubicBezTo>
+                  <a:cubicBezTo>
+                    <a:pt x="16" y="36"/>
+                    <a:pt x="8" y="18"/>
+                    <a:pt x="0" y="0"/>
+                  </a:cubicBezTo>
+                  <a:close/>
+                </a:path>
+              </a:pathLst>
+            </a:custGeom>
+            <a:solidFill>
+              <a:schemeClr val="tx2"/>
+            </a:solidFill>
+            <a:ln>
+              <a:noFill/>
+            </a:ln>
+          </p:spPr>
+          <p:txBody>
+            <a:bodyPr/>
+            <a:lstStyle/>
+            <a:p>
+              <a:endParaRPr lang="es-CL"/>
+            </a:p>
+          </p:txBody>
+        </p:sp>
+        <p:sp>
+          <p:nvSpPr>
+            <p:cNvPr id="35" name="Freeform 36">
+              <a:extLst>
+                <a:ext uri="{FF2B5EF4-FFF2-40B4-BE49-F238E27FC236}">
+                  <a16:creationId xmlns:a16="http://schemas.microsoft.com/office/drawing/2014/main" id="{0165B164-CE2A-494C-88FC-507232B37C08}"/>
+                </a:ext>
+                <a:ext uri="{C183D7F6-B498-43B3-948B-1728B52AA6E4}">
+                  <adec:decorative xmlns:adec="http://schemas.microsoft.com/office/drawing/2017/decorative" val="1"/>
+                </a:ext>
+              </a:extLst>
+            </p:cNvPr>
+            <p:cNvSpPr/>
+            <p:nvPr>
+              <p:extLst>
+                <p:ext uri="{386F3935-93C4-4BCD-93E2-E3B085C9AB24}">
+                  <p16:designElem xmlns:p16="http://schemas.microsoft.com/office/powerpoint/2015/main" val="1"/>
+                </p:ext>
+              </p:extLst>
+            </p:nvPr>
+          </p:nvSpPr>
+          <p:spPr bwMode="auto">
+            <a:xfrm>
+              <a:off x="7412038" y="5081588"/>
+              <a:ext cx="114300" cy="558800"/>
+            </a:xfrm>
+            <a:custGeom>
+              <a:avLst/>
+              <a:gdLst/>
+              <a:ahLst/>
+              <a:cxnLst/>
+              <a:rect l="0" t="0" r="r" b="b"/>
+              <a:pathLst>
+                <a:path w="29" h="141">
+                  <a:moveTo>
+                    <a:pt x="0" y="0"/>
+                  </a:moveTo>
+                  <a:cubicBezTo>
+                    <a:pt x="0" y="30"/>
+                    <a:pt x="2" y="60"/>
+                    <a:pt x="7" y="89"/>
+                  </a:cubicBezTo>
+                  <a:cubicBezTo>
+                    <a:pt x="11" y="98"/>
+                    <a:pt x="14" y="108"/>
+                    <a:pt x="18" y="117"/>
+                  </a:cubicBezTo>
+                  <a:cubicBezTo>
+                    <a:pt x="22" y="125"/>
+                    <a:pt x="25" y="133"/>
+                    <a:pt x="29" y="141"/>
+                  </a:cubicBezTo>
+                  <a:cubicBezTo>
+                    <a:pt x="28" y="139"/>
+                    <a:pt x="28" y="137"/>
+                    <a:pt x="27" y="135"/>
+                  </a:cubicBezTo>
+                  <a:cubicBezTo>
+                    <a:pt x="16" y="98"/>
+                    <a:pt x="10" y="60"/>
+                    <a:pt x="8" y="22"/>
+                  </a:cubicBezTo>
+                  <a:cubicBezTo>
+                    <a:pt x="7" y="18"/>
+                    <a:pt x="5" y="15"/>
+                    <a:pt x="4" y="11"/>
+                  </a:cubicBezTo>
+                  <a:cubicBezTo>
+                    <a:pt x="2" y="7"/>
+                    <a:pt x="1" y="3"/>
+                    <a:pt x="0" y="0"/>
+                  </a:cubicBezTo>
+                  <a:close/>
+                </a:path>
+              </a:pathLst>
+            </a:custGeom>
+            <a:solidFill>
+              <a:schemeClr val="tx2"/>
+            </a:solidFill>
+            <a:ln>
+              <a:noFill/>
+            </a:ln>
+          </p:spPr>
+          <p:txBody>
+            <a:bodyPr/>
+            <a:lstStyle/>
+            <a:p>
+              <a:endParaRPr lang="es-CL"/>
+            </a:p>
+          </p:txBody>
+        </p:sp>
+        <p:sp>
+          <p:nvSpPr>
+            <p:cNvPr id="36" name="Freeform 37">
+              <a:extLst>
+                <a:ext uri="{FF2B5EF4-FFF2-40B4-BE49-F238E27FC236}">
+                  <a16:creationId xmlns:a16="http://schemas.microsoft.com/office/drawing/2014/main" id="{87F127E5-B10B-4D18-BCF0-E7C3C7F401EC}"/>
+                </a:ext>
+                <a:ext uri="{C183D7F6-B498-43B3-948B-1728B52AA6E4}">
+                  <adec:decorative xmlns:adec="http://schemas.microsoft.com/office/drawing/2017/decorative" val="1"/>
+                </a:ext>
+              </a:extLst>
+            </p:cNvPr>
+            <p:cNvSpPr/>
+            <p:nvPr>
+              <p:extLst>
+                <p:ext uri="{386F3935-93C4-4BCD-93E2-E3B085C9AB24}">
+                  <p16:designElem xmlns:p16="http://schemas.microsoft.com/office/powerpoint/2015/main" val="1"/>
+                </p:ext>
+              </p:extLst>
+            </p:nvPr>
+          </p:nvSpPr>
+          <p:spPr bwMode="auto">
+            <a:xfrm>
+              <a:off x="7412038" y="4978400"/>
+              <a:ext cx="31750" cy="188913"/>
+            </a:xfrm>
+            <a:custGeom>
+              <a:avLst/>
+              <a:gdLst/>
+              <a:ahLst/>
+              <a:cxnLst/>
+              <a:rect l="0" t="0" r="r" b="b"/>
+              <a:pathLst>
+                <a:path w="8" h="48">
+                  <a:moveTo>
+                    <a:pt x="0" y="26"/>
+                  </a:moveTo>
+                  <a:cubicBezTo>
+                    <a:pt x="1" y="29"/>
+                    <a:pt x="2" y="33"/>
+                    <a:pt x="4" y="37"/>
+                  </a:cubicBezTo>
+                  <a:cubicBezTo>
+                    <a:pt x="5" y="41"/>
+                    <a:pt x="7" y="44"/>
+                    <a:pt x="8" y="48"/>
+                  </a:cubicBezTo>
+                  <a:cubicBezTo>
+                    <a:pt x="7" y="38"/>
+                    <a:pt x="7" y="28"/>
+                    <a:pt x="7" y="19"/>
+                  </a:cubicBezTo>
+                  <a:cubicBezTo>
+                    <a:pt x="5" y="12"/>
+                    <a:pt x="3" y="6"/>
+                    <a:pt x="0" y="0"/>
+                  </a:cubicBezTo>
+                  <a:cubicBezTo>
+                    <a:pt x="0" y="1"/>
+                    <a:pt x="0" y="3"/>
+                    <a:pt x="0" y="4"/>
+                  </a:cubicBezTo>
+                  <a:cubicBezTo>
+                    <a:pt x="0" y="11"/>
+                    <a:pt x="0" y="19"/>
+                    <a:pt x="0" y="26"/>
+                  </a:cubicBezTo>
+                  <a:close/>
+                </a:path>
+              </a:pathLst>
+            </a:custGeom>
+            <a:solidFill>
+              <a:schemeClr val="tx2"/>
+            </a:solidFill>
+            <a:ln>
+              <a:noFill/>
+            </a:ln>
+          </p:spPr>
+          <p:txBody>
+            <a:bodyPr/>
+            <a:lstStyle/>
+            <a:p>
+              <a:endParaRPr lang="es-CL"/>
+            </a:p>
+          </p:txBody>
+        </p:sp>
+        <p:sp>
+          <p:nvSpPr>
+            <p:cNvPr id="37" name="Freeform 38">
+              <a:extLst>
+                <a:ext uri="{FF2B5EF4-FFF2-40B4-BE49-F238E27FC236}">
+                  <a16:creationId xmlns:a16="http://schemas.microsoft.com/office/drawing/2014/main" id="{FC692D59-F28D-4E42-B435-225F2C6CFA31}"/>
+                </a:ext>
+                <a:ext uri="{C183D7F6-B498-43B3-948B-1728B52AA6E4}">
+                  <adec:decorative xmlns:adec="http://schemas.microsoft.com/office/drawing/2017/decorative" val="1"/>
+                </a:ext>
+              </a:extLst>
+            </p:cNvPr>
+            <p:cNvSpPr/>
+            <p:nvPr>
+              <p:extLst>
+                <p:ext uri="{386F3935-93C4-4BCD-93E2-E3B085C9AB24}">
+                  <p16:designElem xmlns:p16="http://schemas.microsoft.com/office/powerpoint/2015/main" val="1"/>
+                </p:ext>
+              </p:extLst>
+            </p:nvPr>
+          </p:nvSpPr>
+          <p:spPr bwMode="auto">
+            <a:xfrm>
+              <a:off x="7439026" y="5434013"/>
+              <a:ext cx="174625" cy="439738"/>
+            </a:xfrm>
+            <a:custGeom>
+              <a:avLst/>
+              <a:gdLst/>
+              <a:ahLst/>
+              <a:cxnLst/>
+              <a:rect l="0" t="0" r="r" b="b"/>
+              <a:pathLst>
+                <a:path w="44" h="111">
+                  <a:moveTo>
+                    <a:pt x="11" y="28"/>
+                  </a:moveTo>
+                  <a:cubicBezTo>
+                    <a:pt x="7" y="19"/>
+                    <a:pt x="4" y="9"/>
+                    <a:pt x="0" y="0"/>
+                  </a:cubicBezTo>
+                  <a:cubicBezTo>
+                    <a:pt x="3" y="16"/>
+                    <a:pt x="7" y="33"/>
+                    <a:pt x="11" y="49"/>
+                  </a:cubicBezTo>
+                  <a:cubicBezTo>
+                    <a:pt x="12" y="52"/>
+                    <a:pt x="13" y="55"/>
+                    <a:pt x="14" y="58"/>
+                  </a:cubicBezTo>
+                  <a:cubicBezTo>
+                    <a:pt x="22" y="76"/>
+                    <a:pt x="30" y="94"/>
+                    <a:pt x="39" y="111"/>
+                  </a:cubicBezTo>
+                  <a:cubicBezTo>
+                    <a:pt x="44" y="111"/>
+                    <a:pt x="44" y="111"/>
+                    <a:pt x="44" y="111"/>
+                  </a:cubicBezTo>
+                  <a:cubicBezTo>
+                    <a:pt x="35" y="92"/>
+                    <a:pt x="28" y="72"/>
+                    <a:pt x="22" y="52"/>
+                  </a:cubicBezTo>
+                  <a:cubicBezTo>
+                    <a:pt x="18" y="44"/>
+                    <a:pt x="15" y="36"/>
+                    <a:pt x="11" y="28"/>
+                  </a:cubicBezTo>
+                  <a:close/>
+                </a:path>
+              </a:pathLst>
+            </a:custGeom>
+            <a:solidFill>
+              <a:schemeClr val="tx2"/>
+            </a:solidFill>
+            <a:ln>
+              <a:noFill/>
+            </a:ln>
+          </p:spPr>
+          <p:txBody>
+            <a:bodyPr/>
+            <a:lstStyle/>
+            <a:p>
+              <a:endParaRPr lang="es-CL"/>
+            </a:p>
+          </p:txBody>
+        </p:sp>
+      </p:grpSp>
       <p:sp>
         <p:nvSpPr>
-          <p:cNvPr id="2" name="Título 1">
+          <p:cNvPr id="39" name="Rectangle 38">
             <a:extLst>
               <a:ext uri="{FF2B5EF4-FFF2-40B4-BE49-F238E27FC236}">
-                <a16:creationId xmlns:a16="http://schemas.microsoft.com/office/drawing/2014/main" id="{F10B924E-38D1-35CE-D2EA-E4A9CC4738E2}"/>
+                <a16:creationId xmlns:a16="http://schemas.microsoft.com/office/drawing/2014/main" id="{1996130F-9AB5-4DE9-8574-3AF891C5C172}"/>
+              </a:ext>
+              <a:ext uri="{C183D7F6-B498-43B3-948B-1728B52AA6E4}">
+                <adec:decorative xmlns:adec="http://schemas.microsoft.com/office/drawing/2017/decorative" val="1"/>
               </a:ext>
             </a:extLst>
           </p:cNvPr>
           <p:cNvSpPr>
-            <a:spLocks noGrp="1"/>
+            <a:spLocks noGrp="1" noRot="1" noChangeAspect="1" noMove="1" noResize="1" noEditPoints="1" noAdjustHandles="1" noChangeArrowheads="1" noChangeShapeType="1" noTextEdit="1"/>
           </p:cNvSpPr>
           <p:nvPr>
-            <p:ph type="title"/>
+            <p:extLst>
+              <p:ext uri="{386F3935-93C4-4BCD-93E2-E3B085C9AB24}">
+                <p16:designElem xmlns:p16="http://schemas.microsoft.com/office/powerpoint/2015/main" val="1"/>
+              </p:ext>
+            </p:extLst>
           </p:nvPr>
         </p:nvSpPr>
-        <p:spPr/>
+        <p:spPr>
+          <a:xfrm>
+            <a:off x="0" y="0"/>
+            <a:ext cx="182880" cy="6858000"/>
+          </a:xfrm>
+          <a:prstGeom prst="rect">
+            <a:avLst/>
+          </a:prstGeom>
+          <a:solidFill>
+            <a:schemeClr val="tx2"/>
+          </a:solidFill>
+          <a:ln>
+            <a:noFill/>
+          </a:ln>
+          <a:effectLst/>
+        </p:spPr>
+        <p:style>
+          <a:lnRef idx="1">
+            <a:schemeClr val="accent1"/>
+          </a:lnRef>
+          <a:fillRef idx="3">
+            <a:schemeClr val="accent1"/>
+          </a:fillRef>
+          <a:effectRef idx="2">
+            <a:schemeClr val="accent1"/>
+          </a:effectRef>
+          <a:fontRef idx="minor">
+            <a:schemeClr val="lt1"/>
+          </a:fontRef>
+        </p:style>
         <p:txBody>
           <a:bodyPr/>
           <a:lstStyle/>
           <a:p>
-            <a:r>
-              <a:rPr lang="es-CL" dirty="0"/>
-              <a:t>Resumen Técnico</a:t>
-            </a:r>
+            <a:endParaRPr lang="es-CL"/>
           </a:p>
         </p:txBody>
       </p:sp>
       <p:sp>
         <p:nvSpPr>
-          <p:cNvPr id="3" name="Marcador de contenido 2">
+          <p:cNvPr id="41" name="Freeform 6">
             <a:extLst>
               <a:ext uri="{FF2B5EF4-FFF2-40B4-BE49-F238E27FC236}">
-                <a16:creationId xmlns:a16="http://schemas.microsoft.com/office/drawing/2014/main" id="{4BE5A2AA-838A-410C-FBD5-AF873D2A2434}"/>
+                <a16:creationId xmlns:a16="http://schemas.microsoft.com/office/drawing/2014/main" id="{3623DEAC-F39C-45D6-86DC-1033F6429528}"/>
+              </a:ext>
+              <a:ext uri="{C183D7F6-B498-43B3-948B-1728B52AA6E4}">
+                <adec:decorative xmlns:adec="http://schemas.microsoft.com/office/drawing/2017/decorative" val="1"/>
               </a:ext>
             </a:extLst>
           </p:cNvPr>
           <p:cNvSpPr>
-            <a:spLocks noGrp="1"/>
+            <a:spLocks noGrp="1" noRot="1" noChangeAspect="1" noMove="1" noResize="1" noEditPoints="1" noAdjustHandles="1" noChangeArrowheads="1" noChangeShapeType="1" noTextEdit="1"/>
           </p:cNvSpPr>
           <p:nvPr>
-            <p:ph idx="1"/>
+            <p:extLst>
+              <p:ext uri="{386F3935-93C4-4BCD-93E2-E3B085C9AB24}">
+                <p16:designElem xmlns:p16="http://schemas.microsoft.com/office/powerpoint/2015/main" val="1"/>
+              </p:ext>
+            </p:extLst>
           </p:nvPr>
         </p:nvSpPr>
-        <p:spPr/>
+        <p:spPr bwMode="auto">
+          <a:xfrm>
+            <a:off x="0" y="4323810"/>
+            <a:ext cx="1744652" cy="778589"/>
+          </a:xfrm>
+          <a:custGeom>
+            <a:avLst/>
+            <a:gdLst/>
+            <a:ahLst/>
+            <a:cxnLst/>
+            <a:rect l="0" t="0" r="r" b="b"/>
+            <a:pathLst>
+              <a:path w="372" h="166">
+                <a:moveTo>
+                  <a:pt x="287" y="166"/>
+                </a:moveTo>
+                <a:cubicBezTo>
+                  <a:pt x="290" y="166"/>
+                  <a:pt x="292" y="165"/>
+                  <a:pt x="293" y="164"/>
+                </a:cubicBezTo>
+                <a:cubicBezTo>
+                  <a:pt x="293" y="163"/>
+                  <a:pt x="294" y="163"/>
+                  <a:pt x="294" y="163"/>
+                </a:cubicBezTo>
+                <a:cubicBezTo>
+                  <a:pt x="370" y="87"/>
+                  <a:pt x="370" y="87"/>
+                  <a:pt x="370" y="87"/>
+                </a:cubicBezTo>
+                <a:cubicBezTo>
+                  <a:pt x="372" y="85"/>
+                  <a:pt x="372" y="81"/>
+                  <a:pt x="370" y="78"/>
+                </a:cubicBezTo>
+                <a:cubicBezTo>
+                  <a:pt x="294" y="3"/>
+                  <a:pt x="294" y="3"/>
+                  <a:pt x="294" y="3"/>
+                </a:cubicBezTo>
+                <a:cubicBezTo>
+                  <a:pt x="294" y="2"/>
+                  <a:pt x="293" y="2"/>
+                  <a:pt x="293" y="2"/>
+                </a:cubicBezTo>
+                <a:cubicBezTo>
+                  <a:pt x="292" y="1"/>
+                  <a:pt x="290" y="0"/>
+                  <a:pt x="287" y="0"/>
+                </a:cubicBezTo>
+                <a:cubicBezTo>
+                  <a:pt x="0" y="0"/>
+                  <a:pt x="0" y="0"/>
+                  <a:pt x="0" y="0"/>
+                </a:cubicBezTo>
+                <a:cubicBezTo>
+                  <a:pt x="0" y="166"/>
+                  <a:pt x="0" y="166"/>
+                  <a:pt x="0" y="166"/>
+                </a:cubicBezTo>
+                <a:lnTo>
+                  <a:pt x="287" y="166"/>
+                </a:lnTo>
+                <a:close/>
+              </a:path>
+            </a:pathLst>
+          </a:custGeom>
+          <a:solidFill>
+            <a:schemeClr val="accent1"/>
+          </a:solidFill>
+          <a:ln>
+            <a:noFill/>
+          </a:ln>
+        </p:spPr>
         <p:txBody>
           <a:bodyPr/>
           <a:lstStyle/>
           <a:p>
-            <a:endParaRPr lang="es-CL" dirty="0"/>
+            <a:endParaRPr lang="es-CL"/>
           </a:p>
         </p:txBody>
       </p:sp>
+      <p:sp>
+        <p:nvSpPr>
+          <p:cNvPr id="4" name="Título 1">
+            <a:extLst>
+              <a:ext uri="{FF2B5EF4-FFF2-40B4-BE49-F238E27FC236}">
+                <a16:creationId xmlns:a16="http://schemas.microsoft.com/office/drawing/2014/main" id="{7D38FA2E-36B0-4F50-D3A8-E4A7717AE580}"/>
+              </a:ext>
+            </a:extLst>
+          </p:cNvPr>
+          <p:cNvSpPr txBox="1">
+            <a:spLocks/>
+          </p:cNvSpPr>
+          <p:nvPr/>
+        </p:nvSpPr>
+        <p:spPr>
+          <a:xfrm>
+            <a:off x="2383899" y="423155"/>
+            <a:ext cx="8915399" cy="823448"/>
+          </a:xfrm>
+          <a:prstGeom prst="rect">
+            <a:avLst/>
+          </a:prstGeom>
+        </p:spPr>
+        <p:txBody>
+          <a:bodyPr vert="horz" lIns="91440" tIns="45720" rIns="91440" bIns="45720" rtlCol="0" anchor="b">
+            <a:normAutofit fontScale="85000" lnSpcReduction="10000"/>
+          </a:bodyPr>
+          <a:lstStyle>
+            <a:lvl1pPr algn="l" defTabSz="457200" rtl="0" eaLnBrk="1" latinLnBrk="0" hangingPunct="1">
+              <a:spcBef>
+                <a:spcPct val="0"/>
+              </a:spcBef>
+              <a:buNone/>
+              <a:defRPr sz="3600" kern="1200">
+                <a:solidFill>
+                  <a:schemeClr val="tx1">
+                    <a:lumMod val="85000"/>
+                    <a:lumOff val="15000"/>
+                  </a:schemeClr>
+                </a:solidFill>
+                <a:latin typeface="+mj-lt"/>
+                <a:ea typeface="+mj-ea"/>
+                <a:cs typeface="+mj-cs"/>
+              </a:defRPr>
+            </a:lvl1pPr>
+            <a:lvl2pPr eaLnBrk="1" hangingPunct="1">
+              <a:defRPr>
+                <a:solidFill>
+                  <a:schemeClr val="tx2"/>
+                </a:solidFill>
+              </a:defRPr>
+            </a:lvl2pPr>
+            <a:lvl3pPr eaLnBrk="1" hangingPunct="1">
+              <a:defRPr>
+                <a:solidFill>
+                  <a:schemeClr val="tx2"/>
+                </a:solidFill>
+              </a:defRPr>
+            </a:lvl3pPr>
+            <a:lvl4pPr eaLnBrk="1" hangingPunct="1">
+              <a:defRPr>
+                <a:solidFill>
+                  <a:schemeClr val="tx2"/>
+                </a:solidFill>
+              </a:defRPr>
+            </a:lvl4pPr>
+            <a:lvl5pPr eaLnBrk="1" hangingPunct="1">
+              <a:defRPr>
+                <a:solidFill>
+                  <a:schemeClr val="tx2"/>
+                </a:solidFill>
+              </a:defRPr>
+            </a:lvl5pPr>
+            <a:lvl6pPr eaLnBrk="1" hangingPunct="1">
+              <a:defRPr>
+                <a:solidFill>
+                  <a:schemeClr val="tx2"/>
+                </a:solidFill>
+              </a:defRPr>
+            </a:lvl6pPr>
+            <a:lvl7pPr eaLnBrk="1" hangingPunct="1">
+              <a:defRPr>
+                <a:solidFill>
+                  <a:schemeClr val="tx2"/>
+                </a:solidFill>
+              </a:defRPr>
+            </a:lvl7pPr>
+            <a:lvl8pPr eaLnBrk="1" hangingPunct="1">
+              <a:defRPr>
+                <a:solidFill>
+                  <a:schemeClr val="tx2"/>
+                </a:solidFill>
+              </a:defRPr>
+            </a:lvl8pPr>
+            <a:lvl9pPr eaLnBrk="1" hangingPunct="1">
+              <a:defRPr>
+                <a:solidFill>
+                  <a:schemeClr val="tx2"/>
+                </a:solidFill>
+              </a:defRPr>
+            </a:lvl9pPr>
+          </a:lstStyle>
+          <a:p>
+            <a:pPr>
+              <a:spcAft>
+                <a:spcPts val="600"/>
+              </a:spcAft>
+            </a:pPr>
+            <a:r>
+              <a:rPr lang="en-US" sz="4100" dirty="0" err="1"/>
+              <a:t>Resumen</a:t>
+            </a:r>
+            <a:r>
+              <a:rPr lang="en-US" sz="4100" dirty="0"/>
+              <a:t> Técnico – </a:t>
+            </a:r>
+            <a:r>
+              <a:rPr lang="en-US" sz="4100" dirty="0" err="1"/>
+              <a:t>Diagrama</a:t>
+            </a:r>
+            <a:r>
+              <a:rPr lang="en-US" sz="4100" dirty="0"/>
+              <a:t> de </a:t>
+            </a:r>
+            <a:r>
+              <a:rPr lang="en-US" sz="4100" dirty="0" err="1"/>
+              <a:t>flujo</a:t>
+            </a:r>
+            <a:endParaRPr lang="en-US" sz="4100" dirty="0"/>
+          </a:p>
+        </p:txBody>
+      </p:sp>
+      <p:pic>
+        <p:nvPicPr>
+          <p:cNvPr id="6" name="Imagen 5">
+            <a:extLst>
+              <a:ext uri="{FF2B5EF4-FFF2-40B4-BE49-F238E27FC236}">
+                <a16:creationId xmlns:a16="http://schemas.microsoft.com/office/drawing/2014/main" id="{B90BCEC4-AA07-05D6-1DE4-B9114C146C0D}"/>
+              </a:ext>
+            </a:extLst>
+          </p:cNvPr>
+          <p:cNvPicPr>
+            <a:picLocks noChangeAspect="1"/>
+          </p:cNvPicPr>
+          <p:nvPr/>
+        </p:nvPicPr>
+        <p:blipFill>
+          <a:blip r:embed="rId2"/>
+          <a:stretch>
+            <a:fillRect/>
+          </a:stretch>
+        </p:blipFill>
+        <p:spPr>
+          <a:xfrm>
+            <a:off x="670999" y="2417276"/>
+            <a:ext cx="11089699" cy="3465529"/>
+          </a:xfrm>
+          <a:prstGeom prst="rect">
+            <a:avLst/>
+          </a:prstGeom>
+        </p:spPr>
+      </p:pic>
     </p:spTree>
     <p:extLst>
       <p:ext uri="{BB962C8B-B14F-4D97-AF65-F5344CB8AC3E}">
-        <p14:creationId xmlns:p14="http://schemas.microsoft.com/office/powerpoint/2010/main" val="273536864"/>
+        <p14:creationId xmlns:p14="http://schemas.microsoft.com/office/powerpoint/2010/main" val="1512077340"/>
       </p:ext>
     </p:extLst>
   </p:cSld>
@@ -19394,6 +22260,45 @@
           </a:p>
         </p:txBody>
       </p:sp>
+      <p:sp>
+        <p:nvSpPr>
+          <p:cNvPr id="7" name="CuadroTexto 6">
+            <a:extLst>
+              <a:ext uri="{FF2B5EF4-FFF2-40B4-BE49-F238E27FC236}">
+                <a16:creationId xmlns:a16="http://schemas.microsoft.com/office/drawing/2014/main" id="{3B12EF9C-A3EA-57A1-F673-57C8FF6D50F2}"/>
+              </a:ext>
+            </a:extLst>
+          </p:cNvPr>
+          <p:cNvSpPr txBox="1"/>
+          <p:nvPr/>
+        </p:nvSpPr>
+        <p:spPr>
+          <a:xfrm>
+            <a:off x="7073878" y="790897"/>
+            <a:ext cx="4794800" cy="1246495"/>
+          </a:xfrm>
+          <a:prstGeom prst="rect">
+            <a:avLst/>
+          </a:prstGeom>
+          <a:noFill/>
+        </p:spPr>
+        <p:txBody>
+          <a:bodyPr wrap="square" rtlCol="0">
+            <a:spAutoFit/>
+          </a:bodyPr>
+          <a:lstStyle/>
+          <a:p>
+            <a:pPr marL="285750" indent="-285750">
+              <a:buFont typeface="Arial" panose="020B0604020202020204" pitchFamily="34" charset="0"/>
+              <a:buChar char="•"/>
+            </a:pPr>
+            <a:r>
+              <a:rPr lang="es-CL" sz="1500" dirty="0"/>
+              <a:t>Existe una gran cantidad de talleres mecánicos y cadenas que hasta el día de hoy no mantienen un control estricto o digitalizado de sus gestiones diarias, lo que ocasiona pérdida de clientes a largo plazo.</a:t>
+            </a:r>
+          </a:p>
+        </p:txBody>
+      </p:sp>
     </p:spTree>
     <p:extLst>
       <p:ext uri="{BB962C8B-B14F-4D97-AF65-F5344CB8AC3E}">
@@ -19450,12 +22355,12 @@
           <a:chExt cx="0" cy="0"/>
         </a:xfrm>
       </p:grpSpPr>
-      <p:sp useBgFill="1">
+      <p:sp>
         <p:nvSpPr>
-          <p:cNvPr id="13" name="Rectangle 12">
+          <p:cNvPr id="23" name="Rectangle 22">
             <a:extLst>
               <a:ext uri="{FF2B5EF4-FFF2-40B4-BE49-F238E27FC236}">
-                <a16:creationId xmlns:a16="http://schemas.microsoft.com/office/drawing/2014/main" id="{BF7E8610-2DF7-4AF0-B876-0F3B7882A6B7}"/>
+                <a16:creationId xmlns:a16="http://schemas.microsoft.com/office/drawing/2014/main" id="{A3D9AEEE-1CCD-43C0-BA3E-16D60A6E23C0}"/>
               </a:ext>
               <a:ext uri="{C183D7F6-B498-43B3-948B-1728B52AA6E4}">
                 <adec:decorative xmlns:adec="http://schemas.microsoft.com/office/drawing/2017/decorative" val="1"/>
@@ -19476,7 +22381,308 @@
         <p:spPr>
           <a:xfrm>
             <a:off x="1" y="0"/>
-            <a:ext cx="12192000" cy="6858000"/>
+            <a:ext cx="4059079" cy="6858000"/>
+          </a:xfrm>
+          <a:prstGeom prst="rect">
+            <a:avLst/>
+          </a:prstGeom>
+          <a:solidFill>
+            <a:schemeClr val="tx2"/>
+          </a:solidFill>
+          <a:ln>
+            <a:noFill/>
+          </a:ln>
+        </p:spPr>
+        <p:style>
+          <a:lnRef idx="2">
+            <a:schemeClr val="accent1">
+              <a:shade val="50000"/>
+            </a:schemeClr>
+          </a:lnRef>
+          <a:fillRef idx="1">
+            <a:schemeClr val="accent1"/>
+          </a:fillRef>
+          <a:effectRef idx="0">
+            <a:schemeClr val="accent1"/>
+          </a:effectRef>
+          <a:fontRef idx="minor">
+            <a:schemeClr val="lt1"/>
+          </a:fontRef>
+        </p:style>
+        <p:txBody>
+          <a:bodyPr rtlCol="0" anchor="ctr"/>
+          <a:lstStyle/>
+          <a:p>
+            <a:pPr algn="ctr"/>
+            <a:endParaRPr lang="en-US"/>
+          </a:p>
+        </p:txBody>
+      </p:sp>
+      <p:sp>
+        <p:nvSpPr>
+          <p:cNvPr id="2" name="Título 1">
+            <a:extLst>
+              <a:ext uri="{FF2B5EF4-FFF2-40B4-BE49-F238E27FC236}">
+                <a16:creationId xmlns:a16="http://schemas.microsoft.com/office/drawing/2014/main" id="{BA1ED6B6-6843-F84B-1332-5904640AA836}"/>
+              </a:ext>
+            </a:extLst>
+          </p:cNvPr>
+          <p:cNvSpPr>
+            <a:spLocks noGrp="1"/>
+          </p:cNvSpPr>
+          <p:nvPr>
+            <p:ph type="title"/>
+          </p:nvPr>
+        </p:nvSpPr>
+        <p:spPr>
+          <a:xfrm>
+            <a:off x="1259893" y="3101093"/>
+            <a:ext cx="2454052" cy="3029344"/>
+          </a:xfrm>
+        </p:spPr>
+        <p:txBody>
+          <a:bodyPr>
+            <a:normAutofit/>
+          </a:bodyPr>
+          <a:lstStyle/>
+          <a:p>
+            <a:r>
+              <a:rPr lang="es-CL" sz="3200">
+                <a:solidFill>
+                  <a:schemeClr val="bg1"/>
+                </a:solidFill>
+              </a:rPr>
+              <a:t>Resumen Proyecto</a:t>
+            </a:r>
+          </a:p>
+        </p:txBody>
+      </p:sp>
+      <p:sp>
+        <p:nvSpPr>
+          <p:cNvPr id="25" name="Freeform 11">
+            <a:extLst>
+              <a:ext uri="{FF2B5EF4-FFF2-40B4-BE49-F238E27FC236}">
+                <a16:creationId xmlns:a16="http://schemas.microsoft.com/office/drawing/2014/main" id="{60F880A6-33D3-4EEC-A780-B73559B9F24C}"/>
+              </a:ext>
+              <a:ext uri="{C183D7F6-B498-43B3-948B-1728B52AA6E4}">
+                <adec:decorative xmlns:adec="http://schemas.microsoft.com/office/drawing/2017/decorative" val="1"/>
+              </a:ext>
+            </a:extLst>
+          </p:cNvPr>
+          <p:cNvSpPr>
+            <a:spLocks noGrp="1" noRot="1" noChangeAspect="1" noMove="1" noResize="1" noEditPoints="1" noAdjustHandles="1" noChangeArrowheads="1" noChangeShapeType="1" noTextEdit="1"/>
+          </p:cNvSpPr>
+          <p:nvPr>
+            <p:extLst>
+              <p:ext uri="{386F3935-93C4-4BCD-93E2-E3B085C9AB24}">
+                <p16:designElem xmlns:p16="http://schemas.microsoft.com/office/powerpoint/2015/main" val="1"/>
+              </p:ext>
+            </p:extLst>
+          </p:nvPr>
+        </p:nvSpPr>
+        <p:spPr bwMode="auto">
+          <a:xfrm flipV="1">
+            <a:off x="-159" y="3179901"/>
+            <a:ext cx="1098194" cy="514066"/>
+          </a:xfrm>
+          <a:custGeom>
+            <a:avLst/>
+            <a:gdLst>
+              <a:gd name="connsiteX0" fmla="*/ 10000 w 10044"/>
+              <a:gd name="connsiteY0" fmla="*/ 4701 h 9966"/>
+              <a:gd name="connsiteX1" fmla="*/ 8559 w 10044"/>
+              <a:gd name="connsiteY1" fmla="*/ 188 h 9966"/>
+              <a:gd name="connsiteX2" fmla="*/ 8527 w 10044"/>
+              <a:gd name="connsiteY2" fmla="*/ 94 h 9966"/>
+              <a:gd name="connsiteX3" fmla="*/ 8438 w 10044"/>
+              <a:gd name="connsiteY3" fmla="*/ 0 h 9966"/>
+              <a:gd name="connsiteX4" fmla="*/ 7867 w 10044"/>
+              <a:gd name="connsiteY4" fmla="*/ 0 h 9966"/>
+              <a:gd name="connsiteX5" fmla="*/ 0 w 10044"/>
+              <a:gd name="connsiteY5" fmla="*/ 70 h 9966"/>
+              <a:gd name="connsiteX6" fmla="*/ 3132 w 10044"/>
+              <a:gd name="connsiteY6" fmla="*/ 9763 h 9966"/>
+              <a:gd name="connsiteX7" fmla="*/ 7867 w 10044"/>
+              <a:gd name="connsiteY7" fmla="*/ 9966 h 9966"/>
+              <a:gd name="connsiteX8" fmla="*/ 8438 w 10044"/>
+              <a:gd name="connsiteY8" fmla="*/ 9966 h 9966"/>
+              <a:gd name="connsiteX9" fmla="*/ 8527 w 10044"/>
+              <a:gd name="connsiteY9" fmla="*/ 9872 h 9966"/>
+              <a:gd name="connsiteX10" fmla="*/ 8559 w 10044"/>
+              <a:gd name="connsiteY10" fmla="*/ 9778 h 9966"/>
+              <a:gd name="connsiteX11" fmla="*/ 10000 w 10044"/>
+              <a:gd name="connsiteY11" fmla="*/ 5265 h 9966"/>
+              <a:gd name="connsiteX12" fmla="*/ 10000 w 10044"/>
+              <a:gd name="connsiteY12" fmla="*/ 4701 h 9966"/>
+              <a:gd name="connsiteX0" fmla="*/ 6839 w 6883"/>
+              <a:gd name="connsiteY0" fmla="*/ 4885 h 10168"/>
+              <a:gd name="connsiteX1" fmla="*/ 5405 w 6883"/>
+              <a:gd name="connsiteY1" fmla="*/ 357 h 10168"/>
+              <a:gd name="connsiteX2" fmla="*/ 5373 w 6883"/>
+              <a:gd name="connsiteY2" fmla="*/ 262 h 10168"/>
+              <a:gd name="connsiteX3" fmla="*/ 5284 w 6883"/>
+              <a:gd name="connsiteY3" fmla="*/ 168 h 10168"/>
+              <a:gd name="connsiteX4" fmla="*/ 4716 w 6883"/>
+              <a:gd name="connsiteY4" fmla="*/ 168 h 10168"/>
+              <a:gd name="connsiteX5" fmla="*/ 50 w 6883"/>
+              <a:gd name="connsiteY5" fmla="*/ 0 h 10168"/>
+              <a:gd name="connsiteX6" fmla="*/ 1 w 6883"/>
+              <a:gd name="connsiteY6" fmla="*/ 9964 h 10168"/>
+              <a:gd name="connsiteX7" fmla="*/ 4716 w 6883"/>
+              <a:gd name="connsiteY7" fmla="*/ 10168 h 10168"/>
+              <a:gd name="connsiteX8" fmla="*/ 5284 w 6883"/>
+              <a:gd name="connsiteY8" fmla="*/ 10168 h 10168"/>
+              <a:gd name="connsiteX9" fmla="*/ 5373 w 6883"/>
+              <a:gd name="connsiteY9" fmla="*/ 10074 h 10168"/>
+              <a:gd name="connsiteX10" fmla="*/ 5405 w 6883"/>
+              <a:gd name="connsiteY10" fmla="*/ 9979 h 10168"/>
+              <a:gd name="connsiteX11" fmla="*/ 6839 w 6883"/>
+              <a:gd name="connsiteY11" fmla="*/ 5451 h 10168"/>
+              <a:gd name="connsiteX12" fmla="*/ 6839 w 6883"/>
+              <a:gd name="connsiteY12" fmla="*/ 4885 h 10168"/>
+            </a:gdLst>
+            <a:ahLst/>
+            <a:cxnLst>
+              <a:cxn ang="0">
+                <a:pos x="connsiteX0" y="connsiteY0"/>
+              </a:cxn>
+              <a:cxn ang="0">
+                <a:pos x="connsiteX1" y="connsiteY1"/>
+              </a:cxn>
+              <a:cxn ang="0">
+                <a:pos x="connsiteX2" y="connsiteY2"/>
+              </a:cxn>
+              <a:cxn ang="0">
+                <a:pos x="connsiteX3" y="connsiteY3"/>
+              </a:cxn>
+              <a:cxn ang="0">
+                <a:pos x="connsiteX4" y="connsiteY4"/>
+              </a:cxn>
+              <a:cxn ang="0">
+                <a:pos x="connsiteX5" y="connsiteY5"/>
+              </a:cxn>
+              <a:cxn ang="0">
+                <a:pos x="connsiteX6" y="connsiteY6"/>
+              </a:cxn>
+              <a:cxn ang="0">
+                <a:pos x="connsiteX7" y="connsiteY7"/>
+              </a:cxn>
+              <a:cxn ang="0">
+                <a:pos x="connsiteX8" y="connsiteY8"/>
+              </a:cxn>
+              <a:cxn ang="0">
+                <a:pos x="connsiteX9" y="connsiteY9"/>
+              </a:cxn>
+              <a:cxn ang="0">
+                <a:pos x="connsiteX10" y="connsiteY10"/>
+              </a:cxn>
+              <a:cxn ang="0">
+                <a:pos x="connsiteX11" y="connsiteY11"/>
+              </a:cxn>
+              <a:cxn ang="0">
+                <a:pos x="connsiteX12" y="connsiteY12"/>
+              </a:cxn>
+            </a:cxnLst>
+            <a:rect l="l" t="t" r="r" b="b"/>
+            <a:pathLst>
+              <a:path w="6883" h="10168">
+                <a:moveTo>
+                  <a:pt x="6839" y="4885"/>
+                </a:moveTo>
+                <a:lnTo>
+                  <a:pt x="5405" y="357"/>
+                </a:lnTo>
+                <a:cubicBezTo>
+                  <a:pt x="5395" y="325"/>
+                  <a:pt x="5383" y="294"/>
+                  <a:pt x="5373" y="262"/>
+                </a:cubicBezTo>
+                <a:cubicBezTo>
+                  <a:pt x="5344" y="168"/>
+                  <a:pt x="5314" y="168"/>
+                  <a:pt x="5284" y="168"/>
+                </a:cubicBezTo>
+                <a:lnTo>
+                  <a:pt x="4716" y="168"/>
+                </a:lnTo>
+                <a:lnTo>
+                  <a:pt x="50" y="0"/>
+                </a:lnTo>
+                <a:cubicBezTo>
+                  <a:pt x="59" y="3322"/>
+                  <a:pt x="-8" y="6643"/>
+                  <a:pt x="1" y="9964"/>
+                </a:cubicBezTo>
+                <a:lnTo>
+                  <a:pt x="4716" y="10168"/>
+                </a:lnTo>
+                <a:lnTo>
+                  <a:pt x="5284" y="10168"/>
+                </a:lnTo>
+                <a:cubicBezTo>
+                  <a:pt x="5314" y="10168"/>
+                  <a:pt x="5344" y="10074"/>
+                  <a:pt x="5373" y="10074"/>
+                </a:cubicBezTo>
+                <a:cubicBezTo>
+                  <a:pt x="5373" y="9979"/>
+                  <a:pt x="5405" y="9979"/>
+                  <a:pt x="5405" y="9979"/>
+                </a:cubicBezTo>
+                <a:lnTo>
+                  <a:pt x="6839" y="5451"/>
+                </a:lnTo>
+                <a:cubicBezTo>
+                  <a:pt x="6898" y="5262"/>
+                  <a:pt x="6898" y="5074"/>
+                  <a:pt x="6839" y="4885"/>
+                </a:cubicBezTo>
+                <a:close/>
+              </a:path>
+            </a:pathLst>
+          </a:custGeom>
+          <a:solidFill>
+            <a:schemeClr val="accent1"/>
+          </a:solidFill>
+          <a:ln>
+            <a:noFill/>
+          </a:ln>
+        </p:spPr>
+        <p:txBody>
+          <a:bodyPr/>
+          <a:lstStyle/>
+          <a:p>
+            <a:endParaRPr lang="es-CL"/>
+          </a:p>
+        </p:txBody>
+      </p:sp>
+      <p:sp useBgFill="1">
+        <p:nvSpPr>
+          <p:cNvPr id="27" name="Rectangle 26">
+            <a:extLst>
+              <a:ext uri="{FF2B5EF4-FFF2-40B4-BE49-F238E27FC236}">
+                <a16:creationId xmlns:a16="http://schemas.microsoft.com/office/drawing/2014/main" id="{2C6246ED-0535-4496-A8F6-1E80CC4EB853}"/>
+              </a:ext>
+              <a:ext uri="{C183D7F6-B498-43B3-948B-1728B52AA6E4}">
+                <adec:decorative xmlns:adec="http://schemas.microsoft.com/office/drawing/2017/decorative" val="1"/>
+              </a:ext>
+            </a:extLst>
+          </p:cNvPr>
+          <p:cNvSpPr>
+            <a:spLocks noGrp="1" noRot="1" noChangeAspect="1" noMove="1" noResize="1" noEditPoints="1" noAdjustHandles="1" noChangeArrowheads="1" noChangeShapeType="1" noTextEdit="1"/>
+          </p:cNvSpPr>
+          <p:nvPr>
+            <p:extLst>
+              <p:ext uri="{386F3935-93C4-4BCD-93E2-E3B085C9AB24}">
+                <p16:designElem xmlns:p16="http://schemas.microsoft.com/office/powerpoint/2015/main" val="1"/>
+              </p:ext>
+            </p:extLst>
+          </p:nvPr>
+        </p:nvSpPr>
+        <p:spPr>
+          <a:xfrm>
+            <a:off x="4795736" y="0"/>
+            <a:ext cx="7396264" cy="6858000"/>
           </a:xfrm>
           <a:prstGeom prst="rect">
             <a:avLst/>
@@ -19510,218 +22716,12 @@
           </a:p>
         </p:txBody>
       </p:sp>
-      <p:sp>
-        <p:nvSpPr>
-          <p:cNvPr id="15" name="Rectangle 14">
+      <p:graphicFrame>
+        <p:nvGraphicFramePr>
+          <p:cNvPr id="19" name="Marcador de contenido 5">
             <a:extLst>
               <a:ext uri="{FF2B5EF4-FFF2-40B4-BE49-F238E27FC236}">
-                <a16:creationId xmlns:a16="http://schemas.microsoft.com/office/drawing/2014/main" id="{C1C8C023-62A6-4DA0-8DF4-3F4EA94090DE}"/>
-              </a:ext>
-              <a:ext uri="{C183D7F6-B498-43B3-948B-1728B52AA6E4}">
-                <adec:decorative xmlns:adec="http://schemas.microsoft.com/office/drawing/2017/decorative" val="1"/>
-              </a:ext>
-            </a:extLst>
-          </p:cNvPr>
-          <p:cNvSpPr>
-            <a:spLocks noGrp="1" noRot="1" noChangeAspect="1" noMove="1" noResize="1" noEditPoints="1" noAdjustHandles="1" noChangeArrowheads="1" noChangeShapeType="1" noTextEdit="1"/>
-          </p:cNvSpPr>
-          <p:nvPr>
-            <p:extLst>
-              <p:ext uri="{386F3935-93C4-4BCD-93E2-E3B085C9AB24}">
-                <p16:designElem xmlns:p16="http://schemas.microsoft.com/office/powerpoint/2015/main" val="1"/>
-              </p:ext>
-            </p:extLst>
-          </p:nvPr>
-        </p:nvSpPr>
-        <p:spPr>
-          <a:xfrm>
-            <a:off x="0" y="0"/>
-            <a:ext cx="12192000" cy="2306695"/>
-          </a:xfrm>
-          <a:prstGeom prst="rect">
-            <a:avLst/>
-          </a:prstGeom>
-          <a:solidFill>
-            <a:schemeClr val="tx2"/>
-          </a:solidFill>
-          <a:ln>
-            <a:noFill/>
-          </a:ln>
-          <a:effectLst/>
-        </p:spPr>
-        <p:style>
-          <a:lnRef idx="1">
-            <a:schemeClr val="accent1"/>
-          </a:lnRef>
-          <a:fillRef idx="3">
-            <a:schemeClr val="accent1"/>
-          </a:fillRef>
-          <a:effectRef idx="2">
-            <a:schemeClr val="accent1"/>
-          </a:effectRef>
-          <a:fontRef idx="minor">
-            <a:schemeClr val="lt1"/>
-          </a:fontRef>
-        </p:style>
-        <p:txBody>
-          <a:bodyPr/>
-          <a:lstStyle/>
-          <a:p>
-            <a:endParaRPr lang="es-CL"/>
-          </a:p>
-        </p:txBody>
-      </p:sp>
-      <p:sp>
-        <p:nvSpPr>
-          <p:cNvPr id="2" name="Título 1">
-            <a:extLst>
-              <a:ext uri="{FF2B5EF4-FFF2-40B4-BE49-F238E27FC236}">
-                <a16:creationId xmlns:a16="http://schemas.microsoft.com/office/drawing/2014/main" id="{BA1ED6B6-6843-F84B-1332-5904640AA836}"/>
-              </a:ext>
-            </a:extLst>
-          </p:cNvPr>
-          <p:cNvSpPr>
-            <a:spLocks noGrp="1"/>
-          </p:cNvSpPr>
-          <p:nvPr>
-            <p:ph type="title"/>
-          </p:nvPr>
-        </p:nvSpPr>
-        <p:spPr>
-          <a:xfrm>
-            <a:off x="1843391" y="624110"/>
-            <a:ext cx="9383408" cy="1280890"/>
-          </a:xfrm>
-        </p:spPr>
-        <p:txBody>
-          <a:bodyPr>
-            <a:normAutofit/>
-          </a:bodyPr>
-          <a:lstStyle/>
-          <a:p>
-            <a:r>
-              <a:rPr lang="es-CL" dirty="0">
-                <a:solidFill>
-                  <a:schemeClr val="bg1"/>
-                </a:solidFill>
-              </a:rPr>
-              <a:t>Resumen Proyecto</a:t>
-            </a:r>
-          </a:p>
-        </p:txBody>
-      </p:sp>
-      <p:sp>
-        <p:nvSpPr>
-          <p:cNvPr id="17" name="Freeform 11">
-            <a:extLst>
-              <a:ext uri="{FF2B5EF4-FFF2-40B4-BE49-F238E27FC236}">
-                <a16:creationId xmlns:a16="http://schemas.microsoft.com/office/drawing/2014/main" id="{26B9FE07-322E-43FB-8707-C9826BD903EB}"/>
-              </a:ext>
-              <a:ext uri="{C183D7F6-B498-43B3-948B-1728B52AA6E4}">
-                <adec:decorative xmlns:adec="http://schemas.microsoft.com/office/drawing/2017/decorative" val="1"/>
-              </a:ext>
-            </a:extLst>
-          </p:cNvPr>
-          <p:cNvSpPr>
-            <a:spLocks noGrp="1" noRot="1" noChangeAspect="1" noMove="1" noResize="1" noEditPoints="1" noAdjustHandles="1" noChangeArrowheads="1" noChangeShapeType="1" noTextEdit="1"/>
-          </p:cNvSpPr>
-          <p:nvPr>
-            <p:extLst>
-              <p:ext uri="{386F3935-93C4-4BCD-93E2-E3B085C9AB24}">
-                <p16:designElem xmlns:p16="http://schemas.microsoft.com/office/powerpoint/2015/main" val="1"/>
-              </p:ext>
-            </p:extLst>
-          </p:nvPr>
-        </p:nvSpPr>
-        <p:spPr bwMode="auto">
-          <a:xfrm flipV="1">
-            <a:off x="-4189" y="714375"/>
-            <a:ext cx="1588527" cy="507297"/>
-          </a:xfrm>
-          <a:custGeom>
-            <a:avLst/>
-            <a:gdLst/>
-            <a:ahLst/>
-            <a:cxnLst/>
-            <a:rect l="l" t="t" r="r" b="b"/>
-            <a:pathLst>
-              <a:path w="9248" h="10000">
-                <a:moveTo>
-                  <a:pt x="9248" y="4701"/>
-                </a:moveTo>
-                <a:lnTo>
-                  <a:pt x="7915" y="188"/>
-                </a:lnTo>
-                <a:cubicBezTo>
-                  <a:pt x="7906" y="156"/>
-                  <a:pt x="7895" y="126"/>
-                  <a:pt x="7886" y="94"/>
-                </a:cubicBezTo>
-                <a:cubicBezTo>
-                  <a:pt x="7859" y="0"/>
-                  <a:pt x="7831" y="0"/>
-                  <a:pt x="7803" y="0"/>
-                </a:cubicBezTo>
-                <a:lnTo>
-                  <a:pt x="7275" y="0"/>
-                </a:lnTo>
-                <a:lnTo>
-                  <a:pt x="0" y="70"/>
-                </a:lnTo>
-                <a:cubicBezTo>
-                  <a:pt x="8" y="3380"/>
-                  <a:pt x="17" y="6690"/>
-                  <a:pt x="25" y="10000"/>
-                </a:cubicBezTo>
-                <a:lnTo>
-                  <a:pt x="7275" y="9966"/>
-                </a:lnTo>
-                <a:lnTo>
-                  <a:pt x="7803" y="9966"/>
-                </a:lnTo>
-                <a:cubicBezTo>
-                  <a:pt x="7831" y="9966"/>
-                  <a:pt x="7859" y="9872"/>
-                  <a:pt x="7886" y="9872"/>
-                </a:cubicBezTo>
-                <a:cubicBezTo>
-                  <a:pt x="7886" y="9778"/>
-                  <a:pt x="7915" y="9778"/>
-                  <a:pt x="7915" y="9778"/>
-                </a:cubicBezTo>
-                <a:lnTo>
-                  <a:pt x="9248" y="5265"/>
-                </a:lnTo>
-                <a:cubicBezTo>
-                  <a:pt x="9303" y="5077"/>
-                  <a:pt x="9303" y="4889"/>
-                  <a:pt x="9248" y="4701"/>
-                </a:cubicBezTo>
-                <a:close/>
-              </a:path>
-            </a:pathLst>
-          </a:custGeom>
-          <a:solidFill>
-            <a:schemeClr val="accent1"/>
-          </a:solidFill>
-          <a:ln>
-            <a:noFill/>
-          </a:ln>
-        </p:spPr>
-        <p:txBody>
-          <a:bodyPr/>
-          <a:lstStyle/>
-          <a:p>
-            <a:endParaRPr lang="es-CL"/>
-          </a:p>
-        </p:txBody>
-      </p:sp>
-      <p:graphicFrame>
-        <p:nvGraphicFramePr>
-          <p:cNvPr id="9" name="Marcador de contenido 6">
-            <a:extLst>
-              <a:ext uri="{FF2B5EF4-FFF2-40B4-BE49-F238E27FC236}">
-                <a16:creationId xmlns:a16="http://schemas.microsoft.com/office/drawing/2014/main" id="{D248B7B4-8695-AD9B-48FC-82CAAF8FD275}"/>
+                <a16:creationId xmlns:a16="http://schemas.microsoft.com/office/drawing/2014/main" id="{CCD89059-3F48-49F2-7988-49208169454B}"/>
               </a:ext>
             </a:extLst>
           </p:cNvPr>
@@ -19732,14 +22732,14 @@
             <p:ph idx="1"/>
             <p:extLst>
               <p:ext uri="{D42A27DB-BD31-4B8C-83A1-F6EECF244321}">
-                <p14:modId xmlns:p14="http://schemas.microsoft.com/office/powerpoint/2010/main" val="4235901389"/>
+                <p14:modId xmlns:p14="http://schemas.microsoft.com/office/powerpoint/2010/main" val="1120795931"/>
               </p:ext>
             </p:extLst>
           </p:nvPr>
         </p:nvGraphicFramePr>
         <p:xfrm>
-          <a:off x="961012" y="2930805"/>
-          <a:ext cx="10265786" cy="2961996"/>
+          <a:off x="4713144" y="641551"/>
+          <a:ext cx="1658159" cy="5264779"/>
         </p:xfrm>
         <a:graphic>
           <a:graphicData uri="http://schemas.openxmlformats.org/drawingml/2006/diagram">
@@ -19747,6 +22747,217 @@
           </a:graphicData>
         </a:graphic>
       </p:graphicFrame>
+      <p:sp>
+        <p:nvSpPr>
+          <p:cNvPr id="7" name="CuadroTexto 6">
+            <a:extLst>
+              <a:ext uri="{FF2B5EF4-FFF2-40B4-BE49-F238E27FC236}">
+                <a16:creationId xmlns:a16="http://schemas.microsoft.com/office/drawing/2014/main" id="{12939377-64A1-6D61-1F97-FF8AB848A934}"/>
+              </a:ext>
+            </a:extLst>
+          </p:cNvPr>
+          <p:cNvSpPr txBox="1"/>
+          <p:nvPr/>
+        </p:nvSpPr>
+        <p:spPr>
+          <a:xfrm>
+            <a:off x="6563032" y="641551"/>
+            <a:ext cx="5437238" cy="1754326"/>
+          </a:xfrm>
+          <a:prstGeom prst="rect">
+            <a:avLst/>
+          </a:prstGeom>
+          <a:noFill/>
+        </p:spPr>
+        <p:txBody>
+          <a:bodyPr wrap="square" rtlCol="0">
+            <a:spAutoFit/>
+          </a:bodyPr>
+          <a:lstStyle/>
+          <a:p>
+            <a:r>
+              <a:rPr lang="es-CL" b="1" dirty="0"/>
+              <a:t>Factibilidad</a:t>
+            </a:r>
+          </a:p>
+          <a:p>
+            <a:pPr marL="285750" indent="-285750">
+              <a:buFont typeface="Arial" panose="020B0604020202020204" pitchFamily="34" charset="0"/>
+              <a:buChar char="•"/>
+            </a:pPr>
+            <a:r>
+              <a:rPr lang="es-CL" dirty="0"/>
+              <a:t>Duración del semestre acorde con proyecto</a:t>
+            </a:r>
+          </a:p>
+          <a:p>
+            <a:pPr marL="285750" indent="-285750">
+              <a:buFont typeface="Arial" panose="020B0604020202020204" pitchFamily="34" charset="0"/>
+              <a:buChar char="•"/>
+            </a:pPr>
+            <a:r>
+              <a:rPr lang="es-CL" dirty="0"/>
+              <a:t>Recursos como Azure, Oracle disponibles</a:t>
+            </a:r>
+          </a:p>
+          <a:p>
+            <a:pPr marL="285750" indent="-285750">
+              <a:buFont typeface="Arial" panose="020B0604020202020204" pitchFamily="34" charset="0"/>
+              <a:buChar char="•"/>
+            </a:pPr>
+            <a:r>
+              <a:rPr lang="es-CL" dirty="0"/>
+              <a:t>Tiempo diario de 2 horas</a:t>
+            </a:r>
+          </a:p>
+          <a:p>
+            <a:pPr marL="285750" indent="-285750">
+              <a:buFont typeface="Arial" panose="020B0604020202020204" pitchFamily="34" charset="0"/>
+              <a:buChar char="•"/>
+            </a:pPr>
+            <a:r>
+              <a:rPr lang="es-CL" dirty="0"/>
+              <a:t>Claridad del problema, motivación y herramientas conocidas</a:t>
+            </a:r>
+          </a:p>
+        </p:txBody>
+      </p:sp>
+      <p:sp>
+        <p:nvSpPr>
+          <p:cNvPr id="8" name="CuadroTexto 7">
+            <a:extLst>
+              <a:ext uri="{FF2B5EF4-FFF2-40B4-BE49-F238E27FC236}">
+                <a16:creationId xmlns:a16="http://schemas.microsoft.com/office/drawing/2014/main" id="{091AF6CB-69B2-BDFB-F3F0-2163895F0536}"/>
+              </a:ext>
+            </a:extLst>
+          </p:cNvPr>
+          <p:cNvSpPr txBox="1"/>
+          <p:nvPr/>
+        </p:nvSpPr>
+        <p:spPr>
+          <a:xfrm>
+            <a:off x="6563032" y="2395877"/>
+            <a:ext cx="5437238" cy="2031325"/>
+          </a:xfrm>
+          <a:prstGeom prst="rect">
+            <a:avLst/>
+          </a:prstGeom>
+          <a:noFill/>
+        </p:spPr>
+        <p:txBody>
+          <a:bodyPr wrap="square" rtlCol="0">
+            <a:spAutoFit/>
+          </a:bodyPr>
+          <a:lstStyle/>
+          <a:p>
+            <a:r>
+              <a:rPr lang="es-CL" b="1" dirty="0"/>
+              <a:t>Alcance</a:t>
+            </a:r>
+          </a:p>
+          <a:p>
+            <a:pPr marL="285750" indent="-285750">
+              <a:buFont typeface="Arial" panose="020B0604020202020204" pitchFamily="34" charset="0"/>
+              <a:buChar char="•"/>
+            </a:pPr>
+            <a:r>
+              <a:rPr lang="es-CL" dirty="0"/>
+              <a:t>Registro clientes</a:t>
+            </a:r>
+          </a:p>
+          <a:p>
+            <a:pPr marL="285750" indent="-285750">
+              <a:buFont typeface="Arial" panose="020B0604020202020204" pitchFamily="34" charset="0"/>
+              <a:buChar char="•"/>
+            </a:pPr>
+            <a:r>
+              <a:rPr lang="es-CL" dirty="0"/>
+              <a:t>Agenda de citas</a:t>
+            </a:r>
+          </a:p>
+          <a:p>
+            <a:pPr marL="285750" indent="-285750">
+              <a:buFont typeface="Arial" panose="020B0604020202020204" pitchFamily="34" charset="0"/>
+              <a:buChar char="•"/>
+            </a:pPr>
+            <a:r>
+              <a:rPr lang="es-CL" dirty="0"/>
+              <a:t>CRUD de atenciones con estado</a:t>
+            </a:r>
+          </a:p>
+          <a:p>
+            <a:pPr marL="285750" indent="-285750">
+              <a:buFont typeface="Arial" panose="020B0604020202020204" pitchFamily="34" charset="0"/>
+              <a:buChar char="•"/>
+            </a:pPr>
+            <a:r>
+              <a:rPr lang="es-CL" dirty="0"/>
+              <a:t>Subida de bitácoras</a:t>
+            </a:r>
+          </a:p>
+          <a:p>
+            <a:pPr marL="285750" indent="-285750">
+              <a:buFont typeface="Arial" panose="020B0604020202020204" pitchFamily="34" charset="0"/>
+              <a:buChar char="•"/>
+            </a:pPr>
+            <a:r>
+              <a:rPr lang="es-CL" dirty="0"/>
+              <a:t>Reportes básicos de atenciones</a:t>
+            </a:r>
+          </a:p>
+          <a:p>
+            <a:endParaRPr lang="es-CL" b="1" dirty="0"/>
+          </a:p>
+        </p:txBody>
+      </p:sp>
+      <p:sp>
+        <p:nvSpPr>
+          <p:cNvPr id="10" name="CuadroTexto 9">
+            <a:extLst>
+              <a:ext uri="{FF2B5EF4-FFF2-40B4-BE49-F238E27FC236}">
+                <a16:creationId xmlns:a16="http://schemas.microsoft.com/office/drawing/2014/main" id="{34CA159D-63AB-B9A8-08BB-EEF4416A7097}"/>
+              </a:ext>
+            </a:extLst>
+          </p:cNvPr>
+          <p:cNvSpPr txBox="1"/>
+          <p:nvPr/>
+        </p:nvSpPr>
+        <p:spPr>
+          <a:xfrm>
+            <a:off x="6453895" y="4376111"/>
+            <a:ext cx="5437238" cy="1200329"/>
+          </a:xfrm>
+          <a:prstGeom prst="rect">
+            <a:avLst/>
+          </a:prstGeom>
+          <a:noFill/>
+        </p:spPr>
+        <p:txBody>
+          <a:bodyPr wrap="square" rtlCol="0">
+            <a:spAutoFit/>
+          </a:bodyPr>
+          <a:lstStyle/>
+          <a:p>
+            <a:r>
+              <a:rPr lang="es-CL" b="1" dirty="0"/>
+              <a:t>Objetivos</a:t>
+            </a:r>
+          </a:p>
+          <a:p>
+            <a:pPr marL="285750" indent="-285750">
+              <a:buFont typeface="Arial" panose="020B0604020202020204" pitchFamily="34" charset="0"/>
+              <a:buChar char="•"/>
+            </a:pPr>
+            <a:r>
+              <a:rPr lang="es-CL" dirty="0"/>
+              <a:t>Desarrollo de una plataforma digital para automatización de talleres mecánicos</a:t>
+            </a:r>
+          </a:p>
+          <a:p>
+            <a:endParaRPr lang="es-CL" dirty="0"/>
+          </a:p>
+        </p:txBody>
+      </p:sp>
     </p:spTree>
     <p:extLst>
       <p:ext uri="{BB962C8B-B14F-4D97-AF65-F5344CB8AC3E}">
@@ -19821,12 +23032,79 @@
             <p:ph idx="1"/>
           </p:nvPr>
         </p:nvSpPr>
-        <p:spPr/>
+        <p:spPr>
+          <a:xfrm>
+            <a:off x="1871458" y="2113935"/>
+            <a:ext cx="8915400" cy="3777622"/>
+          </a:xfrm>
+        </p:spPr>
         <p:txBody>
-          <a:bodyPr/>
+          <a:bodyPr>
+            <a:normAutofit lnSpcReduction="10000"/>
+          </a:bodyPr>
           <a:lstStyle/>
           <a:p>
+            <a:r>
+              <a:rPr lang="es-CL" dirty="0"/>
+              <a:t>En base a la experiencia y entrevista con el cliente, la decisión optima fue una metodología ágil, ya que pueden haber cambios por parte del cliente en algunas situaciones.</a:t>
+            </a:r>
+          </a:p>
+          <a:p>
+            <a:r>
+              <a:rPr lang="es-CL" dirty="0"/>
+              <a:t>Backlog con HDU definidas</a:t>
+            </a:r>
+          </a:p>
+          <a:p>
+            <a:r>
+              <a:rPr lang="es-CL" dirty="0"/>
+              <a:t>Desarrollo incremental en </a:t>
+            </a:r>
+            <a:r>
+              <a:rPr lang="es-CL" dirty="0" err="1"/>
+              <a:t>Sprints</a:t>
+            </a:r>
             <a:endParaRPr lang="es-CL" dirty="0"/>
+          </a:p>
+          <a:p>
+            <a:r>
+              <a:rPr lang="es-CL" dirty="0"/>
+              <a:t>Revisión de avances continuos al cliente.</a:t>
+            </a:r>
+          </a:p>
+          <a:p>
+            <a:r>
+              <a:rPr lang="es-CL" dirty="0"/>
+              <a:t>Etapas: </a:t>
+            </a:r>
+          </a:p>
+          <a:p>
+            <a:pPr lvl="1"/>
+            <a:r>
+              <a:rPr lang="es-CL" dirty="0"/>
+              <a:t>Análisis y diseño</a:t>
+            </a:r>
+          </a:p>
+          <a:p>
+            <a:pPr lvl="1"/>
+            <a:r>
+              <a:rPr lang="es-CL" dirty="0"/>
+              <a:t>Desarrollos incrementales</a:t>
+            </a:r>
+          </a:p>
+          <a:p>
+            <a:pPr lvl="1"/>
+            <a:r>
+              <a:rPr lang="es-CL" dirty="0"/>
+              <a:t>Pruebas funcionales</a:t>
+            </a:r>
+          </a:p>
+          <a:p>
+            <a:pPr lvl="1"/>
+            <a:r>
+              <a:rPr lang="es-CL" dirty="0"/>
+              <a:t>Documentación e informe final</a:t>
+            </a:r>
           </a:p>
         </p:txBody>
       </p:sp>
@@ -19846,6 +23124,32 @@
 <file path=ppt/slides/slide6.xml><?xml version="1.0" encoding="utf-8"?>
 <p:sld xmlns:a="http://schemas.openxmlformats.org/drawingml/2006/main" xmlns:r="http://schemas.openxmlformats.org/officeDocument/2006/relationships" xmlns:p="http://schemas.openxmlformats.org/presentationml/2006/main">
   <p:cSld>
+    <p:bg>
+      <p:bgPr>
+        <a:gradFill rotWithShape="1">
+          <a:gsLst>
+            <a:gs pos="0">
+              <a:schemeClr val="bg2">
+                <a:tint val="90000"/>
+                <a:satMod val="92000"/>
+                <a:lumMod val="120000"/>
+              </a:schemeClr>
+            </a:gs>
+            <a:gs pos="100000">
+              <a:schemeClr val="bg2">
+                <a:shade val="98000"/>
+                <a:satMod val="120000"/>
+                <a:lumMod val="98000"/>
+              </a:schemeClr>
+            </a:gs>
+          </a:gsLst>
+          <a:path path="circle">
+            <a:fillToRect l="50000" t="50000" r="100000" b="100000"/>
+          </a:path>
+        </a:gradFill>
+        <a:effectLst/>
+      </p:bgPr>
+    </p:bg>
     <p:spTree>
       <p:nvGrpSpPr>
         <p:cNvPr id="1" name=""/>
@@ -19876,15 +23180,27 @@
             <p:ph type="title"/>
           </p:nvPr>
         </p:nvSpPr>
-        <p:spPr/>
+        <p:spPr>
+          <a:xfrm>
+            <a:off x="1687669" y="624110"/>
+            <a:ext cx="4137059" cy="1280890"/>
+          </a:xfrm>
+        </p:spPr>
         <p:txBody>
-          <a:bodyPr/>
+          <a:bodyPr>
+            <a:normAutofit/>
+          </a:bodyPr>
           <a:lstStyle/>
           <a:p>
             <a:r>
-              <a:rPr lang="es-CL" dirty="0"/>
-              <a:t>Plan de Trabajo</a:t>
+              <a:rPr lang="es-CL" sz="3200" dirty="0"/>
+              <a:t>Plan de Trabajo y </a:t>
             </a:r>
+            <a:r>
+              <a:rPr lang="es-CL" sz="3200" dirty="0" err="1"/>
+              <a:t>evidenciación</a:t>
+            </a:r>
+            <a:endParaRPr lang="es-CL" sz="3200" dirty="0"/>
           </a:p>
         </p:txBody>
       </p:sp>
@@ -19904,18 +23220,162 @@
             <p:ph idx="1"/>
           </p:nvPr>
         </p:nvSpPr>
-        <p:spPr/>
+        <p:spPr>
+          <a:xfrm>
+            <a:off x="1683956" y="2133600"/>
+            <a:ext cx="4140772" cy="3777622"/>
+          </a:xfrm>
+        </p:spPr>
         <p:txBody>
-          <a:bodyPr/>
+          <a:bodyPr>
+            <a:normAutofit/>
+          </a:bodyPr>
           <a:lstStyle/>
+          <a:p>
+            <a:r>
+              <a:rPr lang="es-ES">
+                <a:solidFill>
+                  <a:srgbClr val="000000"/>
+                </a:solidFill>
+              </a:rPr>
+              <a:t>Actividades principales:</a:t>
+            </a:r>
+          </a:p>
+          <a:p>
+            <a:pPr lvl="1"/>
+            <a:r>
+              <a:rPr lang="es-ES">
+                <a:solidFill>
+                  <a:srgbClr val="000000"/>
+                </a:solidFill>
+              </a:rPr>
+              <a:t>Diagramas (clases, arquitectura, flujos).</a:t>
+            </a:r>
+          </a:p>
+          <a:p>
+            <a:pPr lvl="1"/>
+            <a:r>
+              <a:rPr lang="es-ES">
+                <a:solidFill>
+                  <a:srgbClr val="000000"/>
+                </a:solidFill>
+              </a:rPr>
+              <a:t>Configuración base en Azure.</a:t>
+            </a:r>
+          </a:p>
+          <a:p>
+            <a:pPr lvl="1"/>
+            <a:r>
+              <a:rPr lang="es-ES">
+                <a:solidFill>
+                  <a:srgbClr val="000000"/>
+                </a:solidFill>
+              </a:rPr>
+              <a:t>CRUD Clientes/Vehículos.</a:t>
+            </a:r>
+          </a:p>
+          <a:p>
+            <a:pPr lvl="1"/>
+            <a:r>
+              <a:rPr lang="es-ES">
+                <a:solidFill>
+                  <a:srgbClr val="000000"/>
+                </a:solidFill>
+              </a:rPr>
+              <a:t>Agenda y atenciones.</a:t>
+            </a:r>
+          </a:p>
+          <a:p>
+            <a:pPr lvl="1"/>
+            <a:r>
+              <a:rPr lang="es-ES">
+                <a:solidFill>
+                  <a:srgbClr val="000000"/>
+                </a:solidFill>
+              </a:rPr>
+              <a:t>Bitácoras.</a:t>
+            </a:r>
+          </a:p>
+          <a:p>
+            <a:pPr lvl="1"/>
+            <a:r>
+              <a:rPr lang="es-ES">
+                <a:solidFill>
+                  <a:srgbClr val="000000"/>
+                </a:solidFill>
+              </a:rPr>
+              <a:t>Reportes.</a:t>
+            </a:r>
+          </a:p>
+          <a:p>
+            <a:pPr lvl="1"/>
+            <a:r>
+              <a:rPr lang="es-ES">
+                <a:solidFill>
+                  <a:srgbClr val="000000"/>
+                </a:solidFill>
+              </a:rPr>
+              <a:t>Pruebas y documentación.</a:t>
+            </a:r>
+          </a:p>
           <a:p>
             <a:pPr marL="0" indent="0">
               <a:buNone/>
             </a:pPr>
-            <a:endParaRPr lang="es-CL" dirty="0"/>
+            <a:endParaRPr lang="es-CL">
+              <a:solidFill>
+                <a:srgbClr val="000000"/>
+              </a:solidFill>
+            </a:endParaRPr>
           </a:p>
         </p:txBody>
       </p:sp>
+      <p:pic>
+        <p:nvPicPr>
+          <p:cNvPr id="1026" name="Picture 2" descr="Lista de trabajo - Iconos gratis de industria">
+            <a:extLst>
+              <a:ext uri="{FF2B5EF4-FFF2-40B4-BE49-F238E27FC236}">
+                <a16:creationId xmlns:a16="http://schemas.microsoft.com/office/drawing/2014/main" id="{03A0926B-8448-617C-08BB-6FD71A11CFA6}"/>
+              </a:ext>
+            </a:extLst>
+          </p:cNvPr>
+          <p:cNvPicPr>
+            <a:picLocks noChangeAspect="1" noChangeArrowheads="1"/>
+          </p:cNvPicPr>
+          <p:nvPr/>
+        </p:nvPicPr>
+        <p:blipFill>
+          <a:blip r:embed="rId2">
+            <a:extLst>
+              <a:ext uri="{28A0092B-C50C-407E-A947-70E740481C1C}">
+                <a14:useLocalDpi xmlns:a14="http://schemas.microsoft.com/office/drawing/2010/main" val="0"/>
+              </a:ext>
+            </a:extLst>
+          </a:blip>
+          <a:stretch>
+            <a:fillRect/>
+          </a:stretch>
+        </p:blipFill>
+        <p:spPr bwMode="auto">
+          <a:xfrm>
+            <a:off x="6193856" y="645106"/>
+            <a:ext cx="5247747" cy="5247747"/>
+          </a:xfrm>
+          <a:prstGeom prst="rect">
+            <a:avLst/>
+          </a:prstGeom>
+          <a:noFill/>
+          <a:extLst>
+            <a:ext uri="{909E8E84-426E-40DD-AFC4-6F175D3DCCD1}">
+              <a14:hiddenFill xmlns:a14="http://schemas.microsoft.com/office/drawing/2010/main">
+                <a:solidFill>
+                  <a:srgbClr val="FFFFFF"/>
+                </a:solidFill>
+              </a14:hiddenFill>
+            </a:ext>
+          </a:extLst>
+        </p:spPr>
+      </p:pic>
     </p:spTree>
     <p:extLst>
       <p:ext uri="{BB962C8B-B14F-4D97-AF65-F5344CB8AC3E}">
@@ -19932,6 +23392,32 @@
 <file path=ppt/slides/slide7.xml><?xml version="1.0" encoding="utf-8"?>
 <p:sld xmlns:a="http://schemas.openxmlformats.org/drawingml/2006/main" xmlns:r="http://schemas.openxmlformats.org/officeDocument/2006/relationships" xmlns:p="http://schemas.openxmlformats.org/presentationml/2006/main">
   <p:cSld>
+    <p:bg>
+      <p:bgPr>
+        <a:gradFill rotWithShape="1">
+          <a:gsLst>
+            <a:gs pos="0">
+              <a:schemeClr val="bg2">
+                <a:tint val="90000"/>
+                <a:satMod val="92000"/>
+                <a:lumMod val="120000"/>
+              </a:schemeClr>
+            </a:gs>
+            <a:gs pos="100000">
+              <a:schemeClr val="bg2">
+                <a:shade val="98000"/>
+                <a:satMod val="120000"/>
+                <a:lumMod val="98000"/>
+              </a:schemeClr>
+            </a:gs>
+          </a:gsLst>
+          <a:path path="circle">
+            <a:fillToRect l="50000" t="50000" r="100000" b="100000"/>
+          </a:path>
+        </a:gradFill>
+        <a:effectLst/>
+      </p:bgPr>
+    </p:bg>
     <p:spTree>
       <p:nvGrpSpPr>
         <p:cNvPr id="1" name=""/>
@@ -19951,7 +23437,7 @@
           <p:cNvPr id="2" name="Título 1">
             <a:extLst>
               <a:ext uri="{FF2B5EF4-FFF2-40B4-BE49-F238E27FC236}">
-                <a16:creationId xmlns:a16="http://schemas.microsoft.com/office/drawing/2014/main" id="{5F18D51F-97F9-0647-91CD-F205E02DCFFA}"/>
+                <a16:creationId xmlns:a16="http://schemas.microsoft.com/office/drawing/2014/main" id="{23E5EA66-C924-CE4C-D905-BCE3CAB51E83}"/>
               </a:ext>
             </a:extLst>
           </p:cNvPr>
@@ -19962,12 +23448,22 @@
             <p:ph type="title"/>
           </p:nvPr>
         </p:nvSpPr>
-        <p:spPr/>
+        <p:spPr>
+          <a:xfrm>
+            <a:off x="1687669" y="624110"/>
+            <a:ext cx="4137059" cy="1280890"/>
+          </a:xfrm>
+        </p:spPr>
         <p:txBody>
-          <a:bodyPr/>
+          <a:bodyPr>
+            <a:normAutofit/>
+          </a:bodyPr>
           <a:lstStyle/>
           <a:p>
-            <a:endParaRPr lang="es-CL" dirty="0"/>
+            <a:r>
+              <a:rPr lang="es-CL" sz="3200"/>
+              <a:t>Carta Gantt</a:t>
+            </a:r>
           </a:p>
         </p:txBody>
       </p:sp>
@@ -19976,7 +23472,7 @@
           <p:cNvPr id="3" name="Marcador de contenido 2">
             <a:extLst>
               <a:ext uri="{FF2B5EF4-FFF2-40B4-BE49-F238E27FC236}">
-                <a16:creationId xmlns:a16="http://schemas.microsoft.com/office/drawing/2014/main" id="{C6D40B1D-D6C6-0BF2-A7E3-D0E59C1DC910}"/>
+                <a16:creationId xmlns:a16="http://schemas.microsoft.com/office/drawing/2014/main" id="{C09E0E54-EC5C-EB30-0823-AE68C484AFBB}"/>
               </a:ext>
             </a:extLst>
           </p:cNvPr>
@@ -19987,28 +23483,88 @@
             <p:ph idx="1"/>
           </p:nvPr>
         </p:nvSpPr>
-        <p:spPr/>
+        <p:spPr>
+          <a:xfrm>
+            <a:off x="1683956" y="2133600"/>
+            <a:ext cx="4140772" cy="3777622"/>
+          </a:xfrm>
+        </p:spPr>
         <p:txBody>
-          <a:bodyPr/>
+          <a:bodyPr>
+            <a:normAutofit/>
+          </a:bodyPr>
           <a:lstStyle/>
           <a:p>
             <a:r>
-              <a:rPr lang="es-CL" dirty="0"/>
-              <a:t>Recursos</a:t>
+              <a:rPr lang="es-CL" dirty="0">
+                <a:solidFill>
+                  <a:srgbClr val="000000"/>
+                </a:solidFill>
+                <a:hlinkClick r:id="rId2" action="ppaction://hlinkfile"/>
+              </a:rPr>
+              <a:t>carta_gant.xlsm</a:t>
             </a:r>
+            <a:endParaRPr lang="es-CL" dirty="0">
+              <a:solidFill>
+                <a:srgbClr val="000000"/>
+              </a:solidFill>
+            </a:endParaRPr>
           </a:p>
           <a:p>
-            <a:r>
-              <a:rPr lang="es-CL" dirty="0"/>
-              <a:t>Duración estimada</a:t>
-            </a:r>
+            <a:pPr marL="0" indent="0">
+              <a:buNone/>
+            </a:pPr>
+            <a:endParaRPr lang="es-CL" dirty="0">
+              <a:solidFill>
+                <a:srgbClr val="000000"/>
+              </a:solidFill>
+            </a:endParaRPr>
           </a:p>
         </p:txBody>
       </p:sp>
+      <p:pic>
+        <p:nvPicPr>
+          <p:cNvPr id="7" name="Graphic 6" descr="Documento">
+            <a:extLst>
+              <a:ext uri="{FF2B5EF4-FFF2-40B4-BE49-F238E27FC236}">
+                <a16:creationId xmlns:a16="http://schemas.microsoft.com/office/drawing/2014/main" id="{3EEF9FF1-11C3-02D2-ADA9-EF56D7612EC5}"/>
+              </a:ext>
+            </a:extLst>
+          </p:cNvPr>
+          <p:cNvPicPr>
+            <a:picLocks noChangeAspect="1"/>
+          </p:cNvPicPr>
+          <p:nvPr/>
+        </p:nvPicPr>
+        <p:blipFill>
+          <a:blip r:embed="rId3">
+            <a:extLst>
+              <a:ext uri="{28A0092B-C50C-407E-A947-70E740481C1C}">
+                <a14:useLocalDpi xmlns:a14="http://schemas.microsoft.com/office/drawing/2010/main" val="0"/>
+              </a:ext>
+              <a:ext uri="{96DAC541-7B7A-43D3-8B79-37D633B846F1}">
+                <asvg:svgBlip xmlns:asvg="http://schemas.microsoft.com/office/drawing/2016/SVG/main" r:embed="rId4"/>
+              </a:ext>
+            </a:extLst>
+          </a:blip>
+          <a:stretch>
+            <a:fillRect/>
+          </a:stretch>
+        </p:blipFill>
+        <p:spPr>
+          <a:xfrm>
+            <a:off x="6193856" y="645106"/>
+            <a:ext cx="5247747" cy="5247747"/>
+          </a:xfrm>
+          <a:prstGeom prst="rect">
+            <a:avLst/>
+          </a:prstGeom>
+        </p:spPr>
+      </p:pic>
     </p:spTree>
     <p:extLst>
       <p:ext uri="{BB962C8B-B14F-4D97-AF65-F5344CB8AC3E}">
-        <p14:creationId xmlns:p14="http://schemas.microsoft.com/office/powerpoint/2010/main" val="812103937"/>
+        <p14:creationId xmlns:p14="http://schemas.microsoft.com/office/powerpoint/2010/main" val="1884216364"/>
       </p:ext>
     </p:extLst>
   </p:cSld>
@@ -20040,7 +23596,7 @@
           <p:cNvPr id="2" name="Título 1">
             <a:extLst>
               <a:ext uri="{FF2B5EF4-FFF2-40B4-BE49-F238E27FC236}">
-                <a16:creationId xmlns:a16="http://schemas.microsoft.com/office/drawing/2014/main" id="{23E5EA66-C924-CE4C-D905-BCE3CAB51E83}"/>
+                <a16:creationId xmlns:a16="http://schemas.microsoft.com/office/drawing/2014/main" id="{F10B924E-38D1-35CE-D2EA-E4A9CC4738E2}"/>
               </a:ext>
             </a:extLst>
           </p:cNvPr>
@@ -20051,47 +23607,57 @@
             <p:ph type="title"/>
           </p:nvPr>
         </p:nvSpPr>
-        <p:spPr/>
+        <p:spPr>
+          <a:xfrm>
+            <a:off x="0" y="0"/>
+            <a:ext cx="9410341" cy="1280890"/>
+          </a:xfrm>
+        </p:spPr>
         <p:txBody>
           <a:bodyPr/>
           <a:lstStyle/>
           <a:p>
             <a:r>
               <a:rPr lang="es-CL" dirty="0"/>
-              <a:t>Carta Gantt</a:t>
+              <a:t>Resumen Técnico – Diagrama de Clases</a:t>
             </a:r>
           </a:p>
         </p:txBody>
       </p:sp>
-      <p:sp>
-        <p:nvSpPr>
-          <p:cNvPr id="3" name="Marcador de contenido 2">
+      <p:pic>
+        <p:nvPicPr>
+          <p:cNvPr id="6" name="Imagen 5" descr="Diagrama, Dibujo de ingeniería&#10;&#10;El contenido generado por IA puede ser incorrecto.">
             <a:extLst>
               <a:ext uri="{FF2B5EF4-FFF2-40B4-BE49-F238E27FC236}">
-                <a16:creationId xmlns:a16="http://schemas.microsoft.com/office/drawing/2014/main" id="{C09E0E54-EC5C-EB30-0823-AE68C484AFBB}"/>
+                <a16:creationId xmlns:a16="http://schemas.microsoft.com/office/drawing/2014/main" id="{8DD03F33-53DB-0D94-E2DD-F7EF3BC19BCC}"/>
               </a:ext>
             </a:extLst>
           </p:cNvPr>
-          <p:cNvSpPr>
-            <a:spLocks noGrp="1"/>
-          </p:cNvSpPr>
-          <p:nvPr>
-            <p:ph idx="1"/>
-          </p:nvPr>
-        </p:nvSpPr>
-        <p:spPr/>
-        <p:txBody>
-          <a:bodyPr/>
-          <a:lstStyle/>
-          <a:p>
-            <a:endParaRPr lang="es-CL" dirty="0"/>
-          </a:p>
-        </p:txBody>
-      </p:sp>
+          <p:cNvPicPr>
+            <a:picLocks noChangeAspect="1"/>
+          </p:cNvPicPr>
+          <p:nvPr/>
+        </p:nvPicPr>
+        <p:blipFill>
+          <a:blip r:embed="rId2"/>
+          <a:stretch>
+            <a:fillRect/>
+          </a:stretch>
+        </p:blipFill>
+        <p:spPr>
+          <a:xfrm>
+            <a:off x="1034064" y="640445"/>
+            <a:ext cx="10123871" cy="6410451"/>
+          </a:xfrm>
+          <a:prstGeom prst="rect">
+            <a:avLst/>
+          </a:prstGeom>
+        </p:spPr>
+      </p:pic>
     </p:spTree>
     <p:extLst>
       <p:ext uri="{BB962C8B-B14F-4D97-AF65-F5344CB8AC3E}">
-        <p14:creationId xmlns:p14="http://schemas.microsoft.com/office/powerpoint/2010/main" val="1884216364"/>
+        <p14:creationId xmlns:p14="http://schemas.microsoft.com/office/powerpoint/2010/main" val="273536864"/>
       </p:ext>
     </p:extLst>
   </p:cSld>
@@ -20120,61 +23686,148 @@
       </p:grpSpPr>
       <p:sp>
         <p:nvSpPr>
-          <p:cNvPr id="2" name="Título 1">
+          <p:cNvPr id="4" name="Título 1">
             <a:extLst>
               <a:ext uri="{FF2B5EF4-FFF2-40B4-BE49-F238E27FC236}">
-                <a16:creationId xmlns:a16="http://schemas.microsoft.com/office/drawing/2014/main" id="{78BDDDEE-BB2E-FF21-B65B-DB1B819EEA03}"/>
+                <a16:creationId xmlns:a16="http://schemas.microsoft.com/office/drawing/2014/main" id="{850234D8-B149-D0C3-2761-4BC1CCBF5E0F}"/>
               </a:ext>
             </a:extLst>
           </p:cNvPr>
-          <p:cNvSpPr>
-            <a:spLocks noGrp="1"/>
+          <p:cNvSpPr txBox="1">
+            <a:spLocks/>
           </p:cNvSpPr>
-          <p:nvPr>
-            <p:ph type="title"/>
-          </p:nvPr>
+          <p:nvPr/>
         </p:nvSpPr>
-        <p:spPr/>
+        <p:spPr>
+          <a:xfrm>
+            <a:off x="0" y="0"/>
+            <a:ext cx="9410341" cy="1280890"/>
+          </a:xfrm>
+          <a:prstGeom prst="rect">
+            <a:avLst/>
+          </a:prstGeom>
+        </p:spPr>
         <p:txBody>
-          <a:bodyPr/>
-          <a:lstStyle/>
+          <a:bodyPr vert="horz" lIns="91440" tIns="45720" rIns="91440" bIns="45720" rtlCol="0" anchor="t">
+            <a:normAutofit/>
+          </a:bodyPr>
+          <a:lstStyle>
+            <a:lvl1pPr algn="l" defTabSz="457200" rtl="0" eaLnBrk="1" latinLnBrk="0" hangingPunct="1">
+              <a:spcBef>
+                <a:spcPct val="0"/>
+              </a:spcBef>
+              <a:buNone/>
+              <a:defRPr sz="3600" kern="1200">
+                <a:solidFill>
+                  <a:schemeClr val="tx1">
+                    <a:lumMod val="85000"/>
+                    <a:lumOff val="15000"/>
+                  </a:schemeClr>
+                </a:solidFill>
+                <a:latin typeface="+mj-lt"/>
+                <a:ea typeface="+mj-ea"/>
+                <a:cs typeface="+mj-cs"/>
+              </a:defRPr>
+            </a:lvl1pPr>
+            <a:lvl2pPr eaLnBrk="1" hangingPunct="1">
+              <a:defRPr>
+                <a:solidFill>
+                  <a:schemeClr val="tx2"/>
+                </a:solidFill>
+              </a:defRPr>
+            </a:lvl2pPr>
+            <a:lvl3pPr eaLnBrk="1" hangingPunct="1">
+              <a:defRPr>
+                <a:solidFill>
+                  <a:schemeClr val="tx2"/>
+                </a:solidFill>
+              </a:defRPr>
+            </a:lvl3pPr>
+            <a:lvl4pPr eaLnBrk="1" hangingPunct="1">
+              <a:defRPr>
+                <a:solidFill>
+                  <a:schemeClr val="tx2"/>
+                </a:solidFill>
+              </a:defRPr>
+            </a:lvl4pPr>
+            <a:lvl5pPr eaLnBrk="1" hangingPunct="1">
+              <a:defRPr>
+                <a:solidFill>
+                  <a:schemeClr val="tx2"/>
+                </a:solidFill>
+              </a:defRPr>
+            </a:lvl5pPr>
+            <a:lvl6pPr eaLnBrk="1" hangingPunct="1">
+              <a:defRPr>
+                <a:solidFill>
+                  <a:schemeClr val="tx2"/>
+                </a:solidFill>
+              </a:defRPr>
+            </a:lvl6pPr>
+            <a:lvl7pPr eaLnBrk="1" hangingPunct="1">
+              <a:defRPr>
+                <a:solidFill>
+                  <a:schemeClr val="tx2"/>
+                </a:solidFill>
+              </a:defRPr>
+            </a:lvl7pPr>
+            <a:lvl8pPr eaLnBrk="1" hangingPunct="1">
+              <a:defRPr>
+                <a:solidFill>
+                  <a:schemeClr val="tx2"/>
+                </a:solidFill>
+              </a:defRPr>
+            </a:lvl8pPr>
+            <a:lvl9pPr eaLnBrk="1" hangingPunct="1">
+              <a:defRPr>
+                <a:solidFill>
+                  <a:schemeClr val="tx2"/>
+                </a:solidFill>
+              </a:defRPr>
+            </a:lvl9pPr>
+          </a:lstStyle>
           <a:p>
             <a:r>
               <a:rPr lang="es-CL" dirty="0"/>
-              <a:t>Evidencias</a:t>
+              <a:t>Resumen Técnico – Arquitectura</a:t>
             </a:r>
           </a:p>
         </p:txBody>
       </p:sp>
-      <p:sp>
-        <p:nvSpPr>
-          <p:cNvPr id="3" name="Marcador de contenido 2">
+      <p:pic>
+        <p:nvPicPr>
+          <p:cNvPr id="6" name="Imagen 5" descr="Diagrama&#10;&#10;El contenido generado por IA puede ser incorrecto.">
             <a:extLst>
               <a:ext uri="{FF2B5EF4-FFF2-40B4-BE49-F238E27FC236}">
-                <a16:creationId xmlns:a16="http://schemas.microsoft.com/office/drawing/2014/main" id="{65783CBC-7524-9CEA-EB9F-34F64CECC8B4}"/>
+                <a16:creationId xmlns:a16="http://schemas.microsoft.com/office/drawing/2014/main" id="{84CFA363-6EE5-925B-C908-425BC28023A1}"/>
               </a:ext>
             </a:extLst>
           </p:cNvPr>
-          <p:cNvSpPr>
-            <a:spLocks noGrp="1"/>
-          </p:cNvSpPr>
-          <p:nvPr>
-            <p:ph idx="1"/>
-          </p:nvPr>
-        </p:nvSpPr>
-        <p:spPr/>
-        <p:txBody>
-          <a:bodyPr/>
-          <a:lstStyle/>
-          <a:p>
-            <a:endParaRPr lang="es-CL"/>
-          </a:p>
-        </p:txBody>
-      </p:sp>
+          <p:cNvPicPr>
+            <a:picLocks noChangeAspect="1"/>
+          </p:cNvPicPr>
+          <p:nvPr/>
+        </p:nvPicPr>
+        <p:blipFill>
+          <a:blip r:embed="rId2"/>
+          <a:stretch>
+            <a:fillRect/>
+          </a:stretch>
+        </p:blipFill>
+        <p:spPr>
+          <a:xfrm>
+            <a:off x="2074605" y="586281"/>
+            <a:ext cx="7771655" cy="6084906"/>
+          </a:xfrm>
+          <a:prstGeom prst="rect">
+            <a:avLst/>
+          </a:prstGeom>
+        </p:spPr>
+      </p:pic>
     </p:spTree>
     <p:extLst>
       <p:ext uri="{BB962C8B-B14F-4D97-AF65-F5344CB8AC3E}">
-        <p14:creationId xmlns:p14="http://schemas.microsoft.com/office/powerpoint/2010/main" val="389965049"/>
+        <p14:creationId xmlns:p14="http://schemas.microsoft.com/office/powerpoint/2010/main" val="797694825"/>
       </p:ext>
     </p:extLst>
   </p:cSld>
